--- a/Presentation/LTI Template.pptx
+++ b/Presentation/LTI Template.pptx
@@ -6,23 +6,31 @@
     <p:sldMasterId id="2147483672" r:id="rId5"/>
   </p:sldMasterIdLst>
   <p:notesMasterIdLst>
-    <p:notesMasterId r:id="rId17"/>
+    <p:notesMasterId r:id="rId25"/>
   </p:notesMasterIdLst>
   <p:handoutMasterIdLst>
-    <p:handoutMasterId r:id="rId18"/>
+    <p:handoutMasterId r:id="rId26"/>
   </p:handoutMasterIdLst>
   <p:sldIdLst>
     <p:sldId id="256" r:id="rId6"/>
-    <p:sldId id="271" r:id="rId7"/>
-    <p:sldId id="273" r:id="rId8"/>
-    <p:sldId id="274" r:id="rId9"/>
-    <p:sldId id="275" r:id="rId10"/>
-    <p:sldId id="276" r:id="rId11"/>
-    <p:sldId id="277" r:id="rId12"/>
-    <p:sldId id="278" r:id="rId13"/>
+    <p:sldId id="273" r:id="rId7"/>
+    <p:sldId id="271" r:id="rId8"/>
+    <p:sldId id="287" r:id="rId9"/>
+    <p:sldId id="274" r:id="rId10"/>
+    <p:sldId id="275" r:id="rId11"/>
+    <p:sldId id="276" r:id="rId12"/>
+    <p:sldId id="277" r:id="rId13"/>
     <p:sldId id="279" r:id="rId14"/>
-    <p:sldId id="272" r:id="rId15"/>
-    <p:sldId id="269" r:id="rId16"/>
+    <p:sldId id="278" r:id="rId15"/>
+    <p:sldId id="272" r:id="rId16"/>
+    <p:sldId id="280" r:id="rId17"/>
+    <p:sldId id="281" r:id="rId18"/>
+    <p:sldId id="282" r:id="rId19"/>
+    <p:sldId id="283" r:id="rId20"/>
+    <p:sldId id="284" r:id="rId21"/>
+    <p:sldId id="285" r:id="rId22"/>
+    <p:sldId id="286" r:id="rId23"/>
+    <p:sldId id="269" r:id="rId24"/>
   </p:sldIdLst>
   <p:sldSz cx="9144000" cy="5143500" type="screen16x9"/>
   <p:notesSz cx="7010400" cy="9236075"/>
@@ -153,7 +161,7 @@
   </p:defaultTextStyle>
   <p:extLst>
     <p:ext uri="{EFAFB233-063F-42B5-8137-9DF3F51BA10A}">
-      <p15:sldGuideLst xmlns="" xmlns:p15="http://schemas.microsoft.com/office/powerpoint/2012/main">
+      <p15:sldGuideLst xmlns:p15="http://schemas.microsoft.com/office/powerpoint/2012/main">
         <p15:guide id="1" orient="horz" pos="2532" userDrawn="1">
           <p15:clr>
             <a:srgbClr val="A4A3A4"/>
@@ -287,7 +295,7 @@
       </p15:sldGuideLst>
     </p:ext>
     <p:ext uri="{2D200454-40CA-4A62-9FC3-DE9A4176ACB9}">
-      <p15:notesGuideLst xmlns="" xmlns:p15="http://schemas.microsoft.com/office/powerpoint/2012/main">
+      <p15:notesGuideLst xmlns:p15="http://schemas.microsoft.com/office/powerpoint/2012/main">
         <p15:guide id="1" orient="horz" pos="2909">
           <p15:clr>
             <a:srgbClr val="A4A3A4"/>
@@ -1073,10 +1081,9 @@
         <a:lstStyle/>
         <a:p>
           <a:r>
-            <a:rPr lang="en-US" dirty="0" smtClean="0"/>
+            <a:rPr lang="en-US" dirty="0"/>
             <a:t>Farmer</a:t>
           </a:r>
-          <a:endParaRPr lang="en-US" dirty="0"/>
         </a:p>
       </dgm:t>
     </dgm:pt>
@@ -1110,7 +1117,7 @@
         <a:lstStyle/>
         <a:p>
           <a:r>
-            <a:rPr lang="en-US" dirty="0" smtClean="0"/>
+            <a:rPr lang="en-US" dirty="0"/>
             <a:t>Crop Sell Request</a:t>
           </a:r>
         </a:p>
@@ -1149,10 +1156,9 @@
         <a:lstStyle/>
         <a:p>
           <a:r>
-            <a:rPr lang="en-US" dirty="0" smtClean="0"/>
+            <a:rPr lang="en-US" dirty="0"/>
             <a:t>View Market Place</a:t>
           </a:r>
-          <a:endParaRPr lang="en-US" dirty="0"/>
         </a:p>
       </dgm:t>
     </dgm:pt>
@@ -1186,10 +1192,9 @@
         <a:lstStyle/>
         <a:p>
           <a:r>
-            <a:rPr lang="en-US" dirty="0" smtClean="0"/>
+            <a:rPr lang="en-US" dirty="0"/>
             <a:t>Admin Approval</a:t>
           </a:r>
-          <a:endParaRPr lang="en-US" dirty="0"/>
         </a:p>
       </dgm:t>
     </dgm:pt>
@@ -1223,10 +1228,9 @@
         <a:lstStyle/>
         <a:p>
           <a:r>
-            <a:rPr lang="en-US" dirty="0" smtClean="0"/>
+            <a:rPr lang="en-US" dirty="0"/>
             <a:t>Farmer and Bidder Registration</a:t>
           </a:r>
-          <a:endParaRPr lang="en-US" dirty="0"/>
         </a:p>
       </dgm:t>
     </dgm:pt>
@@ -1260,10 +1264,9 @@
         <a:lstStyle/>
         <a:p>
           <a:r>
-            <a:rPr lang="en-US" dirty="0" smtClean="0"/>
+            <a:rPr lang="en-US" dirty="0"/>
             <a:t>Approve Crop sell Request</a:t>
           </a:r>
-          <a:endParaRPr lang="en-US" dirty="0"/>
         </a:p>
       </dgm:t>
     </dgm:pt>
@@ -1297,10 +1300,9 @@
         <a:lstStyle/>
         <a:p>
           <a:r>
-            <a:rPr lang="en-US" dirty="0" smtClean="0"/>
+            <a:rPr lang="en-US" dirty="0"/>
             <a:t>Bidder</a:t>
           </a:r>
-          <a:endParaRPr lang="en-US" dirty="0"/>
         </a:p>
       </dgm:t>
     </dgm:pt>
@@ -1334,10 +1336,9 @@
         <a:lstStyle/>
         <a:p>
           <a:r>
-            <a:rPr lang="en-US" dirty="0" smtClean="0"/>
+            <a:rPr lang="en-US" dirty="0"/>
             <a:t>View Crop details and Place Bid</a:t>
           </a:r>
-          <a:endParaRPr lang="en-US" dirty="0"/>
         </a:p>
       </dgm:t>
     </dgm:pt>
@@ -1371,10 +1372,9 @@
         <a:lstStyle/>
         <a:p>
           <a:r>
-            <a:rPr lang="en-US" dirty="0" smtClean="0"/>
+            <a:rPr lang="en-US" dirty="0"/>
             <a:t>View Sold history</a:t>
           </a:r>
-          <a:endParaRPr lang="en-US" dirty="0"/>
         </a:p>
       </dgm:t>
     </dgm:pt>
@@ -1408,10 +1408,9 @@
         <a:lstStyle/>
         <a:p>
           <a:r>
-            <a:rPr lang="en-US" dirty="0" smtClean="0"/>
+            <a:rPr lang="en-US" dirty="0"/>
             <a:t>Insurance  Claim</a:t>
           </a:r>
-          <a:endParaRPr lang="en-US" dirty="0"/>
         </a:p>
       </dgm:t>
     </dgm:pt>
@@ -1445,10 +1444,9 @@
         <a:lstStyle/>
         <a:p>
           <a:r>
-            <a:rPr lang="en-US" dirty="0" smtClean="0"/>
+            <a:rPr lang="en-US" dirty="0"/>
             <a:t>Apply For Insurance</a:t>
           </a:r>
-          <a:endParaRPr lang="en-US" dirty="0"/>
         </a:p>
       </dgm:t>
     </dgm:pt>
@@ -1482,10 +1480,9 @@
         <a:lstStyle/>
         <a:p>
           <a:r>
-            <a:rPr lang="en-US" dirty="0" smtClean="0"/>
+            <a:rPr lang="en-US" dirty="0"/>
             <a:t>Approve Bid</a:t>
           </a:r>
-          <a:endParaRPr lang="en-US" dirty="0"/>
         </a:p>
       </dgm:t>
     </dgm:pt>
@@ -1519,10 +1516,9 @@
         <a:lstStyle/>
         <a:p>
           <a:r>
-            <a:rPr lang="en-US" dirty="0" smtClean="0"/>
+            <a:rPr lang="en-US" dirty="0"/>
             <a:t>Approve insurance Claim</a:t>
           </a:r>
-          <a:endParaRPr lang="en-US" dirty="0"/>
         </a:p>
       </dgm:t>
     </dgm:pt>
@@ -1548,43 +1544,6 @@
         </a:p>
       </dgm:t>
     </dgm:pt>
-    <dgm:pt modelId="{768E52E8-049A-4B2C-A384-EBA041AE8FFC}">
-      <dgm:prSet phldrT="[Text]"/>
-      <dgm:spPr/>
-      <dgm:t>
-        <a:bodyPr/>
-        <a:lstStyle/>
-        <a:p>
-          <a:r>
-            <a:rPr lang="en-US" dirty="0" smtClean="0"/>
-            <a:t>Bidder Register</a:t>
-          </a:r>
-          <a:endParaRPr lang="en-US" dirty="0"/>
-        </a:p>
-      </dgm:t>
-    </dgm:pt>
-    <dgm:pt modelId="{2EE184A0-5511-43F4-AA9D-F95605C83638}" type="parTrans" cxnId="{2E0D65D2-6946-4389-9FF7-DEAD50D1C2C5}">
-      <dgm:prSet/>
-      <dgm:spPr/>
-      <dgm:t>
-        <a:bodyPr/>
-        <a:lstStyle/>
-        <a:p>
-          <a:endParaRPr lang="en-US"/>
-        </a:p>
-      </dgm:t>
-    </dgm:pt>
-    <dgm:pt modelId="{90666C44-6374-465F-867A-65514C4BCA06}" type="sibTrans" cxnId="{2E0D65D2-6946-4389-9FF7-DEAD50D1C2C5}">
-      <dgm:prSet/>
-      <dgm:spPr/>
-      <dgm:t>
-        <a:bodyPr/>
-        <a:lstStyle/>
-        <a:p>
-          <a:endParaRPr lang="en-US"/>
-        </a:p>
-      </dgm:t>
-    </dgm:pt>
     <dgm:pt modelId="{FB909C85-8D82-41ED-8A7E-074068E60F13}">
       <dgm:prSet phldrT="[Text]"/>
       <dgm:spPr/>
@@ -1593,10 +1552,9 @@
         <a:lstStyle/>
         <a:p>
           <a:r>
-            <a:rPr lang="en-US" dirty="0" smtClean="0"/>
+            <a:rPr lang="en-US" dirty="0"/>
             <a:t>Bidder Register</a:t>
           </a:r>
-          <a:endParaRPr lang="en-US" dirty="0"/>
         </a:p>
       </dgm:t>
     </dgm:pt>
@@ -1622,6 +1580,43 @@
         </a:p>
       </dgm:t>
     </dgm:pt>
+    <dgm:pt modelId="{FFB606C0-7620-4CD2-8170-8F86E738DEDA}">
+      <dgm:prSet/>
+      <dgm:spPr/>
+      <dgm:t>
+        <a:bodyPr/>
+        <a:lstStyle/>
+        <a:p>
+          <a:r>
+            <a:rPr lang="en-US" dirty="0"/>
+            <a:t>Farmer Register</a:t>
+          </a:r>
+          <a:endParaRPr lang="en-IN" dirty="0"/>
+        </a:p>
+      </dgm:t>
+    </dgm:pt>
+    <dgm:pt modelId="{703CF5B5-A235-42B4-B58F-EA1101EA44B1}" type="parTrans" cxnId="{30DC8AB1-7048-434A-B7B9-E43532759993}">
+      <dgm:prSet/>
+      <dgm:spPr/>
+      <dgm:t>
+        <a:bodyPr/>
+        <a:lstStyle/>
+        <a:p>
+          <a:endParaRPr lang="en-IN"/>
+        </a:p>
+      </dgm:t>
+    </dgm:pt>
+    <dgm:pt modelId="{BB8904D6-CF96-44D2-8407-9B2158FB14B0}" type="sibTrans" cxnId="{30DC8AB1-7048-434A-B7B9-E43532759993}">
+      <dgm:prSet/>
+      <dgm:spPr/>
+      <dgm:t>
+        <a:bodyPr/>
+        <a:lstStyle/>
+        <a:p>
+          <a:endParaRPr lang="en-IN"/>
+        </a:p>
+      </dgm:t>
+    </dgm:pt>
     <dgm:pt modelId="{F44F0F91-5A03-462C-84E4-AE027E6389D1}" type="pres">
       <dgm:prSet presAssocID="{37AF6ECE-5A42-47A1-B620-B38C4C813BD8}" presName="diagram" presStyleCnt="0">
         <dgm:presLayoutVars>
@@ -1633,13 +1628,6 @@
         </dgm:presLayoutVars>
       </dgm:prSet>
       <dgm:spPr/>
-      <dgm:t>
-        <a:bodyPr/>
-        <a:lstStyle/>
-        <a:p>
-          <a:endParaRPr lang="en-US"/>
-        </a:p>
-      </dgm:t>
     </dgm:pt>
     <dgm:pt modelId="{28B3BEFD-E792-4563-BDF1-69EFCB10D200}" type="pres">
       <dgm:prSet presAssocID="{3543AADA-A797-45F0-9B1F-174B16461FBF}" presName="root" presStyleCnt="0"/>
@@ -1652,156 +1640,86 @@
     <dgm:pt modelId="{C4D15939-E949-4D03-A17B-796953706850}" type="pres">
       <dgm:prSet presAssocID="{3543AADA-A797-45F0-9B1F-174B16461FBF}" presName="rootText" presStyleLbl="node1" presStyleIdx="0" presStyleCnt="3"/>
       <dgm:spPr/>
-      <dgm:t>
-        <a:bodyPr/>
-        <a:lstStyle/>
-        <a:p>
-          <a:endParaRPr lang="en-US"/>
-        </a:p>
-      </dgm:t>
     </dgm:pt>
     <dgm:pt modelId="{CB3D2A88-7348-4C79-BADE-263EF2A6F93E}" type="pres">
       <dgm:prSet presAssocID="{3543AADA-A797-45F0-9B1F-174B16461FBF}" presName="rootConnector" presStyleLbl="node1" presStyleIdx="0" presStyleCnt="3"/>
       <dgm:spPr/>
-      <dgm:t>
-        <a:bodyPr/>
-        <a:lstStyle/>
-        <a:p>
-          <a:endParaRPr lang="en-US"/>
-        </a:p>
-      </dgm:t>
     </dgm:pt>
     <dgm:pt modelId="{33AA52DD-E1B8-479A-8D0F-A218535AE398}" type="pres">
       <dgm:prSet presAssocID="{3543AADA-A797-45F0-9B1F-174B16461FBF}" presName="childShape" presStyleCnt="0"/>
       <dgm:spPr/>
     </dgm:pt>
-    <dgm:pt modelId="{633132C9-91BE-4D7E-83FC-FB34F2F6F7E4}" type="pres">
-      <dgm:prSet presAssocID="{65DFA1B5-8F2A-4A9F-8226-9D81BB51EA1C}" presName="Name13" presStyleLbl="parChTrans1D2" presStyleIdx="0" presStyleCnt="12"/>
+    <dgm:pt modelId="{A84CF40D-47B0-4963-AB18-332A44CF31D0}" type="pres">
+      <dgm:prSet presAssocID="{703CF5B5-A235-42B4-B58F-EA1101EA44B1}" presName="Name13" presStyleLbl="parChTrans1D2" presStyleIdx="0" presStyleCnt="12"/>
       <dgm:spPr/>
-      <dgm:t>
-        <a:bodyPr/>
-        <a:lstStyle/>
-        <a:p>
-          <a:endParaRPr lang="en-US"/>
-        </a:p>
-      </dgm:t>
     </dgm:pt>
-    <dgm:pt modelId="{714DB6AE-C2F3-4872-9A02-CA7F63E4D96D}" type="pres">
-      <dgm:prSet presAssocID="{9071CAFC-3351-4E91-9C39-84C5CB7C8CC6}" presName="childText" presStyleLbl="bgAcc1" presStyleIdx="0" presStyleCnt="12">
+    <dgm:pt modelId="{D3D25395-08D1-441F-9B7E-17D4D463BDB4}" type="pres">
+      <dgm:prSet presAssocID="{FFB606C0-7620-4CD2-8170-8F86E738DEDA}" presName="childText" presStyleLbl="bgAcc1" presStyleIdx="0" presStyleCnt="12">
         <dgm:presLayoutVars>
           <dgm:bulletEnabled val="1"/>
         </dgm:presLayoutVars>
       </dgm:prSet>
       <dgm:spPr/>
-      <dgm:t>
-        <a:bodyPr/>
-        <a:lstStyle/>
-        <a:p>
-          <a:endParaRPr lang="en-US"/>
-        </a:p>
-      </dgm:t>
     </dgm:pt>
-    <dgm:pt modelId="{B9ED6E5A-7A68-4326-BB3D-31274C0EF7FB}" type="pres">
-      <dgm:prSet presAssocID="{8D774CC7-1DE2-421D-B978-13BB6C14608A}" presName="Name13" presStyleLbl="parChTrans1D2" presStyleIdx="1" presStyleCnt="12"/>
+    <dgm:pt modelId="{633132C9-91BE-4D7E-83FC-FB34F2F6F7E4}" type="pres">
+      <dgm:prSet presAssocID="{65DFA1B5-8F2A-4A9F-8226-9D81BB51EA1C}" presName="Name13" presStyleLbl="parChTrans1D2" presStyleIdx="1" presStyleCnt="12"/>
       <dgm:spPr/>
-      <dgm:t>
-        <a:bodyPr/>
-        <a:lstStyle/>
-        <a:p>
-          <a:endParaRPr lang="en-US"/>
-        </a:p>
-      </dgm:t>
     </dgm:pt>
-    <dgm:pt modelId="{25502D99-7FD7-41CD-AAE4-9D5523899B08}" type="pres">
-      <dgm:prSet presAssocID="{12D3E57E-2284-426A-8355-8FF7F994E4DB}" presName="childText" presStyleLbl="bgAcc1" presStyleIdx="1" presStyleCnt="12">
+    <dgm:pt modelId="{714DB6AE-C2F3-4872-9A02-CA7F63E4D96D}" type="pres">
+      <dgm:prSet presAssocID="{9071CAFC-3351-4E91-9C39-84C5CB7C8CC6}" presName="childText" presStyleLbl="bgAcc1" presStyleIdx="1" presStyleCnt="12" custLinFactNeighborX="-1126" custLinFactNeighborY="5407">
         <dgm:presLayoutVars>
           <dgm:bulletEnabled val="1"/>
         </dgm:presLayoutVars>
       </dgm:prSet>
       <dgm:spPr/>
-      <dgm:t>
-        <a:bodyPr/>
-        <a:lstStyle/>
-        <a:p>
-          <a:endParaRPr lang="en-US"/>
-        </a:p>
-      </dgm:t>
     </dgm:pt>
-    <dgm:pt modelId="{9ABE1850-1DC2-428A-96C7-13DC2B1C7DC4}" type="pres">
-      <dgm:prSet presAssocID="{BC9E353A-88B6-4B2A-A889-CFB69A5EF176}" presName="Name13" presStyleLbl="parChTrans1D2" presStyleIdx="2" presStyleCnt="12"/>
+    <dgm:pt modelId="{B9ED6E5A-7A68-4326-BB3D-31274C0EF7FB}" type="pres">
+      <dgm:prSet presAssocID="{8D774CC7-1DE2-421D-B978-13BB6C14608A}" presName="Name13" presStyleLbl="parChTrans1D2" presStyleIdx="2" presStyleCnt="12"/>
       <dgm:spPr/>
     </dgm:pt>
-    <dgm:pt modelId="{C93CB391-7ECF-4B31-9CA1-DF3E01A28D59}" type="pres">
-      <dgm:prSet presAssocID="{870662EF-C1EA-4BD2-B50B-0C60C38D7B38}" presName="childText" presStyleLbl="bgAcc1" presStyleIdx="2" presStyleCnt="12">
+    <dgm:pt modelId="{25502D99-7FD7-41CD-AAE4-9D5523899B08}" type="pres">
+      <dgm:prSet presAssocID="{12D3E57E-2284-426A-8355-8FF7F994E4DB}" presName="childText" presStyleLbl="bgAcc1" presStyleIdx="2" presStyleCnt="12">
         <dgm:presLayoutVars>
           <dgm:bulletEnabled val="1"/>
         </dgm:presLayoutVars>
       </dgm:prSet>
       <dgm:spPr/>
-      <dgm:t>
-        <a:bodyPr/>
-        <a:lstStyle/>
-        <a:p>
-          <a:endParaRPr lang="en-US"/>
-        </a:p>
-      </dgm:t>
     </dgm:pt>
-    <dgm:pt modelId="{FFFD4F90-0E3D-4661-8D3A-EFC448AF72C0}" type="pres">
-      <dgm:prSet presAssocID="{4A94DE97-FC94-4D37-B37E-91255550F3E2}" presName="Name13" presStyleLbl="parChTrans1D2" presStyleIdx="3" presStyleCnt="12"/>
+    <dgm:pt modelId="{9ABE1850-1DC2-428A-96C7-13DC2B1C7DC4}" type="pres">
+      <dgm:prSet presAssocID="{BC9E353A-88B6-4B2A-A889-CFB69A5EF176}" presName="Name13" presStyleLbl="parChTrans1D2" presStyleIdx="3" presStyleCnt="12"/>
       <dgm:spPr/>
     </dgm:pt>
-    <dgm:pt modelId="{C0C09044-7DB3-47B2-96E1-E8A1222127F1}" type="pres">
-      <dgm:prSet presAssocID="{1C66BD51-2952-47E0-B6AD-59A04BFB7A4F}" presName="childText" presStyleLbl="bgAcc1" presStyleIdx="3" presStyleCnt="12" custLinFactX="200000" custLinFactNeighborX="205110" custLinFactNeighborY="54017">
+    <dgm:pt modelId="{C93CB391-7ECF-4B31-9CA1-DF3E01A28D59}" type="pres">
+      <dgm:prSet presAssocID="{870662EF-C1EA-4BD2-B50B-0C60C38D7B38}" presName="childText" presStyleLbl="bgAcc1" presStyleIdx="3" presStyleCnt="12">
         <dgm:presLayoutVars>
           <dgm:bulletEnabled val="1"/>
         </dgm:presLayoutVars>
       </dgm:prSet>
       <dgm:spPr/>
-      <dgm:t>
-        <a:bodyPr/>
-        <a:lstStyle/>
-        <a:p>
-          <a:endParaRPr lang="en-US"/>
-        </a:p>
-      </dgm:t>
     </dgm:pt>
-    <dgm:pt modelId="{123499D8-644A-4435-922C-D77FD875B47C}" type="pres">
-      <dgm:prSet presAssocID="{8B925125-B3B9-41C0-A304-A179BAD2FCFB}" presName="Name13" presStyleLbl="parChTrans1D2" presStyleIdx="4" presStyleCnt="12"/>
+    <dgm:pt modelId="{FFFD4F90-0E3D-4661-8D3A-EFC448AF72C0}" type="pres">
+      <dgm:prSet presAssocID="{4A94DE97-FC94-4D37-B37E-91255550F3E2}" presName="Name13" presStyleLbl="parChTrans1D2" presStyleIdx="4" presStyleCnt="12"/>
       <dgm:spPr/>
     </dgm:pt>
-    <dgm:pt modelId="{C87C61FB-31D1-47B9-AF3E-9A3A8536F8B3}" type="pres">
-      <dgm:prSet presAssocID="{C38AE3E6-D19A-4851-8C5A-137837D12405}" presName="childText" presStyleLbl="bgAcc1" presStyleIdx="4" presStyleCnt="12" custLinFactX="93514" custLinFactNeighborX="100000" custLinFactNeighborY="-70666">
+    <dgm:pt modelId="{C0C09044-7DB3-47B2-96E1-E8A1222127F1}" type="pres">
+      <dgm:prSet presAssocID="{1C66BD51-2952-47E0-B6AD-59A04BFB7A4F}" presName="childText" presStyleLbl="bgAcc1" presStyleIdx="4" presStyleCnt="12" custLinFactX="100000" custLinFactNeighborX="128171" custLinFactNeighborY="61518">
         <dgm:presLayoutVars>
           <dgm:bulletEnabled val="1"/>
         </dgm:presLayoutVars>
       </dgm:prSet>
       <dgm:spPr/>
-      <dgm:t>
-        <a:bodyPr/>
-        <a:lstStyle/>
-        <a:p>
-          <a:endParaRPr lang="en-US"/>
-        </a:p>
-      </dgm:t>
     </dgm:pt>
-    <dgm:pt modelId="{29A251B2-D7B9-4CD7-AF9B-47A94B3137B2}" type="pres">
-      <dgm:prSet presAssocID="{2EE184A0-5511-43F4-AA9D-F95605C83638}" presName="Name13" presStyleLbl="parChTrans1D2" presStyleIdx="5" presStyleCnt="12"/>
+    <dgm:pt modelId="{123499D8-644A-4435-922C-D77FD875B47C}" type="pres">
+      <dgm:prSet presAssocID="{8B925125-B3B9-41C0-A304-A179BAD2FCFB}" presName="Name13" presStyleLbl="parChTrans1D2" presStyleIdx="5" presStyleCnt="12"/>
       <dgm:spPr/>
     </dgm:pt>
-    <dgm:pt modelId="{1218056D-B9B7-4698-81B9-F2DB150F36D2}" type="pres">
-      <dgm:prSet presAssocID="{768E52E8-049A-4B2C-A384-EBA041AE8FFC}" presName="childText" presStyleLbl="bgAcc1" presStyleIdx="5" presStyleCnt="12" custLinFactY="-95708" custLinFactNeighborX="43514" custLinFactNeighborY="-100000">
+    <dgm:pt modelId="{C87C61FB-31D1-47B9-AF3E-9A3A8536F8B3}" type="pres">
+      <dgm:prSet presAssocID="{C38AE3E6-D19A-4851-8C5A-137837D12405}" presName="childText" presStyleLbl="bgAcc1" presStyleIdx="5" presStyleCnt="12" custLinFactNeighborX="25644" custLinFactNeighborY="-68875">
         <dgm:presLayoutVars>
           <dgm:bulletEnabled val="1"/>
         </dgm:presLayoutVars>
       </dgm:prSet>
       <dgm:spPr/>
-      <dgm:t>
-        <a:bodyPr/>
-        <a:lstStyle/>
-        <a:p>
-          <a:endParaRPr lang="en-US"/>
-        </a:p>
-      </dgm:t>
     </dgm:pt>
     <dgm:pt modelId="{91294B8C-0081-479D-A554-A3700B9C3684}" type="pres">
       <dgm:prSet presAssocID="{8DB93D78-3391-48A0-BCC2-5BECA2BD98C4}" presName="root" presStyleCnt="0"/>
@@ -1814,24 +1732,10 @@
     <dgm:pt modelId="{CB644F58-97CA-4CE5-8B54-C6D739C1EB04}" type="pres">
       <dgm:prSet presAssocID="{8DB93D78-3391-48A0-BCC2-5BECA2BD98C4}" presName="rootText" presStyleLbl="node1" presStyleIdx="1" presStyleCnt="3"/>
       <dgm:spPr/>
-      <dgm:t>
-        <a:bodyPr/>
-        <a:lstStyle/>
-        <a:p>
-          <a:endParaRPr lang="en-US"/>
-        </a:p>
-      </dgm:t>
     </dgm:pt>
     <dgm:pt modelId="{76780EF6-5731-4414-AED5-E278637E003A}" type="pres">
       <dgm:prSet presAssocID="{8DB93D78-3391-48A0-BCC2-5BECA2BD98C4}" presName="rootConnector" presStyleLbl="node1" presStyleIdx="1" presStyleCnt="3"/>
       <dgm:spPr/>
-      <dgm:t>
-        <a:bodyPr/>
-        <a:lstStyle/>
-        <a:p>
-          <a:endParaRPr lang="en-US"/>
-        </a:p>
-      </dgm:t>
     </dgm:pt>
     <dgm:pt modelId="{A8773A38-3317-4540-9FE6-7D0F19A4EAEC}" type="pres">
       <dgm:prSet presAssocID="{8DB93D78-3391-48A0-BCC2-5BECA2BD98C4}" presName="childShape" presStyleCnt="0"/>
@@ -1840,13 +1744,6 @@
     <dgm:pt modelId="{3B3FBF1F-AA42-4C03-9EDF-80F5080EABD6}" type="pres">
       <dgm:prSet presAssocID="{92F2D893-04F1-492F-95F8-AF5F504A65FA}" presName="Name13" presStyleLbl="parChTrans1D2" presStyleIdx="6" presStyleCnt="12"/>
       <dgm:spPr/>
-      <dgm:t>
-        <a:bodyPr/>
-        <a:lstStyle/>
-        <a:p>
-          <a:endParaRPr lang="en-US"/>
-        </a:p>
-      </dgm:t>
     </dgm:pt>
     <dgm:pt modelId="{D5DE0863-715C-4DA2-B631-266566CBAC8C}" type="pres">
       <dgm:prSet presAssocID="{8EA75D1F-5CB4-44B5-A397-605C551862ED}" presName="childText" presStyleLbl="bgAcc1" presStyleIdx="6" presStyleCnt="12">
@@ -1855,24 +1752,10 @@
         </dgm:presLayoutVars>
       </dgm:prSet>
       <dgm:spPr/>
-      <dgm:t>
-        <a:bodyPr/>
-        <a:lstStyle/>
-        <a:p>
-          <a:endParaRPr lang="en-US"/>
-        </a:p>
-      </dgm:t>
     </dgm:pt>
     <dgm:pt modelId="{525F23C3-BA15-4D45-A856-1B655B06D187}" type="pres">
       <dgm:prSet presAssocID="{EE750600-B98D-4178-A0D8-C8507F13F999}" presName="Name13" presStyleLbl="parChTrans1D2" presStyleIdx="7" presStyleCnt="12"/>
       <dgm:spPr/>
-      <dgm:t>
-        <a:bodyPr/>
-        <a:lstStyle/>
-        <a:p>
-          <a:endParaRPr lang="en-US"/>
-        </a:p>
-      </dgm:t>
     </dgm:pt>
     <dgm:pt modelId="{EF3D75A8-D88A-4DB0-8A52-1BA7ED1735E5}" type="pres">
       <dgm:prSet presAssocID="{0AB219C4-82E7-42DA-9372-DCE1694EF1FB}" presName="childText" presStyleLbl="bgAcc1" presStyleIdx="7" presStyleCnt="12">
@@ -1881,13 +1764,6 @@
         </dgm:presLayoutVars>
       </dgm:prSet>
       <dgm:spPr/>
-      <dgm:t>
-        <a:bodyPr/>
-        <a:lstStyle/>
-        <a:p>
-          <a:endParaRPr lang="en-US"/>
-        </a:p>
-      </dgm:t>
     </dgm:pt>
     <dgm:pt modelId="{FBA32C28-017C-4A67-864E-14DFF9161340}" type="pres">
       <dgm:prSet presAssocID="{80B27C9C-4C0A-4579-B206-87B13BBF80C2}" presName="Name13" presStyleLbl="parChTrans1D2" presStyleIdx="8" presStyleCnt="12"/>
@@ -1900,13 +1776,6 @@
         </dgm:presLayoutVars>
       </dgm:prSet>
       <dgm:spPr/>
-      <dgm:t>
-        <a:bodyPr/>
-        <a:lstStyle/>
-        <a:p>
-          <a:endParaRPr lang="en-US"/>
-        </a:p>
-      </dgm:t>
     </dgm:pt>
     <dgm:pt modelId="{098295D4-EC25-4FDE-A726-51B557B41119}" type="pres">
       <dgm:prSet presAssocID="{45229FD7-43A8-48AB-9B75-3D8ABA1512D8}" presName="Name13" presStyleLbl="parChTrans1D2" presStyleIdx="9" presStyleCnt="12"/>
@@ -1919,13 +1788,6 @@
         </dgm:presLayoutVars>
       </dgm:prSet>
       <dgm:spPr/>
-      <dgm:t>
-        <a:bodyPr/>
-        <a:lstStyle/>
-        <a:p>
-          <a:endParaRPr lang="en-US"/>
-        </a:p>
-      </dgm:t>
     </dgm:pt>
     <dgm:pt modelId="{3659F212-768E-4D62-A2A1-693C93B1ED60}" type="pres">
       <dgm:prSet presAssocID="{3FB6477D-C6BC-4FE7-BF11-A99DD46B0D9C}" presName="root" presStyleCnt="0"/>
@@ -1938,24 +1800,10 @@
     <dgm:pt modelId="{373B6F88-96DC-415C-98F4-BDD6E7A8708B}" type="pres">
       <dgm:prSet presAssocID="{3FB6477D-C6BC-4FE7-BF11-A99DD46B0D9C}" presName="rootText" presStyleLbl="node1" presStyleIdx="2" presStyleCnt="3"/>
       <dgm:spPr/>
-      <dgm:t>
-        <a:bodyPr/>
-        <a:lstStyle/>
-        <a:p>
-          <a:endParaRPr lang="en-US"/>
-        </a:p>
-      </dgm:t>
     </dgm:pt>
     <dgm:pt modelId="{EDBB0534-6D11-4569-9BF2-C3D81790A015}" type="pres">
       <dgm:prSet presAssocID="{3FB6477D-C6BC-4FE7-BF11-A99DD46B0D9C}" presName="rootConnector" presStyleLbl="node1" presStyleIdx="2" presStyleCnt="3"/>
       <dgm:spPr/>
-      <dgm:t>
-        <a:bodyPr/>
-        <a:lstStyle/>
-        <a:p>
-          <a:endParaRPr lang="en-US"/>
-        </a:p>
-      </dgm:t>
     </dgm:pt>
     <dgm:pt modelId="{98CBCA8D-CD78-4C64-9FA9-CF4FF01FFDFB}" type="pres">
       <dgm:prSet presAssocID="{3FB6477D-C6BC-4FE7-BF11-A99DD46B0D9C}" presName="childShape" presStyleCnt="0"/>
@@ -1964,13 +1812,6 @@
     <dgm:pt modelId="{197732EC-AD04-494E-9C3E-15C51174EF09}" type="pres">
       <dgm:prSet presAssocID="{FB97F3F1-58F5-45A3-967A-96ADA5E63C11}" presName="Name13" presStyleLbl="parChTrans1D2" presStyleIdx="10" presStyleCnt="12"/>
       <dgm:spPr/>
-      <dgm:t>
-        <a:bodyPr/>
-        <a:lstStyle/>
-        <a:p>
-          <a:endParaRPr lang="en-US"/>
-        </a:p>
-      </dgm:t>
     </dgm:pt>
     <dgm:pt modelId="{E4D39D55-CE84-4929-9C51-A993B66DAB68}" type="pres">
       <dgm:prSet presAssocID="{C9661AD1-A95A-4BC9-B598-2DFA8C1F2C6C}" presName="childText" presStyleLbl="bgAcc1" presStyleIdx="10" presStyleCnt="12">
@@ -1979,13 +1820,6 @@
         </dgm:presLayoutVars>
       </dgm:prSet>
       <dgm:spPr/>
-      <dgm:t>
-        <a:bodyPr/>
-        <a:lstStyle/>
-        <a:p>
-          <a:endParaRPr lang="en-US"/>
-        </a:p>
-      </dgm:t>
     </dgm:pt>
     <dgm:pt modelId="{A876F830-0188-4555-88EE-86737BC8C3F8}" type="pres">
       <dgm:prSet presAssocID="{B872F07B-1397-43A3-97B6-F08AE46CDEFB}" presName="Name13" presStyleLbl="parChTrans1D2" presStyleIdx="11" presStyleCnt="12"/>
@@ -1998,79 +1832,72 @@
         </dgm:presLayoutVars>
       </dgm:prSet>
       <dgm:spPr/>
-      <dgm:t>
-        <a:bodyPr/>
-        <a:lstStyle/>
-        <a:p>
-          <a:endParaRPr lang="en-US"/>
-        </a:p>
-      </dgm:t>
     </dgm:pt>
   </dgm:ptLst>
   <dgm:cxnLst>
+    <dgm:cxn modelId="{E9040C07-7C5B-42EA-A2E0-B4BB55F5323B}" srcId="{3543AADA-A797-45F0-9B1F-174B16461FBF}" destId="{870662EF-C1EA-4BD2-B50B-0C60C38D7B38}" srcOrd="3" destOrd="0" parTransId="{BC9E353A-88B6-4B2A-A889-CFB69A5EF176}" sibTransId="{42B955D9-D52A-4C30-91CC-309AFFD32FAE}"/>
+    <dgm:cxn modelId="{7497F60B-0A10-43DA-8C5E-9B06BBED1C3F}" type="presOf" srcId="{8DB93D78-3391-48A0-BCC2-5BECA2BD98C4}" destId="{76780EF6-5731-4414-AED5-E278637E003A}" srcOrd="1" destOrd="0" presId="urn:microsoft.com/office/officeart/2005/8/layout/hierarchy3"/>
+    <dgm:cxn modelId="{2D0CD111-13C6-48CF-9CC0-99E7A5E1F9DD}" srcId="{3543AADA-A797-45F0-9B1F-174B16461FBF}" destId="{1C66BD51-2952-47E0-B6AD-59A04BFB7A4F}" srcOrd="4" destOrd="0" parTransId="{4A94DE97-FC94-4D37-B37E-91255550F3E2}" sibTransId="{7323B07C-E7AD-484F-AF11-3D0A948F696E}"/>
+    <dgm:cxn modelId="{12EF5B17-D77F-4592-ABAF-5A9FD07CDF03}" type="presOf" srcId="{8D774CC7-1DE2-421D-B978-13BB6C14608A}" destId="{B9ED6E5A-7A68-4326-BB3D-31274C0EF7FB}" srcOrd="0" destOrd="0" presId="urn:microsoft.com/office/officeart/2005/8/layout/hierarchy3"/>
+    <dgm:cxn modelId="{85F1201C-714B-4160-A0FF-AC79007B11B2}" srcId="{8DB93D78-3391-48A0-BCC2-5BECA2BD98C4}" destId="{8EA75D1F-5CB4-44B5-A397-605C551862ED}" srcOrd="0" destOrd="0" parTransId="{92F2D893-04F1-492F-95F8-AF5F504A65FA}" sibTransId="{E7E3E575-31D9-4DFD-8A44-45572F3FBC2D}"/>
+    <dgm:cxn modelId="{13280321-45BE-4D17-A03C-A705298C9E44}" srcId="{3543AADA-A797-45F0-9B1F-174B16461FBF}" destId="{9071CAFC-3351-4E91-9C39-84C5CB7C8CC6}" srcOrd="1" destOrd="0" parTransId="{65DFA1B5-8F2A-4A9F-8226-9D81BB51EA1C}" sibTransId="{B13B2E9D-CCFB-46C6-96C3-9DB513CA004E}"/>
+    <dgm:cxn modelId="{4405EF2E-A433-49E4-89BD-B206E7CC0195}" type="presOf" srcId="{FB97F3F1-58F5-45A3-967A-96ADA5E63C11}" destId="{197732EC-AD04-494E-9C3E-15C51174EF09}" srcOrd="0" destOrd="0" presId="urn:microsoft.com/office/officeart/2005/8/layout/hierarchy3"/>
+    <dgm:cxn modelId="{855B4635-82E9-4619-BC7C-192FF6FDBD1F}" type="presOf" srcId="{45229FD7-43A8-48AB-9B75-3D8ABA1512D8}" destId="{098295D4-EC25-4FDE-A726-51B557B41119}" srcOrd="0" destOrd="0" presId="urn:microsoft.com/office/officeart/2005/8/layout/hierarchy3"/>
+    <dgm:cxn modelId="{A8F6003C-F9C7-484D-BB18-A318C485FC24}" srcId="{37AF6ECE-5A42-47A1-B620-B38C4C813BD8}" destId="{8DB93D78-3391-48A0-BCC2-5BECA2BD98C4}" srcOrd="1" destOrd="0" parTransId="{A8D099B3-75D6-4158-9DF9-280D18A607FC}" sibTransId="{793119A3-CC41-4475-8D92-33C786149244}"/>
+    <dgm:cxn modelId="{BC79303C-67D4-4C09-9241-E05144914FA7}" type="presOf" srcId="{12D3E57E-2284-426A-8355-8FF7F994E4DB}" destId="{25502D99-7FD7-41CD-AAE4-9D5523899B08}" srcOrd="0" destOrd="0" presId="urn:microsoft.com/office/officeart/2005/8/layout/hierarchy3"/>
+    <dgm:cxn modelId="{A576B141-7849-4151-8EEB-11338F126D7F}" type="presOf" srcId="{FFB606C0-7620-4CD2-8170-8F86E738DEDA}" destId="{D3D25395-08D1-441F-9B7E-17D4D463BDB4}" srcOrd="0" destOrd="0" presId="urn:microsoft.com/office/officeart/2005/8/layout/hierarchy3"/>
+    <dgm:cxn modelId="{8616FA61-AACF-4C6F-A0A4-80545A6F9E81}" type="presOf" srcId="{EE750600-B98D-4178-A0D8-C8507F13F999}" destId="{525F23C3-BA15-4D45-A856-1B655B06D187}" srcOrd="0" destOrd="0" presId="urn:microsoft.com/office/officeart/2005/8/layout/hierarchy3"/>
+    <dgm:cxn modelId="{7688B663-94D7-478A-B449-1EF1BA72254C}" type="presOf" srcId="{65DFA1B5-8F2A-4A9F-8226-9D81BB51EA1C}" destId="{633132C9-91BE-4D7E-83FC-FB34F2F6F7E4}" srcOrd="0" destOrd="0" presId="urn:microsoft.com/office/officeart/2005/8/layout/hierarchy3"/>
+    <dgm:cxn modelId="{C2ACDA68-052B-4C34-A9F7-65C73E6B0163}" type="presOf" srcId="{C9661AD1-A95A-4BC9-B598-2DFA8C1F2C6C}" destId="{E4D39D55-CE84-4929-9C51-A993B66DAB68}" srcOrd="0" destOrd="0" presId="urn:microsoft.com/office/officeart/2005/8/layout/hierarchy3"/>
+    <dgm:cxn modelId="{2CB7B149-B282-4AEA-8878-ED2E428CD1EA}" type="presOf" srcId="{6C6B0C53-4616-45BE-A1B5-501510C1FDA2}" destId="{5F853A87-00ED-4F10-8D44-D8E34A3CCC73}" srcOrd="0" destOrd="0" presId="urn:microsoft.com/office/officeart/2005/8/layout/hierarchy3"/>
     <dgm:cxn modelId="{3FEF3F6A-6072-4578-AD84-9238F80586A4}" type="presOf" srcId="{8B925125-B3B9-41C0-A304-A179BAD2FCFB}" destId="{123499D8-644A-4435-922C-D77FD875B47C}" srcOrd="0" destOrd="0" presId="urn:microsoft.com/office/officeart/2005/8/layout/hierarchy3"/>
-    <dgm:cxn modelId="{D20EB9D0-BF9F-467B-A210-632716B53696}" type="presOf" srcId="{768E52E8-049A-4B2C-A384-EBA041AE8FFC}" destId="{1218056D-B9B7-4698-81B9-F2DB150F36D2}" srcOrd="0" destOrd="0" presId="urn:microsoft.com/office/officeart/2005/8/layout/hierarchy3"/>
+    <dgm:cxn modelId="{AF4BCD6D-8103-4060-92B5-5A21018246DB}" type="presOf" srcId="{3543AADA-A797-45F0-9B1F-174B16461FBF}" destId="{C4D15939-E949-4D03-A17B-796953706850}" srcOrd="0" destOrd="0" presId="urn:microsoft.com/office/officeart/2005/8/layout/hierarchy3"/>
+    <dgm:cxn modelId="{7A89134F-F4E9-4554-AAD0-072482E3513D}" type="presOf" srcId="{3FB6477D-C6BC-4FE7-BF11-A99DD46B0D9C}" destId="{373B6F88-96DC-415C-98F4-BDD6E7A8708B}" srcOrd="0" destOrd="0" presId="urn:microsoft.com/office/officeart/2005/8/layout/hierarchy3"/>
+    <dgm:cxn modelId="{42C26550-E35E-4CAF-AE26-7BB34916ABF7}" type="presOf" srcId="{3FB6477D-C6BC-4FE7-BF11-A99DD46B0D9C}" destId="{EDBB0534-6D11-4569-9BF2-C3D81790A015}" srcOrd="1" destOrd="0" presId="urn:microsoft.com/office/officeart/2005/8/layout/hierarchy3"/>
+    <dgm:cxn modelId="{A6DE6B50-BAA2-4748-B33E-858106F74183}" type="presOf" srcId="{3543AADA-A797-45F0-9B1F-174B16461FBF}" destId="{CB3D2A88-7348-4C79-BADE-263EF2A6F93E}" srcOrd="1" destOrd="0" presId="urn:microsoft.com/office/officeart/2005/8/layout/hierarchy3"/>
+    <dgm:cxn modelId="{BD65D770-7810-42E3-B12E-1C11E3418842}" type="presOf" srcId="{8EA75D1F-5CB4-44B5-A397-605C551862ED}" destId="{D5DE0863-715C-4DA2-B631-266566CBAC8C}" srcOrd="0" destOrd="0" presId="urn:microsoft.com/office/officeart/2005/8/layout/hierarchy3"/>
+    <dgm:cxn modelId="{A3392253-3E49-444B-939B-6ADF43C58202}" type="presOf" srcId="{C38AE3E6-D19A-4851-8C5A-137837D12405}" destId="{C87C61FB-31D1-47B9-AF3E-9A3A8536F8B3}" srcOrd="0" destOrd="0" presId="urn:microsoft.com/office/officeart/2005/8/layout/hierarchy3"/>
+    <dgm:cxn modelId="{689C9B54-8FEE-42A6-9865-CE2E9F8EC3A9}" srcId="{3543AADA-A797-45F0-9B1F-174B16461FBF}" destId="{12D3E57E-2284-426A-8355-8FF7F994E4DB}" srcOrd="2" destOrd="0" parTransId="{8D774CC7-1DE2-421D-B978-13BB6C14608A}" sibTransId="{414CD955-352E-4BC2-B38D-43B352B41504}"/>
+    <dgm:cxn modelId="{9F5CA175-9079-4823-8B3D-88CC86FD818C}" srcId="{8DB93D78-3391-48A0-BCC2-5BECA2BD98C4}" destId="{6C6B0C53-4616-45BE-A1B5-501510C1FDA2}" srcOrd="3" destOrd="0" parTransId="{45229FD7-43A8-48AB-9B75-3D8ABA1512D8}" sibTransId="{7DCE5B43-FF39-4A1D-8E40-32D3D14A8AA1}"/>
+    <dgm:cxn modelId="{4C87A859-1C7A-44AA-84F4-94B051E6390A}" type="presOf" srcId="{4A94DE97-FC94-4D37-B37E-91255550F3E2}" destId="{FFFD4F90-0E3D-4661-8D3A-EFC448AF72C0}" srcOrd="0" destOrd="0" presId="urn:microsoft.com/office/officeart/2005/8/layout/hierarchy3"/>
+    <dgm:cxn modelId="{D2F9597B-3F10-4433-98FA-3EC57D1E3064}" type="presOf" srcId="{FB909C85-8D82-41ED-8A7E-074068E60F13}" destId="{18824353-99D5-4605-9353-5D473A14959F}" srcOrd="0" destOrd="0" presId="urn:microsoft.com/office/officeart/2005/8/layout/hierarchy3"/>
+    <dgm:cxn modelId="{49A2687E-159E-4B3F-A82F-2E7A52CC8950}" type="presOf" srcId="{92F2D893-04F1-492F-95F8-AF5F504A65FA}" destId="{3B3FBF1F-AA42-4C03-9EDF-80F5080EABD6}" srcOrd="0" destOrd="0" presId="urn:microsoft.com/office/officeart/2005/8/layout/hierarchy3"/>
+    <dgm:cxn modelId="{CC9DA189-080C-4DB5-9E4F-DCC22A44C7DA}" type="presOf" srcId="{BC9E353A-88B6-4B2A-A889-CFB69A5EF176}" destId="{9ABE1850-1DC2-428A-96C7-13DC2B1C7DC4}" srcOrd="0" destOrd="0" presId="urn:microsoft.com/office/officeart/2005/8/layout/hierarchy3"/>
+    <dgm:cxn modelId="{2474C890-D464-4086-8070-EDFA828C82A2}" type="presOf" srcId="{9071CAFC-3351-4E91-9C39-84C5CB7C8CC6}" destId="{714DB6AE-C2F3-4872-9A02-CA7F63E4D96D}" srcOrd="0" destOrd="0" presId="urn:microsoft.com/office/officeart/2005/8/layout/hierarchy3"/>
+    <dgm:cxn modelId="{155E0D96-8DCB-43F2-BB72-C6C53B0466DC}" srcId="{3543AADA-A797-45F0-9B1F-174B16461FBF}" destId="{C38AE3E6-D19A-4851-8C5A-137837D12405}" srcOrd="5" destOrd="0" parTransId="{8B925125-B3B9-41C0-A304-A179BAD2FCFB}" sibTransId="{09444619-7525-411B-861B-EC8F29ED6798}"/>
+    <dgm:cxn modelId="{DFEE7099-7AF6-4A09-9FA3-589EF4963E7C}" srcId="{8DB93D78-3391-48A0-BCC2-5BECA2BD98C4}" destId="{FD9378E0-5FA1-464A-940C-0386EC33CD6F}" srcOrd="2" destOrd="0" parTransId="{80B27C9C-4C0A-4579-B206-87B13BBF80C2}" sibTransId="{3278A8D6-D23F-483F-B9E1-302458B5C75F}"/>
     <dgm:cxn modelId="{76E26BAA-5DC9-4D79-B765-675E3BE58212}" srcId="{3FB6477D-C6BC-4FE7-BF11-A99DD46B0D9C}" destId="{FB909C85-8D82-41ED-8A7E-074068E60F13}" srcOrd="1" destOrd="0" parTransId="{B872F07B-1397-43A3-97B6-F08AE46CDEFB}" sibTransId="{0B7FF2AC-80E8-49E2-BA6C-C49872D93377}"/>
+    <dgm:cxn modelId="{30DC8AB1-7048-434A-B7B9-E43532759993}" srcId="{3543AADA-A797-45F0-9B1F-174B16461FBF}" destId="{FFB606C0-7620-4CD2-8170-8F86E738DEDA}" srcOrd="0" destOrd="0" parTransId="{703CF5B5-A235-42B4-B58F-EA1101EA44B1}" sibTransId="{BB8904D6-CF96-44D2-8407-9B2158FB14B0}"/>
     <dgm:cxn modelId="{1F6E8FB3-89DF-4D44-AFD5-1EAE5508D106}" type="presOf" srcId="{37AF6ECE-5A42-47A1-B620-B38C4C813BD8}" destId="{F44F0F91-5A03-462C-84E4-AE027E6389D1}" srcOrd="0" destOrd="0" presId="urn:microsoft.com/office/officeart/2005/8/layout/hierarchy3"/>
-    <dgm:cxn modelId="{7497F60B-0A10-43DA-8C5E-9B06BBED1C3F}" type="presOf" srcId="{8DB93D78-3391-48A0-BCC2-5BECA2BD98C4}" destId="{76780EF6-5731-4414-AED5-E278637E003A}" srcOrd="1" destOrd="0" presId="urn:microsoft.com/office/officeart/2005/8/layout/hierarchy3"/>
-    <dgm:cxn modelId="{A6DE6B50-BAA2-4748-B33E-858106F74183}" type="presOf" srcId="{3543AADA-A797-45F0-9B1F-174B16461FBF}" destId="{CB3D2A88-7348-4C79-BADE-263EF2A6F93E}" srcOrd="1" destOrd="0" presId="urn:microsoft.com/office/officeart/2005/8/layout/hierarchy3"/>
-    <dgm:cxn modelId="{855B4635-82E9-4619-BC7C-192FF6FDBD1F}" type="presOf" srcId="{45229FD7-43A8-48AB-9B75-3D8ABA1512D8}" destId="{098295D4-EC25-4FDE-A726-51B557B41119}" srcOrd="0" destOrd="0" presId="urn:microsoft.com/office/officeart/2005/8/layout/hierarchy3"/>
-    <dgm:cxn modelId="{BD65D770-7810-42E3-B12E-1C11E3418842}" type="presOf" srcId="{8EA75D1F-5CB4-44B5-A397-605C551862ED}" destId="{D5DE0863-715C-4DA2-B631-266566CBAC8C}" srcOrd="0" destOrd="0" presId="urn:microsoft.com/office/officeart/2005/8/layout/hierarchy3"/>
+    <dgm:cxn modelId="{36BA27BE-8C52-4355-AB06-F5F088B20B8F}" type="presOf" srcId="{0AB219C4-82E7-42DA-9372-DCE1694EF1FB}" destId="{EF3D75A8-D88A-4DB0-8A52-1BA7ED1735E5}" srcOrd="0" destOrd="0" presId="urn:microsoft.com/office/officeart/2005/8/layout/hierarchy3"/>
+    <dgm:cxn modelId="{243D65C2-1321-4D7D-BA85-307BBBD0A109}" type="presOf" srcId="{1C66BD51-2952-47E0-B6AD-59A04BFB7A4F}" destId="{C0C09044-7DB3-47B2-96E1-E8A1222127F1}" srcOrd="0" destOrd="0" presId="urn:microsoft.com/office/officeart/2005/8/layout/hierarchy3"/>
+    <dgm:cxn modelId="{648E9CC3-27D4-42A8-B7AC-F8DF98314CE6}" srcId="{37AF6ECE-5A42-47A1-B620-B38C4C813BD8}" destId="{3FB6477D-C6BC-4FE7-BF11-A99DD46B0D9C}" srcOrd="2" destOrd="0" parTransId="{90792E00-4846-4DD8-89FD-5EAD8F82840B}" sibTransId="{9A817E9F-8DB7-47F3-846F-35B84517B1FF}"/>
+    <dgm:cxn modelId="{32D3FED4-BE21-44AF-B94C-12E428C3F5C9}" type="presOf" srcId="{FD9378E0-5FA1-464A-940C-0386EC33CD6F}" destId="{1DCD87F2-9636-4F3C-B47F-A44841143885}" srcOrd="0" destOrd="0" presId="urn:microsoft.com/office/officeart/2005/8/layout/hierarchy3"/>
+    <dgm:cxn modelId="{043002D9-539D-4F0D-8EF7-5FBB491BE10E}" type="presOf" srcId="{80B27C9C-4C0A-4579-B206-87B13BBF80C2}" destId="{FBA32C28-017C-4A67-864E-14DFF9161340}" srcOrd="0" destOrd="0" presId="urn:microsoft.com/office/officeart/2005/8/layout/hierarchy3"/>
+    <dgm:cxn modelId="{DB8B7DE0-04B8-4405-9081-2989E3F2E0F7}" srcId="{3FB6477D-C6BC-4FE7-BF11-A99DD46B0D9C}" destId="{C9661AD1-A95A-4BC9-B598-2DFA8C1F2C6C}" srcOrd="0" destOrd="0" parTransId="{FB97F3F1-58F5-45A3-967A-96ADA5E63C11}" sibTransId="{69A31257-B59C-4F15-ABCD-890C6EFC6206}"/>
+    <dgm:cxn modelId="{626B3BE3-DBBF-4FF3-822A-7E2B1F687D14}" type="presOf" srcId="{8DB93D78-3391-48A0-BCC2-5BECA2BD98C4}" destId="{CB644F58-97CA-4CE5-8B54-C6D739C1EB04}" srcOrd="0" destOrd="0" presId="urn:microsoft.com/office/officeart/2005/8/layout/hierarchy3"/>
+    <dgm:cxn modelId="{FAC861E3-AB20-45CB-8A5C-0AD18E26FE72}" type="presOf" srcId="{B872F07B-1397-43A3-97B6-F08AE46CDEFB}" destId="{A876F830-0188-4555-88EE-86737BC8C3F8}" srcOrd="0" destOrd="0" presId="urn:microsoft.com/office/officeart/2005/8/layout/hierarchy3"/>
+    <dgm:cxn modelId="{7DEDCFE9-22E6-44F2-A3D8-85FC034C6908}" srcId="{8DB93D78-3391-48A0-BCC2-5BECA2BD98C4}" destId="{0AB219C4-82E7-42DA-9372-DCE1694EF1FB}" srcOrd="1" destOrd="0" parTransId="{EE750600-B98D-4178-A0D8-C8507F13F999}" sibTransId="{5B621B6C-1D13-42FA-9672-47B11D9F063F}"/>
     <dgm:cxn modelId="{C9B936EA-B616-49BC-86A2-7976857D77F0}" type="presOf" srcId="{870662EF-C1EA-4BD2-B50B-0C60C38D7B38}" destId="{C93CB391-7ECF-4B31-9CA1-DF3E01A28D59}" srcOrd="0" destOrd="0" presId="urn:microsoft.com/office/officeart/2005/8/layout/hierarchy3"/>
-    <dgm:cxn modelId="{13280321-45BE-4D17-A03C-A705298C9E44}" srcId="{3543AADA-A797-45F0-9B1F-174B16461FBF}" destId="{9071CAFC-3351-4E91-9C39-84C5CB7C8CC6}" srcOrd="0" destOrd="0" parTransId="{65DFA1B5-8F2A-4A9F-8226-9D81BB51EA1C}" sibTransId="{B13B2E9D-CCFB-46C6-96C3-9DB513CA004E}"/>
-    <dgm:cxn modelId="{8616FA61-AACF-4C6F-A0A4-80545A6F9E81}" type="presOf" srcId="{EE750600-B98D-4178-A0D8-C8507F13F999}" destId="{525F23C3-BA15-4D45-A856-1B655B06D187}" srcOrd="0" destOrd="0" presId="urn:microsoft.com/office/officeart/2005/8/layout/hierarchy3"/>
-    <dgm:cxn modelId="{36BA27BE-8C52-4355-AB06-F5F088B20B8F}" type="presOf" srcId="{0AB219C4-82E7-42DA-9372-DCE1694EF1FB}" destId="{EF3D75A8-D88A-4DB0-8A52-1BA7ED1735E5}" srcOrd="0" destOrd="0" presId="urn:microsoft.com/office/officeart/2005/8/layout/hierarchy3"/>
-    <dgm:cxn modelId="{9F5CA175-9079-4823-8B3D-88CC86FD818C}" srcId="{8DB93D78-3391-48A0-BCC2-5BECA2BD98C4}" destId="{6C6B0C53-4616-45BE-A1B5-501510C1FDA2}" srcOrd="3" destOrd="0" parTransId="{45229FD7-43A8-48AB-9B75-3D8ABA1512D8}" sibTransId="{7DCE5B43-FF39-4A1D-8E40-32D3D14A8AA1}"/>
-    <dgm:cxn modelId="{626B3BE3-DBBF-4FF3-822A-7E2B1F687D14}" type="presOf" srcId="{8DB93D78-3391-48A0-BCC2-5BECA2BD98C4}" destId="{CB644F58-97CA-4CE5-8B54-C6D739C1EB04}" srcOrd="0" destOrd="0" presId="urn:microsoft.com/office/officeart/2005/8/layout/hierarchy3"/>
-    <dgm:cxn modelId="{DB8B7DE0-04B8-4405-9081-2989E3F2E0F7}" srcId="{3FB6477D-C6BC-4FE7-BF11-A99DD46B0D9C}" destId="{C9661AD1-A95A-4BC9-B598-2DFA8C1F2C6C}" srcOrd="0" destOrd="0" parTransId="{FB97F3F1-58F5-45A3-967A-96ADA5E63C11}" sibTransId="{69A31257-B59C-4F15-ABCD-890C6EFC6206}"/>
-    <dgm:cxn modelId="{4C87A859-1C7A-44AA-84F4-94B051E6390A}" type="presOf" srcId="{4A94DE97-FC94-4D37-B37E-91255550F3E2}" destId="{FFFD4F90-0E3D-4661-8D3A-EFC448AF72C0}" srcOrd="0" destOrd="0" presId="urn:microsoft.com/office/officeart/2005/8/layout/hierarchy3"/>
-    <dgm:cxn modelId="{2E0D65D2-6946-4389-9FF7-DEAD50D1C2C5}" srcId="{3543AADA-A797-45F0-9B1F-174B16461FBF}" destId="{768E52E8-049A-4B2C-A384-EBA041AE8FFC}" srcOrd="5" destOrd="0" parTransId="{2EE184A0-5511-43F4-AA9D-F95605C83638}" sibTransId="{90666C44-6374-465F-867A-65514C4BCA06}"/>
-    <dgm:cxn modelId="{BC79303C-67D4-4C09-9241-E05144914FA7}" type="presOf" srcId="{12D3E57E-2284-426A-8355-8FF7F994E4DB}" destId="{25502D99-7FD7-41CD-AAE4-9D5523899B08}" srcOrd="0" destOrd="0" presId="urn:microsoft.com/office/officeart/2005/8/layout/hierarchy3"/>
-    <dgm:cxn modelId="{7DEDCFE9-22E6-44F2-A3D8-85FC034C6908}" srcId="{8DB93D78-3391-48A0-BCC2-5BECA2BD98C4}" destId="{0AB219C4-82E7-42DA-9372-DCE1694EF1FB}" srcOrd="1" destOrd="0" parTransId="{EE750600-B98D-4178-A0D8-C8507F13F999}" sibTransId="{5B621B6C-1D13-42FA-9672-47B11D9F063F}"/>
-    <dgm:cxn modelId="{12EF5B17-D77F-4592-ABAF-5A9FD07CDF03}" type="presOf" srcId="{8D774CC7-1DE2-421D-B978-13BB6C14608A}" destId="{B9ED6E5A-7A68-4326-BB3D-31274C0EF7FB}" srcOrd="0" destOrd="0" presId="urn:microsoft.com/office/officeart/2005/8/layout/hierarchy3"/>
-    <dgm:cxn modelId="{2CB7B149-B282-4AEA-8878-ED2E428CD1EA}" type="presOf" srcId="{6C6B0C53-4616-45BE-A1B5-501510C1FDA2}" destId="{5F853A87-00ED-4F10-8D44-D8E34A3CCC73}" srcOrd="0" destOrd="0" presId="urn:microsoft.com/office/officeart/2005/8/layout/hierarchy3"/>
-    <dgm:cxn modelId="{AF4BCD6D-8103-4060-92B5-5A21018246DB}" type="presOf" srcId="{3543AADA-A797-45F0-9B1F-174B16461FBF}" destId="{C4D15939-E949-4D03-A17B-796953706850}" srcOrd="0" destOrd="0" presId="urn:microsoft.com/office/officeart/2005/8/layout/hierarchy3"/>
-    <dgm:cxn modelId="{DFEE7099-7AF6-4A09-9FA3-589EF4963E7C}" srcId="{8DB93D78-3391-48A0-BCC2-5BECA2BD98C4}" destId="{FD9378E0-5FA1-464A-940C-0386EC33CD6F}" srcOrd="2" destOrd="0" parTransId="{80B27C9C-4C0A-4579-B206-87B13BBF80C2}" sibTransId="{3278A8D6-D23F-483F-B9E1-302458B5C75F}"/>
-    <dgm:cxn modelId="{FAC861E3-AB20-45CB-8A5C-0AD18E26FE72}" type="presOf" srcId="{B872F07B-1397-43A3-97B6-F08AE46CDEFB}" destId="{A876F830-0188-4555-88EE-86737BC8C3F8}" srcOrd="0" destOrd="0" presId="urn:microsoft.com/office/officeart/2005/8/layout/hierarchy3"/>
-    <dgm:cxn modelId="{243D65C2-1321-4D7D-BA85-307BBBD0A109}" type="presOf" srcId="{1C66BD51-2952-47E0-B6AD-59A04BFB7A4F}" destId="{C0C09044-7DB3-47B2-96E1-E8A1222127F1}" srcOrd="0" destOrd="0" presId="urn:microsoft.com/office/officeart/2005/8/layout/hierarchy3"/>
-    <dgm:cxn modelId="{C2ACDA68-052B-4C34-A9F7-65C73E6B0163}" type="presOf" srcId="{C9661AD1-A95A-4BC9-B598-2DFA8C1F2C6C}" destId="{E4D39D55-CE84-4929-9C51-A993B66DAB68}" srcOrd="0" destOrd="0" presId="urn:microsoft.com/office/officeart/2005/8/layout/hierarchy3"/>
-    <dgm:cxn modelId="{D2F9597B-3F10-4433-98FA-3EC57D1E3064}" type="presOf" srcId="{FB909C85-8D82-41ED-8A7E-074068E60F13}" destId="{18824353-99D5-4605-9353-5D473A14959F}" srcOrd="0" destOrd="0" presId="urn:microsoft.com/office/officeart/2005/8/layout/hierarchy3"/>
-    <dgm:cxn modelId="{A8F6003C-F9C7-484D-BB18-A318C485FC24}" srcId="{37AF6ECE-5A42-47A1-B620-B38C4C813BD8}" destId="{8DB93D78-3391-48A0-BCC2-5BECA2BD98C4}" srcOrd="1" destOrd="0" parTransId="{A8D099B3-75D6-4158-9DF9-280D18A607FC}" sibTransId="{793119A3-CC41-4475-8D92-33C786149244}"/>
-    <dgm:cxn modelId="{3D59D936-6574-4017-B28C-455C7CB1A92F}" type="presOf" srcId="{2EE184A0-5511-43F4-AA9D-F95605C83638}" destId="{29A251B2-D7B9-4CD7-AF9B-47A94B3137B2}" srcOrd="0" destOrd="0" presId="urn:microsoft.com/office/officeart/2005/8/layout/hierarchy3"/>
-    <dgm:cxn modelId="{7688B663-94D7-478A-B449-1EF1BA72254C}" type="presOf" srcId="{65DFA1B5-8F2A-4A9F-8226-9D81BB51EA1C}" destId="{633132C9-91BE-4D7E-83FC-FB34F2F6F7E4}" srcOrd="0" destOrd="0" presId="urn:microsoft.com/office/officeart/2005/8/layout/hierarchy3"/>
-    <dgm:cxn modelId="{043002D9-539D-4F0D-8EF7-5FBB491BE10E}" type="presOf" srcId="{80B27C9C-4C0A-4579-B206-87B13BBF80C2}" destId="{FBA32C28-017C-4A67-864E-14DFF9161340}" srcOrd="0" destOrd="0" presId="urn:microsoft.com/office/officeart/2005/8/layout/hierarchy3"/>
-    <dgm:cxn modelId="{4405EF2E-A433-49E4-89BD-B206E7CC0195}" type="presOf" srcId="{FB97F3F1-58F5-45A3-967A-96ADA5E63C11}" destId="{197732EC-AD04-494E-9C3E-15C51174EF09}" srcOrd="0" destOrd="0" presId="urn:microsoft.com/office/officeart/2005/8/layout/hierarchy3"/>
-    <dgm:cxn modelId="{42C26550-E35E-4CAF-AE26-7BB34916ABF7}" type="presOf" srcId="{3FB6477D-C6BC-4FE7-BF11-A99DD46B0D9C}" destId="{EDBB0534-6D11-4569-9BF2-C3D81790A015}" srcOrd="1" destOrd="0" presId="urn:microsoft.com/office/officeart/2005/8/layout/hierarchy3"/>
-    <dgm:cxn modelId="{32D3FED4-BE21-44AF-B94C-12E428C3F5C9}" type="presOf" srcId="{FD9378E0-5FA1-464A-940C-0386EC33CD6F}" destId="{1DCD87F2-9636-4F3C-B47F-A44841143885}" srcOrd="0" destOrd="0" presId="urn:microsoft.com/office/officeart/2005/8/layout/hierarchy3"/>
-    <dgm:cxn modelId="{A3392253-3E49-444B-939B-6ADF43C58202}" type="presOf" srcId="{C38AE3E6-D19A-4851-8C5A-137837D12405}" destId="{C87C61FB-31D1-47B9-AF3E-9A3A8536F8B3}" srcOrd="0" destOrd="0" presId="urn:microsoft.com/office/officeart/2005/8/layout/hierarchy3"/>
-    <dgm:cxn modelId="{155E0D96-8DCB-43F2-BB72-C6C53B0466DC}" srcId="{3543AADA-A797-45F0-9B1F-174B16461FBF}" destId="{C38AE3E6-D19A-4851-8C5A-137837D12405}" srcOrd="4" destOrd="0" parTransId="{8B925125-B3B9-41C0-A304-A179BAD2FCFB}" sibTransId="{09444619-7525-411B-861B-EC8F29ED6798}"/>
-    <dgm:cxn modelId="{2D0CD111-13C6-48CF-9CC0-99E7A5E1F9DD}" srcId="{3543AADA-A797-45F0-9B1F-174B16461FBF}" destId="{1C66BD51-2952-47E0-B6AD-59A04BFB7A4F}" srcOrd="3" destOrd="0" parTransId="{4A94DE97-FC94-4D37-B37E-91255550F3E2}" sibTransId="{7323B07C-E7AD-484F-AF11-3D0A948F696E}"/>
-    <dgm:cxn modelId="{E9040C07-7C5B-42EA-A2E0-B4BB55F5323B}" srcId="{3543AADA-A797-45F0-9B1F-174B16461FBF}" destId="{870662EF-C1EA-4BD2-B50B-0C60C38D7B38}" srcOrd="2" destOrd="0" parTransId="{BC9E353A-88B6-4B2A-A889-CFB69A5EF176}" sibTransId="{42B955D9-D52A-4C30-91CC-309AFFD32FAE}"/>
-    <dgm:cxn modelId="{7A89134F-F4E9-4554-AAD0-072482E3513D}" type="presOf" srcId="{3FB6477D-C6BC-4FE7-BF11-A99DD46B0D9C}" destId="{373B6F88-96DC-415C-98F4-BDD6E7A8708B}" srcOrd="0" destOrd="0" presId="urn:microsoft.com/office/officeart/2005/8/layout/hierarchy3"/>
-    <dgm:cxn modelId="{2474C890-D464-4086-8070-EDFA828C82A2}" type="presOf" srcId="{9071CAFC-3351-4E91-9C39-84C5CB7C8CC6}" destId="{714DB6AE-C2F3-4872-9A02-CA7F63E4D96D}" srcOrd="0" destOrd="0" presId="urn:microsoft.com/office/officeart/2005/8/layout/hierarchy3"/>
-    <dgm:cxn modelId="{49A2687E-159E-4B3F-A82F-2E7A52CC8950}" type="presOf" srcId="{92F2D893-04F1-492F-95F8-AF5F504A65FA}" destId="{3B3FBF1F-AA42-4C03-9EDF-80F5080EABD6}" srcOrd="0" destOrd="0" presId="urn:microsoft.com/office/officeart/2005/8/layout/hierarchy3"/>
-    <dgm:cxn modelId="{85F1201C-714B-4160-A0FF-AC79007B11B2}" srcId="{8DB93D78-3391-48A0-BCC2-5BECA2BD98C4}" destId="{8EA75D1F-5CB4-44B5-A397-605C551862ED}" srcOrd="0" destOrd="0" parTransId="{92F2D893-04F1-492F-95F8-AF5F504A65FA}" sibTransId="{E7E3E575-31D9-4DFD-8A44-45572F3FBC2D}"/>
-    <dgm:cxn modelId="{CC9DA189-080C-4DB5-9E4F-DCC22A44C7DA}" type="presOf" srcId="{BC9E353A-88B6-4B2A-A889-CFB69A5EF176}" destId="{9ABE1850-1DC2-428A-96C7-13DC2B1C7DC4}" srcOrd="0" destOrd="0" presId="urn:microsoft.com/office/officeart/2005/8/layout/hierarchy3"/>
-    <dgm:cxn modelId="{689C9B54-8FEE-42A6-9865-CE2E9F8EC3A9}" srcId="{3543AADA-A797-45F0-9B1F-174B16461FBF}" destId="{12D3E57E-2284-426A-8355-8FF7F994E4DB}" srcOrd="1" destOrd="0" parTransId="{8D774CC7-1DE2-421D-B978-13BB6C14608A}" sibTransId="{414CD955-352E-4BC2-B38D-43B352B41504}"/>
-    <dgm:cxn modelId="{648E9CC3-27D4-42A8-B7AC-F8DF98314CE6}" srcId="{37AF6ECE-5A42-47A1-B620-B38C4C813BD8}" destId="{3FB6477D-C6BC-4FE7-BF11-A99DD46B0D9C}" srcOrd="2" destOrd="0" parTransId="{90792E00-4846-4DD8-89FD-5EAD8F82840B}" sibTransId="{9A817E9F-8DB7-47F3-846F-35B84517B1FF}"/>
+    <dgm:cxn modelId="{752785EA-6063-4742-9960-541F96ADCFA6}" type="presOf" srcId="{703CF5B5-A235-42B4-B58F-EA1101EA44B1}" destId="{A84CF40D-47B0-4963-AB18-332A44CF31D0}" srcOrd="0" destOrd="0" presId="urn:microsoft.com/office/officeart/2005/8/layout/hierarchy3"/>
     <dgm:cxn modelId="{C61312FA-DCDF-4733-BAEC-E28A2DC04666}" srcId="{37AF6ECE-5A42-47A1-B620-B38C4C813BD8}" destId="{3543AADA-A797-45F0-9B1F-174B16461FBF}" srcOrd="0" destOrd="0" parTransId="{50E81F7A-BE28-425D-80E7-B61068B9D572}" sibTransId="{784BC6FB-47EC-4EEA-A125-6ECDCFF2039D}"/>
     <dgm:cxn modelId="{BA6CC19A-7CC3-4F1C-BD8F-105C036D5B9A}" type="presParOf" srcId="{F44F0F91-5A03-462C-84E4-AE027E6389D1}" destId="{28B3BEFD-E792-4563-BDF1-69EFCB10D200}" srcOrd="0" destOrd="0" presId="urn:microsoft.com/office/officeart/2005/8/layout/hierarchy3"/>
     <dgm:cxn modelId="{F4C39204-F15B-4E6C-8AAA-90278EDABABB}" type="presParOf" srcId="{28B3BEFD-E792-4563-BDF1-69EFCB10D200}" destId="{19455291-39E0-4039-9AD6-D00ABD98C00D}" srcOrd="0" destOrd="0" presId="urn:microsoft.com/office/officeart/2005/8/layout/hierarchy3"/>
     <dgm:cxn modelId="{83001343-957B-421E-A165-A3361EA8F431}" type="presParOf" srcId="{19455291-39E0-4039-9AD6-D00ABD98C00D}" destId="{C4D15939-E949-4D03-A17B-796953706850}" srcOrd="0" destOrd="0" presId="urn:microsoft.com/office/officeart/2005/8/layout/hierarchy3"/>
     <dgm:cxn modelId="{E7F7332C-5E99-46FD-BCD8-C8CCF4E5B3A4}" type="presParOf" srcId="{19455291-39E0-4039-9AD6-D00ABD98C00D}" destId="{CB3D2A88-7348-4C79-BADE-263EF2A6F93E}" srcOrd="1" destOrd="0" presId="urn:microsoft.com/office/officeart/2005/8/layout/hierarchy3"/>
     <dgm:cxn modelId="{A3634D88-931C-43C6-86D3-41C80515086B}" type="presParOf" srcId="{28B3BEFD-E792-4563-BDF1-69EFCB10D200}" destId="{33AA52DD-E1B8-479A-8D0F-A218535AE398}" srcOrd="1" destOrd="0" presId="urn:microsoft.com/office/officeart/2005/8/layout/hierarchy3"/>
-    <dgm:cxn modelId="{669CA64F-A6DF-460D-B7F9-43F6FD1A0EE1}" type="presParOf" srcId="{33AA52DD-E1B8-479A-8D0F-A218535AE398}" destId="{633132C9-91BE-4D7E-83FC-FB34F2F6F7E4}" srcOrd="0" destOrd="0" presId="urn:microsoft.com/office/officeart/2005/8/layout/hierarchy3"/>
-    <dgm:cxn modelId="{BA0B39C5-2F7B-45B6-8EB3-EE9A4309B28D}" type="presParOf" srcId="{33AA52DD-E1B8-479A-8D0F-A218535AE398}" destId="{714DB6AE-C2F3-4872-9A02-CA7F63E4D96D}" srcOrd="1" destOrd="0" presId="urn:microsoft.com/office/officeart/2005/8/layout/hierarchy3"/>
-    <dgm:cxn modelId="{7C1AC46B-3A92-4FD5-800C-6A4369848820}" type="presParOf" srcId="{33AA52DD-E1B8-479A-8D0F-A218535AE398}" destId="{B9ED6E5A-7A68-4326-BB3D-31274C0EF7FB}" srcOrd="2" destOrd="0" presId="urn:microsoft.com/office/officeart/2005/8/layout/hierarchy3"/>
-    <dgm:cxn modelId="{2DDC773F-7167-4A68-A15D-FEB6CC6C5F18}" type="presParOf" srcId="{33AA52DD-E1B8-479A-8D0F-A218535AE398}" destId="{25502D99-7FD7-41CD-AAE4-9D5523899B08}" srcOrd="3" destOrd="0" presId="urn:microsoft.com/office/officeart/2005/8/layout/hierarchy3"/>
-    <dgm:cxn modelId="{4DDC486E-517C-4ACC-A15F-8559A23A0F3F}" type="presParOf" srcId="{33AA52DD-E1B8-479A-8D0F-A218535AE398}" destId="{9ABE1850-1DC2-428A-96C7-13DC2B1C7DC4}" srcOrd="4" destOrd="0" presId="urn:microsoft.com/office/officeart/2005/8/layout/hierarchy3"/>
-    <dgm:cxn modelId="{C34BBB03-3F2A-4468-AE3F-68844DEBC3F0}" type="presParOf" srcId="{33AA52DD-E1B8-479A-8D0F-A218535AE398}" destId="{C93CB391-7ECF-4B31-9CA1-DF3E01A28D59}" srcOrd="5" destOrd="0" presId="urn:microsoft.com/office/officeart/2005/8/layout/hierarchy3"/>
-    <dgm:cxn modelId="{971EC3FA-4238-4CB8-BFFA-5AA5406DDED1}" type="presParOf" srcId="{33AA52DD-E1B8-479A-8D0F-A218535AE398}" destId="{FFFD4F90-0E3D-4661-8D3A-EFC448AF72C0}" srcOrd="6" destOrd="0" presId="urn:microsoft.com/office/officeart/2005/8/layout/hierarchy3"/>
-    <dgm:cxn modelId="{B35CE635-A9CB-4852-B7E3-69825FA5CCE0}" type="presParOf" srcId="{33AA52DD-E1B8-479A-8D0F-A218535AE398}" destId="{C0C09044-7DB3-47B2-96E1-E8A1222127F1}" srcOrd="7" destOrd="0" presId="urn:microsoft.com/office/officeart/2005/8/layout/hierarchy3"/>
-    <dgm:cxn modelId="{B94DF810-AFF2-4659-9EAB-87B03F934620}" type="presParOf" srcId="{33AA52DD-E1B8-479A-8D0F-A218535AE398}" destId="{123499D8-644A-4435-922C-D77FD875B47C}" srcOrd="8" destOrd="0" presId="urn:microsoft.com/office/officeart/2005/8/layout/hierarchy3"/>
-    <dgm:cxn modelId="{1AF70421-EAAC-4995-A08F-50FE0765C1FB}" type="presParOf" srcId="{33AA52DD-E1B8-479A-8D0F-A218535AE398}" destId="{C87C61FB-31D1-47B9-AF3E-9A3A8536F8B3}" srcOrd="9" destOrd="0" presId="urn:microsoft.com/office/officeart/2005/8/layout/hierarchy3"/>
-    <dgm:cxn modelId="{926A6FDD-DCCF-448A-8FD2-8CE8DD0BF266}" type="presParOf" srcId="{33AA52DD-E1B8-479A-8D0F-A218535AE398}" destId="{29A251B2-D7B9-4CD7-AF9B-47A94B3137B2}" srcOrd="10" destOrd="0" presId="urn:microsoft.com/office/officeart/2005/8/layout/hierarchy3"/>
-    <dgm:cxn modelId="{379F81F4-7C9A-4741-8D9E-658557DC228C}" type="presParOf" srcId="{33AA52DD-E1B8-479A-8D0F-A218535AE398}" destId="{1218056D-B9B7-4698-81B9-F2DB150F36D2}" srcOrd="11" destOrd="0" presId="urn:microsoft.com/office/officeart/2005/8/layout/hierarchy3"/>
+    <dgm:cxn modelId="{5DCA2A90-38F6-4D43-8775-AD3200C5458C}" type="presParOf" srcId="{33AA52DD-E1B8-479A-8D0F-A218535AE398}" destId="{A84CF40D-47B0-4963-AB18-332A44CF31D0}" srcOrd="0" destOrd="0" presId="urn:microsoft.com/office/officeart/2005/8/layout/hierarchy3"/>
+    <dgm:cxn modelId="{22A5CAE8-4398-4ADC-838D-50B457FE1002}" type="presParOf" srcId="{33AA52DD-E1B8-479A-8D0F-A218535AE398}" destId="{D3D25395-08D1-441F-9B7E-17D4D463BDB4}" srcOrd="1" destOrd="0" presId="urn:microsoft.com/office/officeart/2005/8/layout/hierarchy3"/>
+    <dgm:cxn modelId="{669CA64F-A6DF-460D-B7F9-43F6FD1A0EE1}" type="presParOf" srcId="{33AA52DD-E1B8-479A-8D0F-A218535AE398}" destId="{633132C9-91BE-4D7E-83FC-FB34F2F6F7E4}" srcOrd="2" destOrd="0" presId="urn:microsoft.com/office/officeart/2005/8/layout/hierarchy3"/>
+    <dgm:cxn modelId="{BA0B39C5-2F7B-45B6-8EB3-EE9A4309B28D}" type="presParOf" srcId="{33AA52DD-E1B8-479A-8D0F-A218535AE398}" destId="{714DB6AE-C2F3-4872-9A02-CA7F63E4D96D}" srcOrd="3" destOrd="0" presId="urn:microsoft.com/office/officeart/2005/8/layout/hierarchy3"/>
+    <dgm:cxn modelId="{7C1AC46B-3A92-4FD5-800C-6A4369848820}" type="presParOf" srcId="{33AA52DD-E1B8-479A-8D0F-A218535AE398}" destId="{B9ED6E5A-7A68-4326-BB3D-31274C0EF7FB}" srcOrd="4" destOrd="0" presId="urn:microsoft.com/office/officeart/2005/8/layout/hierarchy3"/>
+    <dgm:cxn modelId="{2DDC773F-7167-4A68-A15D-FEB6CC6C5F18}" type="presParOf" srcId="{33AA52DD-E1B8-479A-8D0F-A218535AE398}" destId="{25502D99-7FD7-41CD-AAE4-9D5523899B08}" srcOrd="5" destOrd="0" presId="urn:microsoft.com/office/officeart/2005/8/layout/hierarchy3"/>
+    <dgm:cxn modelId="{4DDC486E-517C-4ACC-A15F-8559A23A0F3F}" type="presParOf" srcId="{33AA52DD-E1B8-479A-8D0F-A218535AE398}" destId="{9ABE1850-1DC2-428A-96C7-13DC2B1C7DC4}" srcOrd="6" destOrd="0" presId="urn:microsoft.com/office/officeart/2005/8/layout/hierarchy3"/>
+    <dgm:cxn modelId="{C34BBB03-3F2A-4468-AE3F-68844DEBC3F0}" type="presParOf" srcId="{33AA52DD-E1B8-479A-8D0F-A218535AE398}" destId="{C93CB391-7ECF-4B31-9CA1-DF3E01A28D59}" srcOrd="7" destOrd="0" presId="urn:microsoft.com/office/officeart/2005/8/layout/hierarchy3"/>
+    <dgm:cxn modelId="{971EC3FA-4238-4CB8-BFFA-5AA5406DDED1}" type="presParOf" srcId="{33AA52DD-E1B8-479A-8D0F-A218535AE398}" destId="{FFFD4F90-0E3D-4661-8D3A-EFC448AF72C0}" srcOrd="8" destOrd="0" presId="urn:microsoft.com/office/officeart/2005/8/layout/hierarchy3"/>
+    <dgm:cxn modelId="{B35CE635-A9CB-4852-B7E3-69825FA5CCE0}" type="presParOf" srcId="{33AA52DD-E1B8-479A-8D0F-A218535AE398}" destId="{C0C09044-7DB3-47B2-96E1-E8A1222127F1}" srcOrd="9" destOrd="0" presId="urn:microsoft.com/office/officeart/2005/8/layout/hierarchy3"/>
+    <dgm:cxn modelId="{B94DF810-AFF2-4659-9EAB-87B03F934620}" type="presParOf" srcId="{33AA52DD-E1B8-479A-8D0F-A218535AE398}" destId="{123499D8-644A-4435-922C-D77FD875B47C}" srcOrd="10" destOrd="0" presId="urn:microsoft.com/office/officeart/2005/8/layout/hierarchy3"/>
+    <dgm:cxn modelId="{1AF70421-EAAC-4995-A08F-50FE0765C1FB}" type="presParOf" srcId="{33AA52DD-E1B8-479A-8D0F-A218535AE398}" destId="{C87C61FB-31D1-47B9-AF3E-9A3A8536F8B3}" srcOrd="11" destOrd="0" presId="urn:microsoft.com/office/officeart/2005/8/layout/hierarchy3"/>
     <dgm:cxn modelId="{1D3AAA5B-EF5E-40BE-AFF3-5F4BA8724250}" type="presParOf" srcId="{F44F0F91-5A03-462C-84E4-AE027E6389D1}" destId="{91294B8C-0081-479D-A554-A3700B9C3684}" srcOrd="1" destOrd="0" presId="urn:microsoft.com/office/officeart/2005/8/layout/hierarchy3"/>
     <dgm:cxn modelId="{CDEFA3B1-DF9A-4CEC-8A6F-BBEE566BFF15}" type="presParOf" srcId="{91294B8C-0081-479D-A554-A3700B9C3684}" destId="{A17CCF89-CDEE-4A3A-A6C4-9F87800BB107}" srcOrd="0" destOrd="0" presId="urn:microsoft.com/office/officeart/2005/8/layout/hierarchy3"/>
     <dgm:cxn modelId="{5F70AD4E-7720-4BA8-99CB-C257E8034E98}" type="presParOf" srcId="{A17CCF89-CDEE-4A3A-A6C4-9F87800BB107}" destId="{CB644F58-97CA-4CE5-8B54-C6D739C1EB04}" srcOrd="0" destOrd="0" presId="urn:microsoft.com/office/officeart/2005/8/layout/hierarchy3"/>
@@ -2098,14 +1925,14 @@
   <dgm:whole/>
   <dgm:extLst>
     <a:ext uri="http://schemas.microsoft.com/office/drawing/2008/diagram">
-      <dsp:dataModelExt xmlns:dsp="http://schemas.microsoft.com/office/drawing/2008/diagram" xmlns="" relId="rId6" minVer="http://schemas.openxmlformats.org/drawingml/2006/diagram"/>
+      <dsp:dataModelExt xmlns:dsp="http://schemas.microsoft.com/office/drawing/2008/diagram" relId="rId6" minVer="http://schemas.openxmlformats.org/drawingml/2006/diagram"/>
     </a:ext>
   </dgm:extLst>
 </dgm:dataModel>
 </file>
 
 <file path=ppt/diagrams/drawing1.xml><?xml version="1.0" encoding="utf-8"?>
-<dsp:drawing xmlns:dgm="http://schemas.openxmlformats.org/drawingml/2006/diagram" xmlns:a="http://schemas.openxmlformats.org/drawingml/2006/main" xmlns:dsp="http://schemas.microsoft.com/office/drawing/2008/diagram">
+<dsp:drawing xmlns:dgm="http://schemas.openxmlformats.org/drawingml/2006/diagram" xmlns:dsp="http://schemas.microsoft.com/office/drawing/2008/diagram" xmlns:a="http://schemas.openxmlformats.org/drawingml/2006/main">
   <dsp:spTree>
     <dsp:nvGrpSpPr>
       <dsp:cNvPr id="0" name=""/>
@@ -2119,8 +1946,8 @@
       </dsp:nvSpPr>
       <dsp:spPr>
         <a:xfrm>
-          <a:off x="2730123" y="556"/>
-          <a:ext cx="1054515" cy="527257"/>
+          <a:off x="2108045" y="2531"/>
+          <a:ext cx="969942" cy="484971"/>
         </a:xfrm>
         <a:prstGeom prst="roundRect">
           <a:avLst>
@@ -2163,12 +1990,12 @@
         </a:fontRef>
       </dsp:style>
       <dsp:txBody>
-        <a:bodyPr spcFirstLastPara="0" vert="horz" wrap="square" lIns="32385" tIns="21590" rIns="32385" bIns="21590" numCol="1" spcCol="1270" anchor="ctr" anchorCtr="0">
+        <a:bodyPr spcFirstLastPara="0" vert="horz" wrap="square" lIns="28575" tIns="19050" rIns="28575" bIns="19050" numCol="1" spcCol="1270" anchor="ctr" anchorCtr="0">
           <a:noAutofit/>
         </a:bodyPr>
         <a:lstStyle/>
         <a:p>
-          <a:pPr lvl="0" algn="ctr" defTabSz="755650">
+          <a:pPr marL="0" lvl="0" indent="0" algn="ctr" defTabSz="666750">
             <a:lnSpc>
               <a:spcPct val="90000"/>
             </a:lnSpc>
@@ -2178,28 +2005,28 @@
             <a:spcAft>
               <a:spcPct val="35000"/>
             </a:spcAft>
+            <a:buNone/>
           </a:pPr>
           <a:r>
-            <a:rPr lang="en-US" sz="1700" kern="1200" dirty="0" smtClean="0"/>
+            <a:rPr lang="en-US" sz="1500" kern="1200" dirty="0"/>
             <a:t>Farmer</a:t>
           </a:r>
-          <a:endParaRPr lang="en-US" sz="1700" kern="1200" dirty="0"/>
         </a:p>
       </dsp:txBody>
       <dsp:txXfrm>
-        <a:off x="2730123" y="556"/>
-        <a:ext cx="1054515" cy="527257"/>
+        <a:off x="2122249" y="16735"/>
+        <a:ext cx="941534" cy="456563"/>
       </dsp:txXfrm>
     </dsp:sp>
-    <dsp:sp modelId="{633132C9-91BE-4D7E-83FC-FB34F2F6F7E4}">
+    <dsp:sp modelId="{A84CF40D-47B0-4963-AB18-332A44CF31D0}">
       <dsp:nvSpPr>
         <dsp:cNvPr id="0" name=""/>
         <dsp:cNvSpPr/>
       </dsp:nvSpPr>
       <dsp:spPr>
         <a:xfrm>
-          <a:off x="2835574" y="527814"/>
-          <a:ext cx="105451" cy="395443"/>
+          <a:off x="2205039" y="487502"/>
+          <a:ext cx="96994" cy="363728"/>
         </a:xfrm>
         <a:custGeom>
           <a:avLst/>
@@ -2213,10 +2040,10 @@
                 <a:pt x="0" y="0"/>
               </a:moveTo>
               <a:lnTo>
-                <a:pt x="0" y="395443"/>
+                <a:pt x="0" y="363728"/>
               </a:lnTo>
               <a:lnTo>
-                <a:pt x="105451" y="395443"/>
+                <a:pt x="96994" y="363728"/>
               </a:lnTo>
             </a:path>
           </a:pathLst>
@@ -2249,15 +2076,15 @@
         <a:fontRef idx="minor"/>
       </dsp:style>
     </dsp:sp>
-    <dsp:sp modelId="{714DB6AE-C2F3-4872-9A02-CA7F63E4D96D}">
+    <dsp:sp modelId="{D3D25395-08D1-441F-9B7E-17D4D463BDB4}">
       <dsp:nvSpPr>
         <dsp:cNvPr id="0" name=""/>
         <dsp:cNvSpPr/>
       </dsp:nvSpPr>
       <dsp:spPr>
         <a:xfrm>
-          <a:off x="2941026" y="659628"/>
-          <a:ext cx="843612" cy="527257"/>
+          <a:off x="2302033" y="608745"/>
+          <a:ext cx="775953" cy="484971"/>
         </a:xfrm>
         <a:prstGeom prst="roundRect">
           <a:avLst>
@@ -2299,12 +2126,12 @@
         <a:fontRef idx="minor"/>
       </dsp:style>
       <dsp:txBody>
-        <a:bodyPr spcFirstLastPara="0" vert="horz" wrap="square" lIns="19050" tIns="12700" rIns="19050" bIns="12700" numCol="1" spcCol="1270" anchor="ctr" anchorCtr="0">
+        <a:bodyPr spcFirstLastPara="0" vert="horz" wrap="square" lIns="17145" tIns="11430" rIns="17145" bIns="11430" numCol="1" spcCol="1270" anchor="ctr" anchorCtr="0">
           <a:noAutofit/>
         </a:bodyPr>
         <a:lstStyle/>
         <a:p>
-          <a:pPr lvl="0" algn="ctr" defTabSz="444500">
+          <a:pPr marL="0" lvl="0" indent="0" algn="ctr" defTabSz="400050">
             <a:lnSpc>
               <a:spcPct val="90000"/>
             </a:lnSpc>
@@ -2314,41 +2141,29 @@
             <a:spcAft>
               <a:spcPct val="35000"/>
             </a:spcAft>
+            <a:buNone/>
           </a:pPr>
           <a:r>
-            <a:rPr lang="en-US" sz="1000" kern="1200" dirty="0" smtClean="0"/>
-            <a:t>Crop Sell Request</a:t>
+            <a:rPr lang="en-US" sz="900" kern="1200" dirty="0"/>
+            <a:t>Farmer Register</a:t>
           </a:r>
-        </a:p>
-        <a:p>
-          <a:pPr lvl="0" algn="ctr" defTabSz="444500">
-            <a:lnSpc>
-              <a:spcPct val="90000"/>
-            </a:lnSpc>
-            <a:spcBef>
-              <a:spcPct val="0"/>
-            </a:spcBef>
-            <a:spcAft>
-              <a:spcPct val="35000"/>
-            </a:spcAft>
-          </a:pPr>
-          <a:endParaRPr lang="en-US" sz="1000" kern="1200" dirty="0"/>
+          <a:endParaRPr lang="en-IN" sz="900" kern="1200" dirty="0"/>
         </a:p>
       </dsp:txBody>
       <dsp:txXfrm>
-        <a:off x="2941026" y="659628"/>
-        <a:ext cx="843612" cy="527257"/>
+        <a:off x="2316237" y="622949"/>
+        <a:ext cx="747545" cy="456563"/>
       </dsp:txXfrm>
     </dsp:sp>
-    <dsp:sp modelId="{B9ED6E5A-7A68-4326-BB3D-31274C0EF7FB}">
+    <dsp:sp modelId="{633132C9-91BE-4D7E-83FC-FB34F2F6F7E4}">
       <dsp:nvSpPr>
         <dsp:cNvPr id="0" name=""/>
         <dsp:cNvSpPr/>
       </dsp:nvSpPr>
       <dsp:spPr>
         <a:xfrm>
-          <a:off x="2835574" y="527814"/>
-          <a:ext cx="105451" cy="1054515"/>
+          <a:off x="2159319" y="487502"/>
+          <a:ext cx="91440" cy="996164"/>
         </a:xfrm>
         <a:custGeom>
           <a:avLst/>
@@ -2359,13 +2174,13 @@
           <a:pathLst>
             <a:path>
               <a:moveTo>
-                <a:pt x="0" y="0"/>
+                <a:pt x="45720" y="0"/>
               </a:moveTo>
               <a:lnTo>
-                <a:pt x="0" y="1054515"/>
+                <a:pt x="45720" y="996164"/>
               </a:lnTo>
               <a:lnTo>
-                <a:pt x="105451" y="1054515"/>
+                <a:pt x="133976" y="996164"/>
               </a:lnTo>
             </a:path>
           </a:pathLst>
@@ -2398,15 +2213,15 @@
         <a:fontRef idx="minor"/>
       </dsp:style>
     </dsp:sp>
-    <dsp:sp modelId="{25502D99-7FD7-41CD-AAE4-9D5523899B08}">
+    <dsp:sp modelId="{714DB6AE-C2F3-4872-9A02-CA7F63E4D96D}">
       <dsp:nvSpPr>
         <dsp:cNvPr id="0" name=""/>
         <dsp:cNvSpPr/>
       </dsp:nvSpPr>
       <dsp:spPr>
         <a:xfrm>
-          <a:off x="2941026" y="1318700"/>
-          <a:ext cx="843612" cy="527257"/>
+          <a:off x="2293296" y="1241181"/>
+          <a:ext cx="775953" cy="484971"/>
         </a:xfrm>
         <a:prstGeom prst="roundRect">
           <a:avLst>
@@ -2448,12 +2263,12 @@
         <a:fontRef idx="minor"/>
       </dsp:style>
       <dsp:txBody>
-        <a:bodyPr spcFirstLastPara="0" vert="horz" wrap="square" lIns="19050" tIns="12700" rIns="19050" bIns="12700" numCol="1" spcCol="1270" anchor="ctr" anchorCtr="0">
+        <a:bodyPr spcFirstLastPara="0" vert="horz" wrap="square" lIns="17145" tIns="11430" rIns="17145" bIns="11430" numCol="1" spcCol="1270" anchor="ctr" anchorCtr="0">
           <a:noAutofit/>
         </a:bodyPr>
         <a:lstStyle/>
         <a:p>
-          <a:pPr lvl="0" algn="ctr" defTabSz="444500">
+          <a:pPr marL="0" lvl="0" indent="0" algn="ctr" defTabSz="400050">
             <a:lnSpc>
               <a:spcPct val="90000"/>
             </a:lnSpc>
@@ -2463,28 +2278,43 @@
             <a:spcAft>
               <a:spcPct val="35000"/>
             </a:spcAft>
+            <a:buNone/>
           </a:pPr>
           <a:r>
-            <a:rPr lang="en-US" sz="1000" kern="1200" dirty="0" smtClean="0"/>
-            <a:t>View Market Place</a:t>
+            <a:rPr lang="en-US" sz="900" kern="1200" dirty="0"/>
+            <a:t>Crop Sell Request</a:t>
           </a:r>
-          <a:endParaRPr lang="en-US" sz="1000" kern="1200" dirty="0"/>
+        </a:p>
+        <a:p>
+          <a:pPr marL="0" lvl="0" indent="0" algn="ctr" defTabSz="400050">
+            <a:lnSpc>
+              <a:spcPct val="90000"/>
+            </a:lnSpc>
+            <a:spcBef>
+              <a:spcPct val="0"/>
+            </a:spcBef>
+            <a:spcAft>
+              <a:spcPct val="35000"/>
+            </a:spcAft>
+            <a:buNone/>
+          </a:pPr>
+          <a:endParaRPr lang="en-US" sz="900" kern="1200" dirty="0"/>
         </a:p>
       </dsp:txBody>
       <dsp:txXfrm>
-        <a:off x="2941026" y="1318700"/>
-        <a:ext cx="843612" cy="527257"/>
+        <a:off x="2307500" y="1255385"/>
+        <a:ext cx="747545" cy="456563"/>
       </dsp:txXfrm>
     </dsp:sp>
-    <dsp:sp modelId="{9ABE1850-1DC2-428A-96C7-13DC2B1C7DC4}">
+    <dsp:sp modelId="{B9ED6E5A-7A68-4326-BB3D-31274C0EF7FB}">
       <dsp:nvSpPr>
         <dsp:cNvPr id="0" name=""/>
         <dsp:cNvSpPr/>
       </dsp:nvSpPr>
       <dsp:spPr>
         <a:xfrm>
-          <a:off x="2835574" y="527814"/>
-          <a:ext cx="105451" cy="1713587"/>
+          <a:off x="2205039" y="487502"/>
+          <a:ext cx="96994" cy="1576156"/>
         </a:xfrm>
         <a:custGeom>
           <a:avLst/>
@@ -2498,10 +2328,10 @@
                 <a:pt x="0" y="0"/>
               </a:moveTo>
               <a:lnTo>
-                <a:pt x="0" y="1713587"/>
+                <a:pt x="0" y="1576156"/>
               </a:lnTo>
               <a:lnTo>
-                <a:pt x="105451" y="1713587"/>
+                <a:pt x="96994" y="1576156"/>
               </a:lnTo>
             </a:path>
           </a:pathLst>
@@ -2534,15 +2364,15 @@
         <a:fontRef idx="minor"/>
       </dsp:style>
     </dsp:sp>
-    <dsp:sp modelId="{C93CB391-7ECF-4B31-9CA1-DF3E01A28D59}">
+    <dsp:sp modelId="{25502D99-7FD7-41CD-AAE4-9D5523899B08}">
       <dsp:nvSpPr>
         <dsp:cNvPr id="0" name=""/>
         <dsp:cNvSpPr/>
       </dsp:nvSpPr>
       <dsp:spPr>
         <a:xfrm>
-          <a:off x="2941026" y="1977773"/>
-          <a:ext cx="843612" cy="527257"/>
+          <a:off x="2302033" y="1821172"/>
+          <a:ext cx="775953" cy="484971"/>
         </a:xfrm>
         <a:prstGeom prst="roundRect">
           <a:avLst>
@@ -2584,12 +2414,12 @@
         <a:fontRef idx="minor"/>
       </dsp:style>
       <dsp:txBody>
-        <a:bodyPr spcFirstLastPara="0" vert="horz" wrap="square" lIns="19050" tIns="12700" rIns="19050" bIns="12700" numCol="1" spcCol="1270" anchor="ctr" anchorCtr="0">
+        <a:bodyPr spcFirstLastPara="0" vert="horz" wrap="square" lIns="17145" tIns="11430" rIns="17145" bIns="11430" numCol="1" spcCol="1270" anchor="ctr" anchorCtr="0">
           <a:noAutofit/>
         </a:bodyPr>
         <a:lstStyle/>
         <a:p>
-          <a:pPr lvl="0" algn="ctr" defTabSz="444500">
+          <a:pPr marL="0" lvl="0" indent="0" algn="ctr" defTabSz="400050">
             <a:lnSpc>
               <a:spcPct val="90000"/>
             </a:lnSpc>
@@ -2599,28 +2429,28 @@
             <a:spcAft>
               <a:spcPct val="35000"/>
             </a:spcAft>
+            <a:buNone/>
           </a:pPr>
           <a:r>
-            <a:rPr lang="en-US" sz="1000" kern="1200" dirty="0" smtClean="0"/>
-            <a:t>View Sold history</a:t>
+            <a:rPr lang="en-US" sz="900" kern="1200" dirty="0"/>
+            <a:t>View Market Place</a:t>
           </a:r>
-          <a:endParaRPr lang="en-US" sz="1000" kern="1200" dirty="0"/>
         </a:p>
       </dsp:txBody>
       <dsp:txXfrm>
-        <a:off x="2941026" y="1977773"/>
-        <a:ext cx="843612" cy="527257"/>
+        <a:off x="2316237" y="1835376"/>
+        <a:ext cx="747545" cy="456563"/>
       </dsp:txXfrm>
     </dsp:sp>
-    <dsp:sp modelId="{FFFD4F90-0E3D-4661-8D3A-EFC448AF72C0}">
+    <dsp:sp modelId="{9ABE1850-1DC2-428A-96C7-13DC2B1C7DC4}">
       <dsp:nvSpPr>
         <dsp:cNvPr id="0" name=""/>
         <dsp:cNvSpPr/>
       </dsp:nvSpPr>
       <dsp:spPr>
         <a:xfrm>
-          <a:off x="2835574" y="527814"/>
-          <a:ext cx="3523010" cy="2657469"/>
+          <a:off x="2205039" y="487502"/>
+          <a:ext cx="96994" cy="2182370"/>
         </a:xfrm>
         <a:custGeom>
           <a:avLst/>
@@ -2634,10 +2464,10 @@
                 <a:pt x="0" y="0"/>
               </a:moveTo>
               <a:lnTo>
-                <a:pt x="0" y="2657469"/>
+                <a:pt x="0" y="2182370"/>
               </a:lnTo>
               <a:lnTo>
-                <a:pt x="3523010" y="2657469"/>
+                <a:pt x="96994" y="2182370"/>
               </a:lnTo>
             </a:path>
           </a:pathLst>
@@ -2670,15 +2500,15 @@
         <a:fontRef idx="minor"/>
       </dsp:style>
     </dsp:sp>
-    <dsp:sp modelId="{C0C09044-7DB3-47B2-96E1-E8A1222127F1}">
+    <dsp:sp modelId="{C93CB391-7ECF-4B31-9CA1-DF3E01A28D59}">
       <dsp:nvSpPr>
         <dsp:cNvPr id="0" name=""/>
         <dsp:cNvSpPr/>
       </dsp:nvSpPr>
       <dsp:spPr>
         <a:xfrm>
-          <a:off x="6358584" y="2921654"/>
-          <a:ext cx="843612" cy="527257"/>
+          <a:off x="2302033" y="2427386"/>
+          <a:ext cx="775953" cy="484971"/>
         </a:xfrm>
         <a:prstGeom prst="roundRect">
           <a:avLst>
@@ -2720,12 +2550,12 @@
         <a:fontRef idx="minor"/>
       </dsp:style>
       <dsp:txBody>
-        <a:bodyPr spcFirstLastPara="0" vert="horz" wrap="square" lIns="19050" tIns="12700" rIns="19050" bIns="12700" numCol="1" spcCol="1270" anchor="ctr" anchorCtr="0">
+        <a:bodyPr spcFirstLastPara="0" vert="horz" wrap="square" lIns="17145" tIns="11430" rIns="17145" bIns="11430" numCol="1" spcCol="1270" anchor="ctr" anchorCtr="0">
           <a:noAutofit/>
         </a:bodyPr>
         <a:lstStyle/>
         <a:p>
-          <a:pPr lvl="0" algn="ctr" defTabSz="444500">
+          <a:pPr marL="0" lvl="0" indent="0" algn="ctr" defTabSz="400050">
             <a:lnSpc>
               <a:spcPct val="90000"/>
             </a:lnSpc>
@@ -2735,28 +2565,28 @@
             <a:spcAft>
               <a:spcPct val="35000"/>
             </a:spcAft>
+            <a:buNone/>
           </a:pPr>
           <a:r>
-            <a:rPr lang="en-US" sz="1000" kern="1200" dirty="0" smtClean="0"/>
-            <a:t>Insurance  Claim</a:t>
+            <a:rPr lang="en-US" sz="900" kern="1200" dirty="0"/>
+            <a:t>View Sold history</a:t>
           </a:r>
-          <a:endParaRPr lang="en-US" sz="1000" kern="1200" dirty="0"/>
         </a:p>
       </dsp:txBody>
       <dsp:txXfrm>
-        <a:off x="6358584" y="2921654"/>
-        <a:ext cx="843612" cy="527257"/>
+        <a:off x="2316237" y="2441590"/>
+        <a:ext cx="747545" cy="456563"/>
       </dsp:txXfrm>
     </dsp:sp>
-    <dsp:sp modelId="{123499D8-644A-4435-922C-D77FD875B47C}">
+    <dsp:sp modelId="{FFFD4F90-0E3D-4661-8D3A-EFC448AF72C0}">
       <dsp:nvSpPr>
         <dsp:cNvPr id="0" name=""/>
         <dsp:cNvSpPr/>
       </dsp:nvSpPr>
       <dsp:spPr>
         <a:xfrm>
-          <a:off x="2835574" y="527814"/>
-          <a:ext cx="1737959" cy="2659140"/>
+          <a:off x="2205039" y="487502"/>
+          <a:ext cx="1867495" cy="3086928"/>
         </a:xfrm>
         <a:custGeom>
           <a:avLst/>
@@ -2770,10 +2600,10 @@
                 <a:pt x="0" y="0"/>
               </a:moveTo>
               <a:lnTo>
-                <a:pt x="0" y="2659140"/>
+                <a:pt x="0" y="3086928"/>
               </a:lnTo>
               <a:lnTo>
-                <a:pt x="1737959" y="2659140"/>
+                <a:pt x="1867495" y="3086928"/>
               </a:lnTo>
             </a:path>
           </a:pathLst>
@@ -2806,15 +2636,15 @@
         <a:fontRef idx="minor"/>
       </dsp:style>
     </dsp:sp>
-    <dsp:sp modelId="{C87C61FB-31D1-47B9-AF3E-9A3A8536F8B3}">
+    <dsp:sp modelId="{C0C09044-7DB3-47B2-96E1-E8A1222127F1}">
       <dsp:nvSpPr>
         <dsp:cNvPr id="0" name=""/>
         <dsp:cNvSpPr/>
       </dsp:nvSpPr>
       <dsp:spPr>
         <a:xfrm>
-          <a:off x="4573534" y="2923325"/>
-          <a:ext cx="843612" cy="527257"/>
+          <a:off x="4072535" y="3331945"/>
+          <a:ext cx="775953" cy="484971"/>
         </a:xfrm>
         <a:prstGeom prst="roundRect">
           <a:avLst>
@@ -2856,12 +2686,12 @@
         <a:fontRef idx="minor"/>
       </dsp:style>
       <dsp:txBody>
-        <a:bodyPr spcFirstLastPara="0" vert="horz" wrap="square" lIns="19050" tIns="12700" rIns="19050" bIns="12700" numCol="1" spcCol="1270" anchor="ctr" anchorCtr="0">
+        <a:bodyPr spcFirstLastPara="0" vert="horz" wrap="square" lIns="17145" tIns="11430" rIns="17145" bIns="11430" numCol="1" spcCol="1270" anchor="ctr" anchorCtr="0">
           <a:noAutofit/>
         </a:bodyPr>
         <a:lstStyle/>
         <a:p>
-          <a:pPr lvl="0" algn="ctr" defTabSz="444500">
+          <a:pPr marL="0" lvl="0" indent="0" algn="ctr" defTabSz="400050">
             <a:lnSpc>
               <a:spcPct val="90000"/>
             </a:lnSpc>
@@ -2871,28 +2701,28 @@
             <a:spcAft>
               <a:spcPct val="35000"/>
             </a:spcAft>
+            <a:buNone/>
           </a:pPr>
           <a:r>
-            <a:rPr lang="en-US" sz="1000" kern="1200" dirty="0" smtClean="0"/>
-            <a:t>Apply For Insurance</a:t>
+            <a:rPr lang="en-US" sz="900" kern="1200" dirty="0"/>
+            <a:t>Insurance  Claim</a:t>
           </a:r>
-          <a:endParaRPr lang="en-US" sz="1000" kern="1200" dirty="0"/>
         </a:p>
       </dsp:txBody>
       <dsp:txXfrm>
-        <a:off x="4573534" y="2923325"/>
-        <a:ext cx="843612" cy="527257"/>
+        <a:off x="4086739" y="3346149"/>
+        <a:ext cx="747545" cy="456563"/>
       </dsp:txXfrm>
     </dsp:sp>
-    <dsp:sp modelId="{29A251B2-D7B9-4CD7-AF9B-47A94B3137B2}">
+    <dsp:sp modelId="{123499D8-644A-4435-922C-D77FD875B47C}">
       <dsp:nvSpPr>
         <dsp:cNvPr id="0" name=""/>
         <dsp:cNvSpPr/>
       </dsp:nvSpPr>
       <dsp:spPr>
         <a:xfrm>
-          <a:off x="2835574" y="527814"/>
-          <a:ext cx="472541" cy="2658919"/>
+          <a:off x="2205039" y="487502"/>
+          <a:ext cx="295979" cy="3060774"/>
         </a:xfrm>
         <a:custGeom>
           <a:avLst/>
@@ -2906,10 +2736,10 @@
                 <a:pt x="0" y="0"/>
               </a:moveTo>
               <a:lnTo>
-                <a:pt x="0" y="2658919"/>
+                <a:pt x="0" y="3060774"/>
               </a:lnTo>
               <a:lnTo>
-                <a:pt x="472541" y="2658919"/>
+                <a:pt x="295979" y="3060774"/>
               </a:lnTo>
             </a:path>
           </a:pathLst>
@@ -2942,15 +2772,15 @@
         <a:fontRef idx="minor"/>
       </dsp:style>
     </dsp:sp>
-    <dsp:sp modelId="{1218056D-B9B7-4698-81B9-F2DB150F36D2}">
+    <dsp:sp modelId="{C87C61FB-31D1-47B9-AF3E-9A3A8536F8B3}">
       <dsp:nvSpPr>
         <dsp:cNvPr id="0" name=""/>
         <dsp:cNvSpPr/>
       </dsp:nvSpPr>
       <dsp:spPr>
         <a:xfrm>
-          <a:off x="3308115" y="2923104"/>
-          <a:ext cx="843612" cy="527257"/>
+          <a:off x="2501019" y="3305790"/>
+          <a:ext cx="775953" cy="484971"/>
         </a:xfrm>
         <a:prstGeom prst="roundRect">
           <a:avLst>
@@ -2992,12 +2822,12 @@
         <a:fontRef idx="minor"/>
       </dsp:style>
       <dsp:txBody>
-        <a:bodyPr spcFirstLastPara="0" vert="horz" wrap="square" lIns="19050" tIns="12700" rIns="19050" bIns="12700" numCol="1" spcCol="1270" anchor="ctr" anchorCtr="0">
+        <a:bodyPr spcFirstLastPara="0" vert="horz" wrap="square" lIns="17145" tIns="11430" rIns="17145" bIns="11430" numCol="1" spcCol="1270" anchor="ctr" anchorCtr="0">
           <a:noAutofit/>
         </a:bodyPr>
         <a:lstStyle/>
         <a:p>
-          <a:pPr lvl="0" algn="ctr" defTabSz="444500">
+          <a:pPr marL="0" lvl="0" indent="0" algn="ctr" defTabSz="400050">
             <a:lnSpc>
               <a:spcPct val="90000"/>
             </a:lnSpc>
@@ -3007,17 +2837,17 @@
             <a:spcAft>
               <a:spcPct val="35000"/>
             </a:spcAft>
+            <a:buNone/>
           </a:pPr>
           <a:r>
-            <a:rPr lang="en-US" sz="1000" kern="1200" dirty="0" smtClean="0"/>
-            <a:t>Bidder Register</a:t>
+            <a:rPr lang="en-US" sz="900" kern="1200" dirty="0"/>
+            <a:t>Apply For Insurance</a:t>
           </a:r>
-          <a:endParaRPr lang="en-US" sz="1000" kern="1200" dirty="0"/>
         </a:p>
       </dsp:txBody>
       <dsp:txXfrm>
-        <a:off x="3308115" y="2923104"/>
-        <a:ext cx="843612" cy="527257"/>
+        <a:off x="2515223" y="3319994"/>
+        <a:ext cx="747545" cy="456563"/>
       </dsp:txXfrm>
     </dsp:sp>
     <dsp:sp modelId="{CB644F58-97CA-4CE5-8B54-C6D739C1EB04}">
@@ -3027,8 +2857,8 @@
       </dsp:nvSpPr>
       <dsp:spPr>
         <a:xfrm>
-          <a:off x="4048267" y="556"/>
-          <a:ext cx="1054515" cy="527257"/>
+          <a:off x="3320472" y="2531"/>
+          <a:ext cx="969942" cy="484971"/>
         </a:xfrm>
         <a:prstGeom prst="roundRect">
           <a:avLst>
@@ -3071,12 +2901,12 @@
         </a:fontRef>
       </dsp:style>
       <dsp:txBody>
-        <a:bodyPr spcFirstLastPara="0" vert="horz" wrap="square" lIns="32385" tIns="21590" rIns="32385" bIns="21590" numCol="1" spcCol="1270" anchor="ctr" anchorCtr="0">
+        <a:bodyPr spcFirstLastPara="0" vert="horz" wrap="square" lIns="28575" tIns="19050" rIns="28575" bIns="19050" numCol="1" spcCol="1270" anchor="ctr" anchorCtr="0">
           <a:noAutofit/>
         </a:bodyPr>
         <a:lstStyle/>
         <a:p>
-          <a:pPr lvl="0" algn="ctr" defTabSz="755650">
+          <a:pPr marL="0" lvl="0" indent="0" algn="ctr" defTabSz="666750">
             <a:lnSpc>
               <a:spcPct val="90000"/>
             </a:lnSpc>
@@ -3086,17 +2916,17 @@
             <a:spcAft>
               <a:spcPct val="35000"/>
             </a:spcAft>
+            <a:buNone/>
           </a:pPr>
           <a:r>
-            <a:rPr lang="en-US" sz="1700" kern="1200" dirty="0" smtClean="0"/>
+            <a:rPr lang="en-US" sz="1500" kern="1200" dirty="0"/>
             <a:t>Admin Approval</a:t>
           </a:r>
-          <a:endParaRPr lang="en-US" sz="1700" kern="1200" dirty="0"/>
         </a:p>
       </dsp:txBody>
       <dsp:txXfrm>
-        <a:off x="4048267" y="556"/>
-        <a:ext cx="1054515" cy="527257"/>
+        <a:off x="3334676" y="16735"/>
+        <a:ext cx="941534" cy="456563"/>
       </dsp:txXfrm>
     </dsp:sp>
     <dsp:sp modelId="{3B3FBF1F-AA42-4C03-9EDF-80F5080EABD6}">
@@ -3106,8 +2936,8 @@
       </dsp:nvSpPr>
       <dsp:spPr>
         <a:xfrm>
-          <a:off x="4153719" y="527814"/>
-          <a:ext cx="105451" cy="395443"/>
+          <a:off x="3417467" y="487502"/>
+          <a:ext cx="96994" cy="363728"/>
         </a:xfrm>
         <a:custGeom>
           <a:avLst/>
@@ -3121,10 +2951,10 @@
                 <a:pt x="0" y="0"/>
               </a:moveTo>
               <a:lnTo>
-                <a:pt x="0" y="395443"/>
+                <a:pt x="0" y="363728"/>
               </a:lnTo>
               <a:lnTo>
-                <a:pt x="105451" y="395443"/>
+                <a:pt x="96994" y="363728"/>
               </a:lnTo>
             </a:path>
           </a:pathLst>
@@ -3164,8 +2994,8 @@
       </dsp:nvSpPr>
       <dsp:spPr>
         <a:xfrm>
-          <a:off x="4259170" y="659628"/>
-          <a:ext cx="843612" cy="527257"/>
+          <a:off x="3514461" y="608745"/>
+          <a:ext cx="775953" cy="484971"/>
         </a:xfrm>
         <a:prstGeom prst="roundRect">
           <a:avLst>
@@ -3207,12 +3037,12 @@
         <a:fontRef idx="minor"/>
       </dsp:style>
       <dsp:txBody>
-        <a:bodyPr spcFirstLastPara="0" vert="horz" wrap="square" lIns="19050" tIns="12700" rIns="19050" bIns="12700" numCol="1" spcCol="1270" anchor="ctr" anchorCtr="0">
+        <a:bodyPr spcFirstLastPara="0" vert="horz" wrap="square" lIns="17145" tIns="11430" rIns="17145" bIns="11430" numCol="1" spcCol="1270" anchor="ctr" anchorCtr="0">
           <a:noAutofit/>
         </a:bodyPr>
         <a:lstStyle/>
         <a:p>
-          <a:pPr lvl="0" algn="ctr" defTabSz="444500">
+          <a:pPr marL="0" lvl="0" indent="0" algn="ctr" defTabSz="400050">
             <a:lnSpc>
               <a:spcPct val="90000"/>
             </a:lnSpc>
@@ -3222,17 +3052,17 @@
             <a:spcAft>
               <a:spcPct val="35000"/>
             </a:spcAft>
+            <a:buNone/>
           </a:pPr>
           <a:r>
-            <a:rPr lang="en-US" sz="1000" kern="1200" dirty="0" smtClean="0"/>
+            <a:rPr lang="en-US" sz="900" kern="1200" dirty="0"/>
             <a:t>Farmer and Bidder Registration</a:t>
           </a:r>
-          <a:endParaRPr lang="en-US" sz="1000" kern="1200" dirty="0"/>
         </a:p>
       </dsp:txBody>
       <dsp:txXfrm>
-        <a:off x="4259170" y="659628"/>
-        <a:ext cx="843612" cy="527257"/>
+        <a:off x="3528665" y="622949"/>
+        <a:ext cx="747545" cy="456563"/>
       </dsp:txXfrm>
     </dsp:sp>
     <dsp:sp modelId="{525F23C3-BA15-4D45-A856-1B655B06D187}">
@@ -3242,8 +3072,8 @@
       </dsp:nvSpPr>
       <dsp:spPr>
         <a:xfrm>
-          <a:off x="4153719" y="527814"/>
-          <a:ext cx="105451" cy="1054515"/>
+          <a:off x="3417467" y="487502"/>
+          <a:ext cx="96994" cy="969942"/>
         </a:xfrm>
         <a:custGeom>
           <a:avLst/>
@@ -3257,10 +3087,10 @@
                 <a:pt x="0" y="0"/>
               </a:moveTo>
               <a:lnTo>
-                <a:pt x="0" y="1054515"/>
+                <a:pt x="0" y="969942"/>
               </a:lnTo>
               <a:lnTo>
-                <a:pt x="105451" y="1054515"/>
+                <a:pt x="96994" y="969942"/>
               </a:lnTo>
             </a:path>
           </a:pathLst>
@@ -3300,8 +3130,8 @@
       </dsp:nvSpPr>
       <dsp:spPr>
         <a:xfrm>
-          <a:off x="4259170" y="1318700"/>
-          <a:ext cx="843612" cy="527257"/>
+          <a:off x="3514461" y="1214959"/>
+          <a:ext cx="775953" cy="484971"/>
         </a:xfrm>
         <a:prstGeom prst="roundRect">
           <a:avLst>
@@ -3343,12 +3173,12 @@
         <a:fontRef idx="minor"/>
       </dsp:style>
       <dsp:txBody>
-        <a:bodyPr spcFirstLastPara="0" vert="horz" wrap="square" lIns="19050" tIns="12700" rIns="19050" bIns="12700" numCol="1" spcCol="1270" anchor="ctr" anchorCtr="0">
+        <a:bodyPr spcFirstLastPara="0" vert="horz" wrap="square" lIns="17145" tIns="11430" rIns="17145" bIns="11430" numCol="1" spcCol="1270" anchor="ctr" anchorCtr="0">
           <a:noAutofit/>
         </a:bodyPr>
         <a:lstStyle/>
         <a:p>
-          <a:pPr lvl="0" algn="ctr" defTabSz="444500">
+          <a:pPr marL="0" lvl="0" indent="0" algn="ctr" defTabSz="400050">
             <a:lnSpc>
               <a:spcPct val="90000"/>
             </a:lnSpc>
@@ -3358,17 +3188,17 @@
             <a:spcAft>
               <a:spcPct val="35000"/>
             </a:spcAft>
+            <a:buNone/>
           </a:pPr>
           <a:r>
-            <a:rPr lang="en-US" sz="1000" kern="1200" dirty="0" smtClean="0"/>
+            <a:rPr lang="en-US" sz="900" kern="1200" dirty="0"/>
             <a:t>Approve Crop sell Request</a:t>
           </a:r>
-          <a:endParaRPr lang="en-US" sz="1000" kern="1200" dirty="0"/>
         </a:p>
       </dsp:txBody>
       <dsp:txXfrm>
-        <a:off x="4259170" y="1318700"/>
-        <a:ext cx="843612" cy="527257"/>
+        <a:off x="3528665" y="1229163"/>
+        <a:ext cx="747545" cy="456563"/>
       </dsp:txXfrm>
     </dsp:sp>
     <dsp:sp modelId="{FBA32C28-017C-4A67-864E-14DFF9161340}">
@@ -3378,8 +3208,8 @@
       </dsp:nvSpPr>
       <dsp:spPr>
         <a:xfrm>
-          <a:off x="4153719" y="527814"/>
-          <a:ext cx="136893" cy="1639160"/>
+          <a:off x="3417467" y="487502"/>
+          <a:ext cx="125914" cy="1507697"/>
         </a:xfrm>
         <a:custGeom>
           <a:avLst/>
@@ -3393,10 +3223,10 @@
                 <a:pt x="0" y="0"/>
               </a:moveTo>
               <a:lnTo>
-                <a:pt x="0" y="1639160"/>
+                <a:pt x="0" y="1507697"/>
               </a:lnTo>
               <a:lnTo>
-                <a:pt x="136893" y="1639160"/>
+                <a:pt x="125914" y="1507697"/>
               </a:lnTo>
             </a:path>
           </a:pathLst>
@@ -3436,8 +3266,8 @@
       </dsp:nvSpPr>
       <dsp:spPr>
         <a:xfrm>
-          <a:off x="4290612" y="1903345"/>
-          <a:ext cx="843612" cy="527257"/>
+          <a:off x="3543381" y="1752714"/>
+          <a:ext cx="775953" cy="484971"/>
         </a:xfrm>
         <a:prstGeom prst="roundRect">
           <a:avLst>
@@ -3479,12 +3309,12 @@
         <a:fontRef idx="minor"/>
       </dsp:style>
       <dsp:txBody>
-        <a:bodyPr spcFirstLastPara="0" vert="horz" wrap="square" lIns="19050" tIns="12700" rIns="19050" bIns="12700" numCol="1" spcCol="1270" anchor="ctr" anchorCtr="0">
+        <a:bodyPr spcFirstLastPara="0" vert="horz" wrap="square" lIns="17145" tIns="11430" rIns="17145" bIns="11430" numCol="1" spcCol="1270" anchor="ctr" anchorCtr="0">
           <a:noAutofit/>
         </a:bodyPr>
         <a:lstStyle/>
         <a:p>
-          <a:pPr lvl="0" algn="ctr" defTabSz="444500">
+          <a:pPr marL="0" lvl="0" indent="0" algn="ctr" defTabSz="400050">
             <a:lnSpc>
               <a:spcPct val="90000"/>
             </a:lnSpc>
@@ -3494,17 +3324,17 @@
             <a:spcAft>
               <a:spcPct val="35000"/>
             </a:spcAft>
+            <a:buNone/>
           </a:pPr>
           <a:r>
-            <a:rPr lang="en-US" sz="1000" kern="1200" dirty="0" smtClean="0"/>
+            <a:rPr lang="en-US" sz="900" kern="1200" dirty="0"/>
             <a:t>Approve Bid</a:t>
           </a:r>
-          <a:endParaRPr lang="en-US" sz="1000" kern="1200" dirty="0"/>
         </a:p>
       </dsp:txBody>
       <dsp:txXfrm>
-        <a:off x="4290612" y="1903345"/>
-        <a:ext cx="843612" cy="527257"/>
+        <a:off x="3557585" y="1766918"/>
+        <a:ext cx="747545" cy="456563"/>
       </dsp:txXfrm>
     </dsp:sp>
     <dsp:sp modelId="{098295D4-EC25-4FDE-A726-51B557B41119}">
@@ -3514,8 +3344,8 @@
       </dsp:nvSpPr>
       <dsp:spPr>
         <a:xfrm>
-          <a:off x="4153719" y="527814"/>
-          <a:ext cx="1268422" cy="2041576"/>
+          <a:off x="3417467" y="487502"/>
+          <a:ext cx="1166693" cy="1877839"/>
         </a:xfrm>
         <a:custGeom>
           <a:avLst/>
@@ -3529,10 +3359,10 @@
                 <a:pt x="0" y="0"/>
               </a:moveTo>
               <a:lnTo>
-                <a:pt x="0" y="2041576"/>
+                <a:pt x="0" y="1877839"/>
               </a:lnTo>
               <a:lnTo>
-                <a:pt x="1268422" y="2041576"/>
+                <a:pt x="1166693" y="1877839"/>
               </a:lnTo>
             </a:path>
           </a:pathLst>
@@ -3572,8 +3402,8 @@
       </dsp:nvSpPr>
       <dsp:spPr>
         <a:xfrm>
-          <a:off x="5422141" y="2310799"/>
-          <a:ext cx="843612" cy="517181"/>
+          <a:off x="4584160" y="2127490"/>
+          <a:ext cx="775953" cy="475703"/>
         </a:xfrm>
         <a:prstGeom prst="roundRect">
           <a:avLst>
@@ -3615,12 +3445,12 @@
         <a:fontRef idx="minor"/>
       </dsp:style>
       <dsp:txBody>
-        <a:bodyPr spcFirstLastPara="0" vert="horz" wrap="square" lIns="19050" tIns="12700" rIns="19050" bIns="12700" numCol="1" spcCol="1270" anchor="ctr" anchorCtr="0">
+        <a:bodyPr spcFirstLastPara="0" vert="horz" wrap="square" lIns="17145" tIns="11430" rIns="17145" bIns="11430" numCol="1" spcCol="1270" anchor="ctr" anchorCtr="0">
           <a:noAutofit/>
         </a:bodyPr>
         <a:lstStyle/>
         <a:p>
-          <a:pPr lvl="0" algn="ctr" defTabSz="444500">
+          <a:pPr marL="0" lvl="0" indent="0" algn="ctr" defTabSz="400050">
             <a:lnSpc>
               <a:spcPct val="90000"/>
             </a:lnSpc>
@@ -3630,17 +3460,17 @@
             <a:spcAft>
               <a:spcPct val="35000"/>
             </a:spcAft>
+            <a:buNone/>
           </a:pPr>
           <a:r>
-            <a:rPr lang="en-US" sz="1000" kern="1200" dirty="0" smtClean="0"/>
+            <a:rPr lang="en-US" sz="900" kern="1200" dirty="0"/>
             <a:t>Approve insurance Claim</a:t>
           </a:r>
-          <a:endParaRPr lang="en-US" sz="1000" kern="1200" dirty="0"/>
         </a:p>
       </dsp:txBody>
       <dsp:txXfrm>
-        <a:off x="5422141" y="2310799"/>
-        <a:ext cx="843612" cy="517181"/>
+        <a:off x="4598093" y="2141423"/>
+        <a:ext cx="748087" cy="447837"/>
       </dsp:txXfrm>
     </dsp:sp>
     <dsp:sp modelId="{373B6F88-96DC-415C-98F4-BDD6E7A8708B}">
@@ -3650,8 +3480,8 @@
       </dsp:nvSpPr>
       <dsp:spPr>
         <a:xfrm>
-          <a:off x="5366412" y="556"/>
-          <a:ext cx="1054515" cy="527257"/>
+          <a:off x="4532900" y="2531"/>
+          <a:ext cx="969942" cy="484971"/>
         </a:xfrm>
         <a:prstGeom prst="roundRect">
           <a:avLst>
@@ -3694,12 +3524,12 @@
         </a:fontRef>
       </dsp:style>
       <dsp:txBody>
-        <a:bodyPr spcFirstLastPara="0" vert="horz" wrap="square" lIns="32385" tIns="21590" rIns="32385" bIns="21590" numCol="1" spcCol="1270" anchor="ctr" anchorCtr="0">
+        <a:bodyPr spcFirstLastPara="0" vert="horz" wrap="square" lIns="28575" tIns="19050" rIns="28575" bIns="19050" numCol="1" spcCol="1270" anchor="ctr" anchorCtr="0">
           <a:noAutofit/>
         </a:bodyPr>
         <a:lstStyle/>
         <a:p>
-          <a:pPr lvl="0" algn="ctr" defTabSz="755650">
+          <a:pPr marL="0" lvl="0" indent="0" algn="ctr" defTabSz="666750">
             <a:lnSpc>
               <a:spcPct val="90000"/>
             </a:lnSpc>
@@ -3709,17 +3539,17 @@
             <a:spcAft>
               <a:spcPct val="35000"/>
             </a:spcAft>
+            <a:buNone/>
           </a:pPr>
           <a:r>
-            <a:rPr lang="en-US" sz="1700" kern="1200" dirty="0" smtClean="0"/>
+            <a:rPr lang="en-US" sz="1500" kern="1200" dirty="0"/>
             <a:t>Bidder</a:t>
           </a:r>
-          <a:endParaRPr lang="en-US" sz="1700" kern="1200" dirty="0"/>
         </a:p>
       </dsp:txBody>
       <dsp:txXfrm>
-        <a:off x="5366412" y="556"/>
-        <a:ext cx="1054515" cy="527257"/>
+        <a:off x="4547104" y="16735"/>
+        <a:ext cx="941534" cy="456563"/>
       </dsp:txXfrm>
     </dsp:sp>
     <dsp:sp modelId="{197732EC-AD04-494E-9C3E-15C51174EF09}">
@@ -3729,8 +3559,8 @@
       </dsp:nvSpPr>
       <dsp:spPr>
         <a:xfrm>
-          <a:off x="5471863" y="527814"/>
-          <a:ext cx="105451" cy="395443"/>
+          <a:off x="4629894" y="487502"/>
+          <a:ext cx="96994" cy="363728"/>
         </a:xfrm>
         <a:custGeom>
           <a:avLst/>
@@ -3744,10 +3574,10 @@
                 <a:pt x="0" y="0"/>
               </a:moveTo>
               <a:lnTo>
-                <a:pt x="0" y="395443"/>
+                <a:pt x="0" y="363728"/>
               </a:lnTo>
               <a:lnTo>
-                <a:pt x="105451" y="395443"/>
+                <a:pt x="96994" y="363728"/>
               </a:lnTo>
             </a:path>
           </a:pathLst>
@@ -3787,8 +3617,8 @@
       </dsp:nvSpPr>
       <dsp:spPr>
         <a:xfrm>
-          <a:off x="5577315" y="659628"/>
-          <a:ext cx="843612" cy="527257"/>
+          <a:off x="4726889" y="608745"/>
+          <a:ext cx="775953" cy="484971"/>
         </a:xfrm>
         <a:prstGeom prst="roundRect">
           <a:avLst>
@@ -3830,12 +3660,12 @@
         <a:fontRef idx="minor"/>
       </dsp:style>
       <dsp:txBody>
-        <a:bodyPr spcFirstLastPara="0" vert="horz" wrap="square" lIns="19050" tIns="12700" rIns="19050" bIns="12700" numCol="1" spcCol="1270" anchor="ctr" anchorCtr="0">
+        <a:bodyPr spcFirstLastPara="0" vert="horz" wrap="square" lIns="17145" tIns="11430" rIns="17145" bIns="11430" numCol="1" spcCol="1270" anchor="ctr" anchorCtr="0">
           <a:noAutofit/>
         </a:bodyPr>
         <a:lstStyle/>
         <a:p>
-          <a:pPr lvl="0" algn="ctr" defTabSz="444500">
+          <a:pPr marL="0" lvl="0" indent="0" algn="ctr" defTabSz="400050">
             <a:lnSpc>
               <a:spcPct val="90000"/>
             </a:lnSpc>
@@ -3845,17 +3675,17 @@
             <a:spcAft>
               <a:spcPct val="35000"/>
             </a:spcAft>
+            <a:buNone/>
           </a:pPr>
           <a:r>
-            <a:rPr lang="en-US" sz="1000" kern="1200" dirty="0" smtClean="0"/>
+            <a:rPr lang="en-US" sz="900" kern="1200" dirty="0"/>
             <a:t>View Crop details and Place Bid</a:t>
           </a:r>
-          <a:endParaRPr lang="en-US" sz="1000" kern="1200" dirty="0"/>
         </a:p>
       </dsp:txBody>
       <dsp:txXfrm>
-        <a:off x="5577315" y="659628"/>
-        <a:ext cx="843612" cy="527257"/>
+        <a:off x="4741093" y="622949"/>
+        <a:ext cx="747545" cy="456563"/>
       </dsp:txXfrm>
     </dsp:sp>
     <dsp:sp modelId="{A876F830-0188-4555-88EE-86737BC8C3F8}">
@@ -3865,8 +3695,8 @@
       </dsp:nvSpPr>
       <dsp:spPr>
         <a:xfrm>
-          <a:off x="5471863" y="527814"/>
-          <a:ext cx="105451" cy="1054515"/>
+          <a:off x="4629894" y="487502"/>
+          <a:ext cx="96994" cy="969942"/>
         </a:xfrm>
         <a:custGeom>
           <a:avLst/>
@@ -3880,10 +3710,10 @@
                 <a:pt x="0" y="0"/>
               </a:moveTo>
               <a:lnTo>
-                <a:pt x="0" y="1054515"/>
+                <a:pt x="0" y="969942"/>
               </a:lnTo>
               <a:lnTo>
-                <a:pt x="105451" y="1054515"/>
+                <a:pt x="96994" y="969942"/>
               </a:lnTo>
             </a:path>
           </a:pathLst>
@@ -3923,8 +3753,8 @@
       </dsp:nvSpPr>
       <dsp:spPr>
         <a:xfrm>
-          <a:off x="5577315" y="1318700"/>
-          <a:ext cx="843612" cy="527257"/>
+          <a:off x="4726889" y="1214959"/>
+          <a:ext cx="775953" cy="484971"/>
         </a:xfrm>
         <a:prstGeom prst="roundRect">
           <a:avLst>
@@ -3966,12 +3796,12 @@
         <a:fontRef idx="minor"/>
       </dsp:style>
       <dsp:txBody>
-        <a:bodyPr spcFirstLastPara="0" vert="horz" wrap="square" lIns="19050" tIns="12700" rIns="19050" bIns="12700" numCol="1" spcCol="1270" anchor="ctr" anchorCtr="0">
+        <a:bodyPr spcFirstLastPara="0" vert="horz" wrap="square" lIns="17145" tIns="11430" rIns="17145" bIns="11430" numCol="1" spcCol="1270" anchor="ctr" anchorCtr="0">
           <a:noAutofit/>
         </a:bodyPr>
         <a:lstStyle/>
         <a:p>
-          <a:pPr lvl="0" algn="ctr" defTabSz="444500">
+          <a:pPr marL="0" lvl="0" indent="0" algn="ctr" defTabSz="400050">
             <a:lnSpc>
               <a:spcPct val="90000"/>
             </a:lnSpc>
@@ -3981,17 +3811,17 @@
             <a:spcAft>
               <a:spcPct val="35000"/>
             </a:spcAft>
+            <a:buNone/>
           </a:pPr>
           <a:r>
-            <a:rPr lang="en-US" sz="1000" kern="1200" dirty="0" smtClean="0"/>
+            <a:rPr lang="en-US" sz="900" kern="1200" dirty="0"/>
             <a:t>Bidder Register</a:t>
           </a:r>
-          <a:endParaRPr lang="en-US" sz="1000" kern="1200" dirty="0"/>
         </a:p>
       </dsp:txBody>
       <dsp:txXfrm>
-        <a:off x="5577315" y="1318700"/>
-        <a:ext cx="843612" cy="527257"/>
+        <a:off x="4741093" y="1229163"/>
+        <a:ext cx="747545" cy="456563"/>
       </dsp:txXfrm>
     </dsp:sp>
   </dsp:spTree>
@@ -5373,14 +5203,14 @@
           </a:ln>
           <a:extLst>
             <a:ext uri="{909E8E84-426E-40DD-AFC4-6F175D3DCCD1}">
-              <a14:hiddenFill xmlns="" xmlns:a14="http://schemas.microsoft.com/office/drawing/2010/main">
+              <a14:hiddenFill xmlns:a14="http://schemas.microsoft.com/office/drawing/2010/main">
                 <a:solidFill>
                   <a:srgbClr val="FFFFFF"/>
                 </a:solidFill>
               </a14:hiddenFill>
             </a:ext>
             <a:ext uri="{91240B29-F687-4F45-9708-019B960494DF}">
-              <a14:hiddenLine xmlns="" xmlns:a14="http://schemas.microsoft.com/office/drawing/2010/main" w="9525">
+              <a14:hiddenLine xmlns:a14="http://schemas.microsoft.com/office/drawing/2010/main" w="9525">
                 <a:solidFill>
                   <a:srgbClr val="000000"/>
                 </a:solidFill>
@@ -5434,14 +5264,14 @@
           </a:ln>
           <a:extLst>
             <a:ext uri="{909E8E84-426E-40DD-AFC4-6F175D3DCCD1}">
-              <a14:hiddenFill xmlns="" xmlns:a14="http://schemas.microsoft.com/office/drawing/2010/main">
+              <a14:hiddenFill xmlns:a14="http://schemas.microsoft.com/office/drawing/2010/main">
                 <a:solidFill>
                   <a:srgbClr val="FFFFFF"/>
                 </a:solidFill>
               </a14:hiddenFill>
             </a:ext>
             <a:ext uri="{91240B29-F687-4F45-9708-019B960494DF}">
-              <a14:hiddenLine xmlns="" xmlns:a14="http://schemas.microsoft.com/office/drawing/2010/main" w="9525">
+              <a14:hiddenLine xmlns:a14="http://schemas.microsoft.com/office/drawing/2010/main" w="9525">
                 <a:solidFill>
                   <a:srgbClr val="000000"/>
                 </a:solidFill>
@@ -5495,14 +5325,14 @@
           </a:ln>
           <a:extLst>
             <a:ext uri="{909E8E84-426E-40DD-AFC4-6F175D3DCCD1}">
-              <a14:hiddenFill xmlns="" xmlns:a14="http://schemas.microsoft.com/office/drawing/2010/main">
+              <a14:hiddenFill xmlns:a14="http://schemas.microsoft.com/office/drawing/2010/main">
                 <a:solidFill>
                   <a:srgbClr val="FFFFFF"/>
                 </a:solidFill>
               </a14:hiddenFill>
             </a:ext>
             <a:ext uri="{91240B29-F687-4F45-9708-019B960494DF}">
-              <a14:hiddenLine xmlns="" xmlns:a14="http://schemas.microsoft.com/office/drawing/2010/main" w="9525">
+              <a14:hiddenLine xmlns:a14="http://schemas.microsoft.com/office/drawing/2010/main" w="9525">
                 <a:solidFill>
                   <a:srgbClr val="000000"/>
                 </a:solidFill>
@@ -5556,14 +5386,14 @@
           </a:ln>
           <a:extLst>
             <a:ext uri="{909E8E84-426E-40DD-AFC4-6F175D3DCCD1}">
-              <a14:hiddenFill xmlns="" xmlns:a14="http://schemas.microsoft.com/office/drawing/2010/main">
+              <a14:hiddenFill xmlns:a14="http://schemas.microsoft.com/office/drawing/2010/main">
                 <a:solidFill>
                   <a:srgbClr val="FFFFFF"/>
                 </a:solidFill>
               </a14:hiddenFill>
             </a:ext>
             <a:ext uri="{91240B29-F687-4F45-9708-019B960494DF}">
-              <a14:hiddenLine xmlns="" xmlns:a14="http://schemas.microsoft.com/office/drawing/2010/main" w="9525">
+              <a14:hiddenLine xmlns:a14="http://schemas.microsoft.com/office/drawing/2010/main" w="9525">
                 <a:solidFill>
                   <a:srgbClr val="000000"/>
                 </a:solidFill>
@@ -5603,7 +5433,7 @@
     </p:spTree>
     <p:extLst>
       <p:ext uri="{BB962C8B-B14F-4D97-AF65-F5344CB8AC3E}">
-        <p14:creationId xmlns="" xmlns:p14="http://schemas.microsoft.com/office/powerpoint/2010/main" val="2105072336"/>
+        <p14:creationId xmlns:p14="http://schemas.microsoft.com/office/powerpoint/2010/main" val="2105072336"/>
       </p:ext>
     </p:extLst>
   </p:cSld>
@@ -5661,14 +5491,14 @@
           </a:ln>
           <a:extLst>
             <a:ext uri="{909E8E84-426E-40DD-AFC4-6F175D3DCCD1}">
-              <a14:hiddenFill xmlns="" xmlns:a14="http://schemas.microsoft.com/office/drawing/2010/main">
+              <a14:hiddenFill xmlns:a14="http://schemas.microsoft.com/office/drawing/2010/main">
                 <a:solidFill>
                   <a:srgbClr val="FFFFFF"/>
                 </a:solidFill>
               </a14:hiddenFill>
             </a:ext>
             <a:ext uri="{91240B29-F687-4F45-9708-019B960494DF}">
-              <a14:hiddenLine xmlns="" xmlns:a14="http://schemas.microsoft.com/office/drawing/2010/main" w="9525">
+              <a14:hiddenLine xmlns:a14="http://schemas.microsoft.com/office/drawing/2010/main" w="9525">
                 <a:solidFill>
                   <a:srgbClr val="000000"/>
                 </a:solidFill>
@@ -5722,14 +5552,14 @@
           </a:ln>
           <a:extLst>
             <a:ext uri="{909E8E84-426E-40DD-AFC4-6F175D3DCCD1}">
-              <a14:hiddenFill xmlns="" xmlns:a14="http://schemas.microsoft.com/office/drawing/2010/main">
+              <a14:hiddenFill xmlns:a14="http://schemas.microsoft.com/office/drawing/2010/main">
                 <a:solidFill>
                   <a:srgbClr val="FFFFFF"/>
                 </a:solidFill>
               </a14:hiddenFill>
             </a:ext>
             <a:ext uri="{91240B29-F687-4F45-9708-019B960494DF}">
-              <a14:hiddenLine xmlns="" xmlns:a14="http://schemas.microsoft.com/office/drawing/2010/main" w="9525">
+              <a14:hiddenLine xmlns:a14="http://schemas.microsoft.com/office/drawing/2010/main" w="9525">
                 <a:solidFill>
                   <a:srgbClr val="000000"/>
                 </a:solidFill>
@@ -5788,7 +5618,7 @@
           </a:ln>
           <a:extLst>
             <a:ext uri="{909E8E84-426E-40DD-AFC4-6F175D3DCCD1}">
-              <a14:hiddenFill xmlns="" xmlns:a14="http://schemas.microsoft.com/office/drawing/2010/main">
+              <a14:hiddenFill xmlns:a14="http://schemas.microsoft.com/office/drawing/2010/main">
                 <a:solidFill>
                   <a:srgbClr val="FFFFFF"/>
                 </a:solidFill>
@@ -5821,14 +5651,14 @@
           </a:ln>
           <a:extLst>
             <a:ext uri="{909E8E84-426E-40DD-AFC4-6F175D3DCCD1}">
-              <a14:hiddenFill xmlns="" xmlns:a14="http://schemas.microsoft.com/office/drawing/2010/main">
+              <a14:hiddenFill xmlns:a14="http://schemas.microsoft.com/office/drawing/2010/main">
                 <a:solidFill>
                   <a:srgbClr val="FFFFFF"/>
                 </a:solidFill>
               </a14:hiddenFill>
             </a:ext>
             <a:ext uri="{91240B29-F687-4F45-9708-019B960494DF}">
-              <a14:hiddenLine xmlns="" xmlns:a14="http://schemas.microsoft.com/office/drawing/2010/main" w="9525">
+              <a14:hiddenLine xmlns:a14="http://schemas.microsoft.com/office/drawing/2010/main" w="9525">
                 <a:solidFill>
                   <a:srgbClr val="000000"/>
                 </a:solidFill>
@@ -5907,14 +5737,14 @@
           </a:ln>
           <a:extLst>
             <a:ext uri="{909E8E84-426E-40DD-AFC4-6F175D3DCCD1}">
-              <a14:hiddenFill xmlns="" xmlns:a14="http://schemas.microsoft.com/office/drawing/2010/main">
+              <a14:hiddenFill xmlns:a14="http://schemas.microsoft.com/office/drawing/2010/main">
                 <a:solidFill>
                   <a:srgbClr val="FFFFFF"/>
                 </a:solidFill>
               </a14:hiddenFill>
             </a:ext>
             <a:ext uri="{91240B29-F687-4F45-9708-019B960494DF}">
-              <a14:hiddenLine xmlns="" xmlns:a14="http://schemas.microsoft.com/office/drawing/2010/main" w="9525">
+              <a14:hiddenLine xmlns:a14="http://schemas.microsoft.com/office/drawing/2010/main" w="9525">
                 <a:solidFill>
                   <a:srgbClr val="000000"/>
                 </a:solidFill>
@@ -5968,14 +5798,14 @@
           </a:ln>
           <a:extLst>
             <a:ext uri="{909E8E84-426E-40DD-AFC4-6F175D3DCCD1}">
-              <a14:hiddenFill xmlns="" xmlns:a14="http://schemas.microsoft.com/office/drawing/2010/main">
+              <a14:hiddenFill xmlns:a14="http://schemas.microsoft.com/office/drawing/2010/main">
                 <a:solidFill>
                   <a:srgbClr val="FFFFFF"/>
                 </a:solidFill>
               </a14:hiddenFill>
             </a:ext>
             <a:ext uri="{91240B29-F687-4F45-9708-019B960494DF}">
-              <a14:hiddenLine xmlns="" xmlns:a14="http://schemas.microsoft.com/office/drawing/2010/main" w="9525">
+              <a14:hiddenLine xmlns:a14="http://schemas.microsoft.com/office/drawing/2010/main" w="9525">
                 <a:solidFill>
                   <a:srgbClr val="000000"/>
                 </a:solidFill>
@@ -6015,7 +5845,7 @@
     </p:spTree>
     <p:extLst>
       <p:ext uri="{BB962C8B-B14F-4D97-AF65-F5344CB8AC3E}">
-        <p14:creationId xmlns="" xmlns:p14="http://schemas.microsoft.com/office/powerpoint/2010/main" val="337644907"/>
+        <p14:creationId xmlns:p14="http://schemas.microsoft.com/office/powerpoint/2010/main" val="337644907"/>
       </p:ext>
     </p:extLst>
   </p:cSld>
@@ -6190,6 +6020,96 @@
           <a:bodyPr/>
           <a:lstStyle/>
           <a:p>
+            <a:endParaRPr lang="en-IN" dirty="0"/>
+          </a:p>
+        </p:txBody>
+      </p:sp>
+      <p:sp>
+        <p:nvSpPr>
+          <p:cNvPr id="4" name="Slide Number Placeholder 3"/>
+          <p:cNvSpPr>
+            <a:spLocks noGrp="1"/>
+          </p:cNvSpPr>
+          <p:nvPr>
+            <p:ph type="sldNum" sz="quarter" idx="5"/>
+          </p:nvPr>
+        </p:nvSpPr>
+        <p:spPr/>
+        <p:txBody>
+          <a:bodyPr/>
+          <a:lstStyle/>
+          <a:p>
+            <a:pPr>
+              <a:defRPr/>
+            </a:pPr>
+            <a:fld id="{C0C428FF-E08F-45DE-BAC9-258D4444EC10}" type="slidenum">
+              <a:rPr lang="en-US" smtClean="0"/>
+              <a:pPr>
+                <a:defRPr/>
+              </a:pPr>
+              <a:t>11</a:t>
+            </a:fld>
+            <a:endParaRPr lang="en-US" dirty="0"/>
+          </a:p>
+        </p:txBody>
+      </p:sp>
+    </p:spTree>
+    <p:extLst>
+      <p:ext uri="{BB962C8B-B14F-4D97-AF65-F5344CB8AC3E}">
+        <p14:creationId xmlns:p14="http://schemas.microsoft.com/office/powerpoint/2010/main" val="2849425206"/>
+      </p:ext>
+    </p:extLst>
+  </p:cSld>
+  <p:clrMapOvr>
+    <a:masterClrMapping/>
+  </p:clrMapOvr>
+</p:notes>
+</file>
+
+<file path=ppt/notesSlides/notesSlide2.xml><?xml version="1.0" encoding="utf-8"?>
+<p:notes xmlns:a="http://schemas.openxmlformats.org/drawingml/2006/main" xmlns:r="http://schemas.openxmlformats.org/officeDocument/2006/relationships" xmlns:p="http://schemas.openxmlformats.org/presentationml/2006/main">
+  <p:cSld>
+    <p:spTree>
+      <p:nvGrpSpPr>
+        <p:cNvPr id="1" name=""/>
+        <p:cNvGrpSpPr/>
+        <p:nvPr/>
+      </p:nvGrpSpPr>
+      <p:grpSpPr>
+        <a:xfrm>
+          <a:off x="0" y="0"/>
+          <a:ext cx="0" cy="0"/>
+          <a:chOff x="0" y="0"/>
+          <a:chExt cx="0" cy="0"/>
+        </a:xfrm>
+      </p:grpSpPr>
+      <p:sp>
+        <p:nvSpPr>
+          <p:cNvPr id="2" name="Slide Image Placeholder 1"/>
+          <p:cNvSpPr>
+            <a:spLocks noGrp="1" noRot="1" noChangeAspect="1"/>
+          </p:cNvSpPr>
+          <p:nvPr>
+            <p:ph type="sldImg"/>
+          </p:nvPr>
+        </p:nvSpPr>
+        <p:spPr/>
+      </p:sp>
+      <p:sp>
+        <p:nvSpPr>
+          <p:cNvPr id="3" name="Notes Placeholder 2"/>
+          <p:cNvSpPr>
+            <a:spLocks noGrp="1"/>
+          </p:cNvSpPr>
+          <p:nvPr>
+            <p:ph type="body" idx="1"/>
+          </p:nvPr>
+        </p:nvSpPr>
+        <p:spPr/>
+        <p:txBody>
+          <a:bodyPr/>
+          <a:lstStyle/>
+          <a:p>
             <a:endParaRPr lang="en-US" dirty="0"/>
           </a:p>
         </p:txBody>
@@ -6217,7 +6137,7 @@
               <a:pPr>
                 <a:defRPr/>
               </a:pPr>
-              <a:t>11</a:t>
+              <a:t>19</a:t>
             </a:fld>
             <a:endParaRPr lang="en-US" dirty="0"/>
           </a:p>
@@ -6226,7 +6146,7 @@
     </p:spTree>
     <p:extLst>
       <p:ext uri="{BB962C8B-B14F-4D97-AF65-F5344CB8AC3E}">
-        <p14:creationId xmlns="" xmlns:p14="http://schemas.microsoft.com/office/powerpoint/2010/main" val="1930027059"/>
+        <p14:creationId xmlns:p14="http://schemas.microsoft.com/office/powerpoint/2010/main" val="1930027059"/>
       </p:ext>
     </p:extLst>
   </p:cSld>
@@ -6273,7 +6193,7 @@
           <a:blip r:embed="rId2">
             <a:extLst>
               <a:ext uri="{28A0092B-C50C-407E-A947-70E740481C1C}">
-                <a14:useLocalDpi xmlns="" xmlns:a14="http://schemas.microsoft.com/office/drawing/2010/main" val="0"/>
+                <a14:useLocalDpi xmlns:a14="http://schemas.microsoft.com/office/drawing/2010/main" val="0"/>
               </a:ext>
             </a:extLst>
           </a:blip>
@@ -6293,7 +6213,7 @@
           <a:noFill/>
           <a:extLst>
             <a:ext uri="{909E8E84-426E-40DD-AFC4-6F175D3DCCD1}">
-              <a14:hiddenFill xmlns="" xmlns:a14="http://schemas.microsoft.com/office/drawing/2010/main">
+              <a14:hiddenFill xmlns:a14="http://schemas.microsoft.com/office/drawing/2010/main">
                 <a:solidFill>
                   <a:srgbClr val="FFFFFF"/>
                 </a:solidFill>
@@ -6367,7 +6287,6 @@
             <a:headEnd/>
             <a:tailEnd/>
           </a:ln>
-          <a:extLst/>
         </p:spPr>
         <p:txBody>
           <a:bodyPr anchor="t"/>
@@ -6403,7 +6322,7 @@
           <a:blip r:embed="rId3">
             <a:extLst>
               <a:ext uri="{28A0092B-C50C-407E-A947-70E740481C1C}">
-                <a14:useLocalDpi xmlns="" xmlns:a14="http://schemas.microsoft.com/office/drawing/2010/main" val="0"/>
+                <a14:useLocalDpi xmlns:a14="http://schemas.microsoft.com/office/drawing/2010/main" val="0"/>
               </a:ext>
             </a:extLst>
           </a:blip>
@@ -6421,7 +6340,7 @@
           <a:noFill/>
           <a:extLst>
             <a:ext uri="{909E8E84-426E-40DD-AFC4-6F175D3DCCD1}">
-              <a14:hiddenFill xmlns="" xmlns:a14="http://schemas.microsoft.com/office/drawing/2010/main">
+              <a14:hiddenFill xmlns:a14="http://schemas.microsoft.com/office/drawing/2010/main">
                 <a:solidFill>
                   <a:srgbClr val="FFFFFF"/>
                 </a:solidFill>
@@ -6442,7 +6361,7 @@
           <a:blip r:embed="rId4">
             <a:extLst>
               <a:ext uri="{28A0092B-C50C-407E-A947-70E740481C1C}">
-                <a14:useLocalDpi xmlns="" xmlns:a14="http://schemas.microsoft.com/office/drawing/2010/main" val="0"/>
+                <a14:useLocalDpi xmlns:a14="http://schemas.microsoft.com/office/drawing/2010/main" val="0"/>
               </a:ext>
             </a:extLst>
           </a:blip>
@@ -6472,7 +6391,7 @@
           <a:blip r:embed="rId5">
             <a:extLst>
               <a:ext uri="{28A0092B-C50C-407E-A947-70E740481C1C}">
-                <a14:useLocalDpi xmlns="" xmlns:a14="http://schemas.microsoft.com/office/drawing/2010/main" val="0"/>
+                <a14:useLocalDpi xmlns:a14="http://schemas.microsoft.com/office/drawing/2010/main" val="0"/>
               </a:ext>
             </a:extLst>
           </a:blip>
@@ -6493,7 +6412,7 @@
     </p:spTree>
     <p:extLst>
       <p:ext uri="{BB962C8B-B14F-4D97-AF65-F5344CB8AC3E}">
-        <p14:creationId xmlns="" xmlns:p14="http://schemas.microsoft.com/office/powerpoint/2010/main" val="2319705792"/>
+        <p14:creationId xmlns:p14="http://schemas.microsoft.com/office/powerpoint/2010/main" val="2319705792"/>
       </p:ext>
     </p:extLst>
   </p:cSld>
@@ -6623,7 +6542,7 @@
           <a:blip r:embed="rId2">
             <a:extLst>
               <a:ext uri="{28A0092B-C50C-407E-A947-70E740481C1C}">
-                <a14:useLocalDpi xmlns="" xmlns:a14="http://schemas.microsoft.com/office/drawing/2010/main" val="0"/>
+                <a14:useLocalDpi xmlns:a14="http://schemas.microsoft.com/office/drawing/2010/main" val="0"/>
               </a:ext>
             </a:extLst>
           </a:blip>
@@ -6643,7 +6562,7 @@
           <a:noFill/>
           <a:extLst>
             <a:ext uri="{909E8E84-426E-40DD-AFC4-6F175D3DCCD1}">
-              <a14:hiddenFill xmlns="" xmlns:a14="http://schemas.microsoft.com/office/drawing/2010/main">
+              <a14:hiddenFill xmlns:a14="http://schemas.microsoft.com/office/drawing/2010/main">
                 <a:solidFill>
                   <a:srgbClr val="FFFFFF"/>
                 </a:solidFill>
@@ -6664,7 +6583,7 @@
           <a:blip r:embed="rId3">
             <a:extLst>
               <a:ext uri="{28A0092B-C50C-407E-A947-70E740481C1C}">
-                <a14:useLocalDpi xmlns="" xmlns:a14="http://schemas.microsoft.com/office/drawing/2010/main" val="0"/>
+                <a14:useLocalDpi xmlns:a14="http://schemas.microsoft.com/office/drawing/2010/main" val="0"/>
               </a:ext>
             </a:extLst>
           </a:blip>
@@ -6684,7 +6603,7 @@
           <a:noFill/>
           <a:extLst>
             <a:ext uri="{909E8E84-426E-40DD-AFC4-6F175D3DCCD1}">
-              <a14:hiddenFill xmlns="" xmlns:a14="http://schemas.microsoft.com/office/drawing/2010/main">
+              <a14:hiddenFill xmlns:a14="http://schemas.microsoft.com/office/drawing/2010/main">
                 <a:solidFill>
                   <a:srgbClr val="FFFFFF"/>
                 </a:solidFill>
@@ -6792,7 +6711,7 @@
           <a:blip r:embed="rId4">
             <a:extLst>
               <a:ext uri="{28A0092B-C50C-407E-A947-70E740481C1C}">
-                <a14:useLocalDpi xmlns="" xmlns:a14="http://schemas.microsoft.com/office/drawing/2010/main" val="0"/>
+                <a14:useLocalDpi xmlns:a14="http://schemas.microsoft.com/office/drawing/2010/main" val="0"/>
               </a:ext>
             </a:extLst>
           </a:blip>
@@ -6812,7 +6731,7 @@
           <a:noFill/>
           <a:extLst>
             <a:ext uri="{909E8E84-426E-40DD-AFC4-6F175D3DCCD1}">
-              <a14:hiddenFill xmlns="" xmlns:a14="http://schemas.microsoft.com/office/drawing/2010/main">
+              <a14:hiddenFill xmlns:a14="http://schemas.microsoft.com/office/drawing/2010/main">
                 <a:solidFill>
                   <a:srgbClr val="FFFFFF"/>
                 </a:solidFill>
@@ -6897,7 +6816,7 @@
     </p:spTree>
     <p:extLst>
       <p:ext uri="{BB962C8B-B14F-4D97-AF65-F5344CB8AC3E}">
-        <p14:creationId xmlns="" xmlns:p14="http://schemas.microsoft.com/office/powerpoint/2010/main" val="4116109263"/>
+        <p14:creationId xmlns:p14="http://schemas.microsoft.com/office/powerpoint/2010/main" val="4116109263"/>
       </p:ext>
     </p:extLst>
   </p:cSld>
@@ -7130,7 +7049,7 @@
           <a:blip r:embed="rId2">
             <a:extLst>
               <a:ext uri="{28A0092B-C50C-407E-A947-70E740481C1C}">
-                <a14:useLocalDpi xmlns="" xmlns:a14="http://schemas.microsoft.com/office/drawing/2010/main" val="0"/>
+                <a14:useLocalDpi xmlns:a14="http://schemas.microsoft.com/office/drawing/2010/main" val="0"/>
               </a:ext>
             </a:extLst>
           </a:blip>
@@ -7150,7 +7069,7 @@
           <a:noFill/>
           <a:extLst>
             <a:ext uri="{909E8E84-426E-40DD-AFC4-6F175D3DCCD1}">
-              <a14:hiddenFill xmlns="" xmlns:a14="http://schemas.microsoft.com/office/drawing/2010/main">
+              <a14:hiddenFill xmlns:a14="http://schemas.microsoft.com/office/drawing/2010/main">
                 <a:solidFill>
                   <a:srgbClr val="FFFFFF"/>
                 </a:solidFill>
@@ -7171,7 +7090,7 @@
           <a:blip r:embed="rId3">
             <a:extLst>
               <a:ext uri="{28A0092B-C50C-407E-A947-70E740481C1C}">
-                <a14:useLocalDpi xmlns="" xmlns:a14="http://schemas.microsoft.com/office/drawing/2010/main" val="0"/>
+                <a14:useLocalDpi xmlns:a14="http://schemas.microsoft.com/office/drawing/2010/main" val="0"/>
               </a:ext>
             </a:extLst>
           </a:blip>
@@ -7191,7 +7110,7 @@
           <a:noFill/>
           <a:extLst>
             <a:ext uri="{909E8E84-426E-40DD-AFC4-6F175D3DCCD1}">
-              <a14:hiddenFill xmlns="" xmlns:a14="http://schemas.microsoft.com/office/drawing/2010/main">
+              <a14:hiddenFill xmlns:a14="http://schemas.microsoft.com/office/drawing/2010/main">
                 <a:solidFill>
                   <a:srgbClr val="FFFFFF"/>
                 </a:solidFill>
@@ -7299,7 +7218,7 @@
           <a:blip r:embed="rId4">
             <a:extLst>
               <a:ext uri="{28A0092B-C50C-407E-A947-70E740481C1C}">
-                <a14:useLocalDpi xmlns="" xmlns:a14="http://schemas.microsoft.com/office/drawing/2010/main" val="0"/>
+                <a14:useLocalDpi xmlns:a14="http://schemas.microsoft.com/office/drawing/2010/main" val="0"/>
               </a:ext>
             </a:extLst>
           </a:blip>
@@ -7319,7 +7238,7 @@
           <a:noFill/>
           <a:extLst>
             <a:ext uri="{909E8E84-426E-40DD-AFC4-6F175D3DCCD1}">
-              <a14:hiddenFill xmlns="" xmlns:a14="http://schemas.microsoft.com/office/drawing/2010/main">
+              <a14:hiddenFill xmlns:a14="http://schemas.microsoft.com/office/drawing/2010/main">
                 <a:solidFill>
                   <a:srgbClr val="FFFFFF"/>
                 </a:solidFill>
@@ -7367,7 +7286,7 @@
     </p:spTree>
     <p:extLst>
       <p:ext uri="{BB962C8B-B14F-4D97-AF65-F5344CB8AC3E}">
-        <p14:creationId xmlns="" xmlns:p14="http://schemas.microsoft.com/office/powerpoint/2010/main" val="178163432"/>
+        <p14:creationId xmlns:p14="http://schemas.microsoft.com/office/powerpoint/2010/main" val="178163432"/>
       </p:ext>
     </p:extLst>
   </p:cSld>
@@ -7414,7 +7333,7 @@
           <a:blip r:embed="rId2">
             <a:extLst>
               <a:ext uri="{28A0092B-C50C-407E-A947-70E740481C1C}">
-                <a14:useLocalDpi xmlns="" xmlns:a14="http://schemas.microsoft.com/office/drawing/2010/main" val="0"/>
+                <a14:useLocalDpi xmlns:a14="http://schemas.microsoft.com/office/drawing/2010/main" val="0"/>
               </a:ext>
             </a:extLst>
           </a:blip>
@@ -7434,7 +7353,7 @@
           <a:noFill/>
           <a:extLst>
             <a:ext uri="{909E8E84-426E-40DD-AFC4-6F175D3DCCD1}">
-              <a14:hiddenFill xmlns="" xmlns:a14="http://schemas.microsoft.com/office/drawing/2010/main">
+              <a14:hiddenFill xmlns:a14="http://schemas.microsoft.com/office/drawing/2010/main">
                 <a:solidFill>
                   <a:srgbClr val="FFFFFF"/>
                 </a:solidFill>
@@ -7465,7 +7384,6 @@
             <a:headEnd/>
             <a:tailEnd/>
           </a:ln>
-          <a:extLst/>
         </p:spPr>
         <p:txBody>
           <a:bodyPr anchor="t"/>
@@ -7492,7 +7410,7 @@
     </p:spTree>
     <p:extLst>
       <p:ext uri="{BB962C8B-B14F-4D97-AF65-F5344CB8AC3E}">
-        <p14:creationId xmlns="" xmlns:p14="http://schemas.microsoft.com/office/powerpoint/2010/main" val="2071532018"/>
+        <p14:creationId xmlns:p14="http://schemas.microsoft.com/office/powerpoint/2010/main" val="2071532018"/>
       </p:ext>
     </p:extLst>
   </p:cSld>
@@ -7557,7 +7475,7 @@
           <a:blip r:embed="rId2">
             <a:extLst>
               <a:ext uri="{28A0092B-C50C-407E-A947-70E740481C1C}">
-                <a14:useLocalDpi xmlns="" xmlns:a14="http://schemas.microsoft.com/office/drawing/2010/main" val="0"/>
+                <a14:useLocalDpi xmlns:a14="http://schemas.microsoft.com/office/drawing/2010/main" val="0"/>
               </a:ext>
             </a:extLst>
           </a:blip>
@@ -7577,7 +7495,7 @@
           <a:noFill/>
           <a:extLst>
             <a:ext uri="{909E8E84-426E-40DD-AFC4-6F175D3DCCD1}">
-              <a14:hiddenFill xmlns="" xmlns:a14="http://schemas.microsoft.com/office/drawing/2010/main">
+              <a14:hiddenFill xmlns:a14="http://schemas.microsoft.com/office/drawing/2010/main">
                 <a:solidFill>
                   <a:srgbClr val="FFFFFF"/>
                 </a:solidFill>
@@ -7685,7 +7603,7 @@
           <a:blip r:embed="rId3">
             <a:extLst>
               <a:ext uri="{28A0092B-C50C-407E-A947-70E740481C1C}">
-                <a14:useLocalDpi xmlns="" xmlns:a14="http://schemas.microsoft.com/office/drawing/2010/main" val="0"/>
+                <a14:useLocalDpi xmlns:a14="http://schemas.microsoft.com/office/drawing/2010/main" val="0"/>
               </a:ext>
             </a:extLst>
           </a:blip>
@@ -7705,7 +7623,7 @@
           <a:noFill/>
           <a:extLst>
             <a:ext uri="{909E8E84-426E-40DD-AFC4-6F175D3DCCD1}">
-              <a14:hiddenFill xmlns="" xmlns:a14="http://schemas.microsoft.com/office/drawing/2010/main">
+              <a14:hiddenFill xmlns:a14="http://schemas.microsoft.com/office/drawing/2010/main">
                 <a:solidFill>
                   <a:srgbClr val="FFFFFF"/>
                 </a:solidFill>
@@ -7762,7 +7680,7 @@
           <a:blip r:embed="rId4">
             <a:extLst>
               <a:ext uri="{28A0092B-C50C-407E-A947-70E740481C1C}">
-                <a14:useLocalDpi xmlns="" xmlns:a14="http://schemas.microsoft.com/office/drawing/2010/main" val="0"/>
+                <a14:useLocalDpi xmlns:a14="http://schemas.microsoft.com/office/drawing/2010/main" val="0"/>
               </a:ext>
             </a:extLst>
           </a:blip>
@@ -7782,7 +7700,7 @@
           <a:noFill/>
           <a:extLst>
             <a:ext uri="{909E8E84-426E-40DD-AFC4-6F175D3DCCD1}">
-              <a14:hiddenFill xmlns="" xmlns:a14="http://schemas.microsoft.com/office/drawing/2010/main">
+              <a14:hiddenFill xmlns:a14="http://schemas.microsoft.com/office/drawing/2010/main">
                 <a:solidFill>
                   <a:srgbClr val="FFFFFF"/>
                 </a:solidFill>
@@ -7794,7 +7712,7 @@
     </p:spTree>
     <p:extLst>
       <p:ext uri="{BB962C8B-B14F-4D97-AF65-F5344CB8AC3E}">
-        <p14:creationId xmlns="" xmlns:p14="http://schemas.microsoft.com/office/powerpoint/2010/main" val="1362343375"/>
+        <p14:creationId xmlns:p14="http://schemas.microsoft.com/office/powerpoint/2010/main" val="1362343375"/>
       </p:ext>
     </p:extLst>
   </p:cSld>
@@ -7847,7 +7765,7 @@
             <a:fld id="{14E39C5E-3938-484F-9F2C-43A53F2F2C23}" type="datetimeFigureOut">
               <a:rPr lang="en-US" smtClean="0"/>
               <a:pPr/>
-              <a:t>11/30/2020</a:t>
+              <a:t>12/1/2020</a:t>
             </a:fld>
             <a:endParaRPr lang="en-US"/>
           </a:p>
@@ -7915,7 +7833,7 @@
     </p:spTree>
     <p:extLst>
       <p:ext uri="{BB962C8B-B14F-4D97-AF65-F5344CB8AC3E}">
-        <p14:creationId xmlns="" xmlns:p14="http://schemas.microsoft.com/office/powerpoint/2010/main" val="1033562754"/>
+        <p14:creationId xmlns:p14="http://schemas.microsoft.com/office/powerpoint/2010/main" val="1033562754"/>
       </p:ext>
     </p:extLst>
   </p:cSld>
@@ -7974,14 +7892,14 @@
           </a:ln>
           <a:extLst>
             <a:ext uri="{909E8E84-426E-40DD-AFC4-6F175D3DCCD1}">
-              <a14:hiddenFill xmlns="" xmlns:a14="http://schemas.microsoft.com/office/drawing/2010/main">
+              <a14:hiddenFill xmlns:a14="http://schemas.microsoft.com/office/drawing/2010/main">
                 <a:solidFill>
                   <a:srgbClr val="FFFFFF"/>
                 </a:solidFill>
               </a14:hiddenFill>
             </a:ext>
             <a:ext uri="{91240B29-F687-4F45-9708-019B960494DF}">
-              <a14:hiddenLine xmlns="" xmlns:a14="http://schemas.microsoft.com/office/drawing/2010/main" w="9525">
+              <a14:hiddenLine xmlns:a14="http://schemas.microsoft.com/office/drawing/2010/main" w="9525">
                 <a:solidFill>
                   <a:srgbClr val="000000"/>
                 </a:solidFill>
@@ -8113,7 +8031,7 @@
           <a:blip r:embed="rId7">
             <a:extLst>
               <a:ext uri="{28A0092B-C50C-407E-A947-70E740481C1C}">
-                <a14:useLocalDpi xmlns="" xmlns:a14="http://schemas.microsoft.com/office/drawing/2010/main" val="0"/>
+                <a14:useLocalDpi xmlns:a14="http://schemas.microsoft.com/office/drawing/2010/main" val="0"/>
               </a:ext>
             </a:extLst>
           </a:blip>
@@ -8133,7 +8051,7 @@
           <a:noFill/>
           <a:extLst>
             <a:ext uri="{909E8E84-426E-40DD-AFC4-6F175D3DCCD1}">
-              <a14:hiddenFill xmlns="" xmlns:a14="http://schemas.microsoft.com/office/drawing/2010/main">
+              <a14:hiddenFill xmlns:a14="http://schemas.microsoft.com/office/drawing/2010/main">
                 <a:solidFill>
                   <a:srgbClr val="FFFFFF"/>
                 </a:solidFill>
@@ -8154,7 +8072,7 @@
           <a:blip r:embed="rId8">
             <a:extLst>
               <a:ext uri="{28A0092B-C50C-407E-A947-70E740481C1C}">
-                <a14:useLocalDpi xmlns="" xmlns:a14="http://schemas.microsoft.com/office/drawing/2010/main" val="0"/>
+                <a14:useLocalDpi xmlns:a14="http://schemas.microsoft.com/office/drawing/2010/main" val="0"/>
               </a:ext>
             </a:extLst>
           </a:blip>
@@ -8174,7 +8092,7 @@
           <a:noFill/>
           <a:extLst>
             <a:ext uri="{909E8E84-426E-40DD-AFC4-6F175D3DCCD1}">
-              <a14:hiddenFill xmlns="" xmlns:a14="http://schemas.microsoft.com/office/drawing/2010/main">
+              <a14:hiddenFill xmlns:a14="http://schemas.microsoft.com/office/drawing/2010/main">
                 <a:solidFill>
                   <a:srgbClr val="FFFFFF"/>
                 </a:solidFill>
@@ -8284,7 +8202,7 @@
           <a:blip r:embed="rId9">
             <a:extLst>
               <a:ext uri="{28A0092B-C50C-407E-A947-70E740481C1C}">
-                <a14:useLocalDpi xmlns="" xmlns:a14="http://schemas.microsoft.com/office/drawing/2010/main" val="0"/>
+                <a14:useLocalDpi xmlns:a14="http://schemas.microsoft.com/office/drawing/2010/main" val="0"/>
               </a:ext>
             </a:extLst>
           </a:blip>
@@ -8304,7 +8222,7 @@
           <a:noFill/>
           <a:extLst>
             <a:ext uri="{909E8E84-426E-40DD-AFC4-6F175D3DCCD1}">
-              <a14:hiddenFill xmlns="" xmlns:a14="http://schemas.microsoft.com/office/drawing/2010/main">
+              <a14:hiddenFill xmlns:a14="http://schemas.microsoft.com/office/drawing/2010/main">
                 <a:solidFill>
                   <a:srgbClr val="FFFFFF"/>
                 </a:solidFill>
@@ -8787,7 +8705,7 @@
           <a:blip r:embed="rId3">
             <a:extLst>
               <a:ext uri="{28A0092B-C50C-407E-A947-70E740481C1C}">
-                <a14:useLocalDpi xmlns="" xmlns:a14="http://schemas.microsoft.com/office/drawing/2010/main" val="0"/>
+                <a14:useLocalDpi xmlns:a14="http://schemas.microsoft.com/office/drawing/2010/main" val="0"/>
               </a:ext>
             </a:extLst>
           </a:blip>
@@ -8808,7 +8726,7 @@
     </p:spTree>
     <p:extLst>
       <p:ext uri="{BB962C8B-B14F-4D97-AF65-F5344CB8AC3E}">
-        <p14:creationId xmlns="" xmlns:p14="http://schemas.microsoft.com/office/powerpoint/2010/main" val="1443436294"/>
+        <p14:creationId xmlns:p14="http://schemas.microsoft.com/office/powerpoint/2010/main" val="1443436294"/>
       </p:ext>
     </p:extLst>
   </p:cSld>
@@ -9118,25 +9036,6 @@
       </p:grpSpPr>
       <p:sp>
         <p:nvSpPr>
-          <p:cNvPr id="5" name="Subtitle 4"/>
-          <p:cNvSpPr>
-            <a:spLocks noGrp="1"/>
-          </p:cNvSpPr>
-          <p:nvPr>
-            <p:ph type="subTitle" idx="1"/>
-          </p:nvPr>
-        </p:nvSpPr>
-        <p:spPr/>
-        <p:txBody>
-          <a:bodyPr/>
-          <a:lstStyle/>
-          <a:p>
-            <a:endParaRPr lang="en-US" dirty="0"/>
-          </a:p>
-        </p:txBody>
-      </p:sp>
-      <p:sp>
-        <p:nvSpPr>
           <p:cNvPr id="4" name="Title 3"/>
           <p:cNvSpPr>
             <a:spLocks noGrp="1"/>
@@ -9159,18 +9058,15 @@
               <a:defRPr/>
             </a:pPr>
             <a:r>
-              <a:rPr lang="en-US" sz="2800" dirty="0" smtClean="0">
+              <a:rPr lang="en-US" sz="2800" b="1" dirty="0">
                 <a:solidFill>
-                  <a:schemeClr val="tx2"/>
+                  <a:schemeClr val="accent1">
+                    <a:lumMod val="75000"/>
+                  </a:schemeClr>
                 </a:solidFill>
               </a:rPr>
               <a:t>Farmer Scheme Project</a:t>
             </a:r>
-            <a:endParaRPr lang="en-US" sz="2800" dirty="0">
-              <a:solidFill>
-                <a:schemeClr val="tx2"/>
-              </a:solidFill>
-            </a:endParaRPr>
           </a:p>
         </p:txBody>
       </p:sp>
@@ -9201,52 +9097,15 @@
               </a:spcBef>
             </a:pPr>
             <a:r>
-              <a:rPr lang="en-US" sz="1600" kern="0" dirty="0" smtClean="0">
+              <a:rPr lang="en-US" sz="1600" kern="0" dirty="0">
                 <a:solidFill>
                   <a:srgbClr val="ED8B00"/>
                 </a:solidFill>
                 <a:latin typeface="Calibri Light"/>
                 <a:cs typeface="Calibri Light"/>
               </a:rPr>
-              <a:t>By: </a:t>
+              <a:t>By: Ghanshyam patel</a:t>
             </a:r>
-            <a:r>
-              <a:rPr lang="en-US" sz="1600" kern="0" dirty="0" err="1" smtClean="0">
-                <a:solidFill>
-                  <a:srgbClr val="ED8B00"/>
-                </a:solidFill>
-                <a:latin typeface="Calibri Light"/>
-                <a:cs typeface="Calibri Light"/>
-              </a:rPr>
-              <a:t>Ghanshyam</a:t>
-            </a:r>
-            <a:r>
-              <a:rPr lang="en-US" sz="1600" kern="0" dirty="0" smtClean="0">
-                <a:solidFill>
-                  <a:srgbClr val="ED8B00"/>
-                </a:solidFill>
-                <a:latin typeface="Calibri Light"/>
-                <a:cs typeface="Calibri Light"/>
-              </a:rPr>
-              <a:t> </a:t>
-            </a:r>
-            <a:r>
-              <a:rPr lang="en-US" sz="1600" kern="0" dirty="0" err="1" smtClean="0">
-                <a:solidFill>
-                  <a:srgbClr val="ED8B00"/>
-                </a:solidFill>
-                <a:latin typeface="Calibri Light"/>
-                <a:cs typeface="Calibri Light"/>
-              </a:rPr>
-              <a:t>patel</a:t>
-            </a:r>
-            <a:endParaRPr lang="en-US" sz="1600" kern="0" dirty="0" smtClean="0">
-              <a:solidFill>
-                <a:srgbClr val="ED8B00"/>
-              </a:solidFill>
-              <a:latin typeface="Calibri Light"/>
-              <a:cs typeface="Calibri Light"/>
-            </a:endParaRPr>
           </a:p>
           <a:p>
             <a:pPr lvl="0" algn="l" defTabSz="1566621" eaLnBrk="0" hangingPunct="0">
@@ -9255,32 +9114,15 @@
               </a:spcBef>
             </a:pPr>
             <a:r>
-              <a:rPr lang="en-US" sz="1600" kern="0" dirty="0" smtClean="0">
+              <a:rPr lang="en-US" sz="1600" kern="0" dirty="0">
                 <a:solidFill>
                   <a:srgbClr val="ED8B00"/>
                 </a:solidFill>
                 <a:latin typeface="Calibri Light"/>
                 <a:cs typeface="Calibri Light"/>
               </a:rPr>
-              <a:t>Sheik </a:t>
+              <a:t>Sheik Imthiyaz</a:t>
             </a:r>
-            <a:r>
-              <a:rPr lang="en-US" sz="1600" kern="0" dirty="0" err="1" smtClean="0">
-                <a:solidFill>
-                  <a:srgbClr val="ED8B00"/>
-                </a:solidFill>
-                <a:latin typeface="Calibri Light"/>
-                <a:cs typeface="Calibri Light"/>
-              </a:rPr>
-              <a:t>Imthiyaz</a:t>
-            </a:r>
-            <a:endParaRPr lang="en-US" sz="1600" kern="0" dirty="0" smtClean="0">
-              <a:solidFill>
-                <a:srgbClr val="ED8B00"/>
-              </a:solidFill>
-              <a:latin typeface="Calibri Light"/>
-              <a:cs typeface="Calibri Light"/>
-            </a:endParaRPr>
           </a:p>
           <a:p>
             <a:pPr lvl="0" algn="l" defTabSz="1566621" eaLnBrk="0" hangingPunct="0">
@@ -9289,7 +9131,7 @@
               </a:spcBef>
             </a:pPr>
             <a:r>
-              <a:rPr lang="en-US" sz="1600" kern="0" dirty="0" err="1" smtClean="0">
+              <a:rPr lang="en-US" sz="1600" kern="0" dirty="0">
                 <a:solidFill>
                   <a:srgbClr val="ED8B00"/>
                 </a:solidFill>
@@ -9298,13 +9140,6 @@
               </a:rPr>
               <a:t>Tejesh</a:t>
             </a:r>
-            <a:endParaRPr lang="en-US" sz="1600" kern="0" dirty="0" smtClean="0">
-              <a:solidFill>
-                <a:srgbClr val="ED8B00"/>
-              </a:solidFill>
-              <a:latin typeface="Calibri Light"/>
-              <a:cs typeface="Calibri Light"/>
-            </a:endParaRPr>
           </a:p>
           <a:p>
             <a:pPr lvl="0" algn="l" defTabSz="1566621" eaLnBrk="0" hangingPunct="0">
@@ -9313,34 +9148,14 @@
               </a:spcBef>
             </a:pPr>
             <a:r>
-              <a:rPr lang="en-US" sz="1600" kern="0" dirty="0" err="1" smtClean="0">
+              <a:rPr lang="en-US" sz="1600" kern="0" dirty="0">
                 <a:solidFill>
                   <a:srgbClr val="ED8B00"/>
                 </a:solidFill>
                 <a:latin typeface="Calibri Light"/>
                 <a:cs typeface="Calibri Light"/>
               </a:rPr>
-              <a:t>Rao</a:t>
-            </a:r>
-            <a:r>
-              <a:rPr lang="en-US" sz="1600" kern="0" dirty="0" smtClean="0">
-                <a:solidFill>
-                  <a:srgbClr val="ED8B00"/>
-                </a:solidFill>
-                <a:latin typeface="Calibri Light"/>
-                <a:cs typeface="Calibri Light"/>
-              </a:rPr>
-              <a:t> </a:t>
-            </a:r>
-            <a:r>
-              <a:rPr lang="en-US" sz="1600" kern="0" dirty="0" err="1" smtClean="0">
-                <a:solidFill>
-                  <a:srgbClr val="ED8B00"/>
-                </a:solidFill>
-                <a:latin typeface="Calibri Light"/>
-                <a:cs typeface="Calibri Light"/>
-              </a:rPr>
-              <a:t>Manasvini</a:t>
+              <a:t>Rao Manasvini</a:t>
             </a:r>
             <a:endParaRPr lang="en-US" dirty="0"/>
           </a:p>
@@ -9349,20 +9164,13 @@
     </p:spTree>
     <p:extLst>
       <p:ext uri="{BB962C8B-B14F-4D97-AF65-F5344CB8AC3E}">
-        <p14:creationId xmlns="" xmlns:p14="http://schemas.microsoft.com/office/powerpoint/2010/main" val="1736500707"/>
+        <p14:creationId xmlns:p14="http://schemas.microsoft.com/office/powerpoint/2010/main" val="1736500707"/>
       </p:ext>
     </p:extLst>
   </p:cSld>
   <p:clrMapOvr>
     <a:masterClrMapping/>
   </p:clrMapOvr>
-  <p:timing>
-    <p:tnLst>
-      <p:par>
-        <p:cTn id="1" dur="indefinite" restart="never" nodeType="tmRoot"/>
-      </p:par>
-    </p:tnLst>
-  </p:timing>
 </p:sld>
 </file>
 
@@ -9383,25 +9191,35 @@
           <a:chExt cx="0" cy="0"/>
         </a:xfrm>
       </p:grpSpPr>
-      <p:sp>
-        <p:nvSpPr>
-          <p:cNvPr id="2" name="Content Placeholder 1"/>
-          <p:cNvSpPr>
-            <a:spLocks noGrp="1"/>
-          </p:cNvSpPr>
+      <p:pic>
+        <p:nvPicPr>
+          <p:cNvPr id="6" name="Content Placeholder 5">
+            <a:extLst>
+              <a:ext uri="{FF2B5EF4-FFF2-40B4-BE49-F238E27FC236}">
+                <a16:creationId xmlns:a16="http://schemas.microsoft.com/office/drawing/2014/main" id="{D80FDC16-F6D5-4BE3-B1CA-0829460681D4}"/>
+              </a:ext>
+            </a:extLst>
+          </p:cNvPr>
+          <p:cNvPicPr>
+            <a:picLocks noGrp="1" noChangeAspect="1"/>
+          </p:cNvPicPr>
           <p:nvPr>
             <p:ph idx="1"/>
           </p:nvPr>
-        </p:nvSpPr>
-        <p:spPr/>
-        <p:txBody>
-          <a:bodyPr/>
-          <a:lstStyle/>
-          <a:p>
-            <a:endParaRPr lang="en-US"/>
-          </a:p>
-        </p:txBody>
-      </p:sp>
+        </p:nvPicPr>
+        <p:blipFill>
+          <a:blip r:embed="rId2"/>
+          <a:stretch>
+            <a:fillRect/>
+          </a:stretch>
+        </p:blipFill>
+        <p:spPr>
+          <a:xfrm>
+            <a:off x="563161" y="701749"/>
+            <a:ext cx="7731000" cy="3878853"/>
+          </a:xfrm>
+        </p:spPr>
+      </p:pic>
       <p:sp>
         <p:nvSpPr>
           <p:cNvPr id="3" name="Title 2"/>
@@ -9417,26 +9235,10 @@
           <a:bodyPr/>
           <a:lstStyle/>
           <a:p>
-            <a:endParaRPr lang="en-US"/>
-          </a:p>
-        </p:txBody>
-      </p:sp>
-      <p:sp>
-        <p:nvSpPr>
-          <p:cNvPr id="4" name="Content Placeholder 3"/>
-          <p:cNvSpPr>
-            <a:spLocks noGrp="1"/>
-          </p:cNvSpPr>
-          <p:nvPr>
-            <p:ph sz="quarter" idx="10"/>
-          </p:nvPr>
-        </p:nvSpPr>
-        <p:spPr/>
-        <p:txBody>
-          <a:bodyPr/>
-          <a:lstStyle/>
-          <a:p>
-            <a:endParaRPr lang="en-US"/>
+            <a:r>
+              <a:rPr lang="en-US" dirty="0"/>
+              <a:t>View Market Place output</a:t>
+            </a:r>
           </a:p>
         </p:txBody>
       </p:sp>
@@ -9465,27 +9267,66 @@
           <a:chExt cx="0" cy="0"/>
         </a:xfrm>
       </p:grpSpPr>
+      <p:pic>
+        <p:nvPicPr>
+          <p:cNvPr id="6" name="Content Placeholder 5">
+            <a:extLst>
+              <a:ext uri="{FF2B5EF4-FFF2-40B4-BE49-F238E27FC236}">
+                <a16:creationId xmlns:a16="http://schemas.microsoft.com/office/drawing/2014/main" id="{D0A0B41C-1AF6-41CE-B25B-48ABA47F307C}"/>
+              </a:ext>
+            </a:extLst>
+          </p:cNvPr>
+          <p:cNvPicPr>
+            <a:picLocks noGrp="1" noChangeAspect="1"/>
+          </p:cNvPicPr>
+          <p:nvPr>
+            <p:ph idx="1"/>
+          </p:nvPr>
+        </p:nvPicPr>
+        <p:blipFill>
+          <a:blip r:embed="rId3"/>
+          <a:stretch>
+            <a:fillRect/>
+          </a:stretch>
+        </p:blipFill>
+        <p:spPr>
+          <a:xfrm>
+            <a:off x="322067" y="744280"/>
+            <a:ext cx="8232134" cy="3851112"/>
+          </a:xfrm>
+        </p:spPr>
+      </p:pic>
+      <p:sp>
+        <p:nvSpPr>
+          <p:cNvPr id="3" name="Title 2"/>
+          <p:cNvSpPr>
+            <a:spLocks noGrp="1"/>
+          </p:cNvSpPr>
+          <p:nvPr>
+            <p:ph type="title"/>
+          </p:nvPr>
+        </p:nvSpPr>
+        <p:spPr/>
+        <p:txBody>
+          <a:bodyPr/>
+          <a:lstStyle/>
+          <a:p>
+            <a:r>
+              <a:rPr lang="en-US" dirty="0"/>
+              <a:t>Insurance Application</a:t>
+            </a:r>
+          </a:p>
+        </p:txBody>
+      </p:sp>
     </p:spTree>
-    <p:extLst>
-      <p:ext uri="{BB962C8B-B14F-4D97-AF65-F5344CB8AC3E}">
-        <p14:creationId xmlns="" xmlns:p14="http://schemas.microsoft.com/office/powerpoint/2010/main" val="1177520663"/>
-      </p:ext>
-    </p:extLst>
   </p:cSld>
   <p:clrMapOvr>
     <a:masterClrMapping/>
   </p:clrMapOvr>
-  <p:timing>
-    <p:tnLst>
-      <p:par>
-        <p:cTn id="1" dur="indefinite" restart="never" nodeType="tmRoot"/>
-      </p:par>
-    </p:tnLst>
-  </p:timing>
 </p:sld>
 </file>
 
-<file path=ppt/slides/slide2.xml><?xml version="1.0" encoding="utf-8"?>
+<file path=ppt/slides/slide12.xml><?xml version="1.0" encoding="utf-8"?>
 <p:sld xmlns:a="http://schemas.openxmlformats.org/drawingml/2006/main" xmlns:r="http://schemas.openxmlformats.org/officeDocument/2006/relationships" xmlns:p="http://schemas.openxmlformats.org/presentationml/2006/main">
   <p:cSld>
     <p:spTree>
@@ -9502,29 +9343,44 @@
           <a:chExt cx="0" cy="0"/>
         </a:xfrm>
       </p:grpSpPr>
-      <p:graphicFrame>
-        <p:nvGraphicFramePr>
-          <p:cNvPr id="5" name="Content Placeholder 4"/>
-          <p:cNvGraphicFramePr>
-            <a:graphicFrameLocks noGrp="1"/>
-          </p:cNvGraphicFramePr>
+      <p:pic>
+        <p:nvPicPr>
+          <p:cNvPr id="6" name="Content Placeholder 5">
+            <a:extLst>
+              <a:ext uri="{FF2B5EF4-FFF2-40B4-BE49-F238E27FC236}">
+                <a16:creationId xmlns:a16="http://schemas.microsoft.com/office/drawing/2014/main" id="{109B7CB3-E2F3-4457-B2BE-6589F4C8CC7C}"/>
+              </a:ext>
+            </a:extLst>
+          </p:cNvPr>
+          <p:cNvPicPr>
+            <a:picLocks noGrp="1" noChangeAspect="1"/>
+          </p:cNvPicPr>
           <p:nvPr>
             <p:ph idx="1"/>
           </p:nvPr>
-        </p:nvGraphicFramePr>
-        <p:xfrm>
-          <a:off x="258763" y="939801"/>
-          <a:ext cx="9151051" cy="4482804"/>
-        </p:xfrm>
-        <a:graphic>
-          <a:graphicData uri="http://schemas.openxmlformats.org/drawingml/2006/diagram">
-            <dgm:relIds xmlns:dgm="http://schemas.openxmlformats.org/drawingml/2006/diagram" xmlns:r="http://schemas.openxmlformats.org/officeDocument/2006/relationships" r:dm="rId2" r:lo="rId3" r:qs="rId4" r:cs="rId5"/>
-          </a:graphicData>
-        </a:graphic>
-      </p:graphicFrame>
+        </p:nvPicPr>
+        <p:blipFill>
+          <a:blip r:embed="rId2"/>
+          <a:stretch>
+            <a:fillRect/>
+          </a:stretch>
+        </p:blipFill>
+        <p:spPr>
+          <a:xfrm>
+            <a:off x="269878" y="808075"/>
+            <a:ext cx="8331572" cy="3806455"/>
+          </a:xfrm>
+        </p:spPr>
+      </p:pic>
       <p:sp>
         <p:nvSpPr>
-          <p:cNvPr id="3" name="Title 2"/>
+          <p:cNvPr id="3" name="Title 2">
+            <a:extLst>
+              <a:ext uri="{FF2B5EF4-FFF2-40B4-BE49-F238E27FC236}">
+                <a16:creationId xmlns:a16="http://schemas.microsoft.com/office/drawing/2014/main" id="{C2F678AF-9E0F-4F89-9A61-DF0C8364966A}"/>
+              </a:ext>
+            </a:extLst>
+          </p:cNvPr>
           <p:cNvSpPr>
             <a:spLocks noGrp="1"/>
           </p:cNvSpPr>
@@ -9538,19 +9394,78 @@
           <a:lstStyle/>
           <a:p>
             <a:r>
-              <a:rPr lang="en-US" dirty="0" smtClean="0"/>
-              <a:t>Modules</a:t>
+              <a:rPr lang="en-US" dirty="0"/>
+              <a:t>Claim insurance</a:t>
             </a:r>
-            <a:endParaRPr lang="en-US" dirty="0"/>
+            <a:endParaRPr lang="en-IN" dirty="0"/>
           </a:p>
         </p:txBody>
       </p:sp>
+    </p:spTree>
+    <p:extLst>
+      <p:ext uri="{BB962C8B-B14F-4D97-AF65-F5344CB8AC3E}">
+        <p14:creationId xmlns:p14="http://schemas.microsoft.com/office/powerpoint/2010/main" val="3008948110"/>
+      </p:ext>
+    </p:extLst>
+  </p:cSld>
+  <p:clrMapOvr>
+    <a:masterClrMapping/>
+  </p:clrMapOvr>
+</p:sld>
+</file>
+
+<file path=ppt/slides/slide13.xml><?xml version="1.0" encoding="utf-8"?>
+<p:sld xmlns:a="http://schemas.openxmlformats.org/drawingml/2006/main" xmlns:r="http://schemas.openxmlformats.org/officeDocument/2006/relationships" xmlns:p="http://schemas.openxmlformats.org/presentationml/2006/main">
+  <p:cSld>
+    <p:spTree>
+      <p:nvGrpSpPr>
+        <p:cNvPr id="1" name=""/>
+        <p:cNvGrpSpPr/>
+        <p:nvPr/>
+      </p:nvGrpSpPr>
+      <p:grpSpPr>
+        <a:xfrm>
+          <a:off x="0" y="0"/>
+          <a:ext cx="0" cy="0"/>
+          <a:chOff x="0" y="0"/>
+          <a:chExt cx="0" cy="0"/>
+        </a:xfrm>
+      </p:grpSpPr>
+      <p:pic>
+        <p:nvPicPr>
+          <p:cNvPr id="6" name="Content Placeholder 5">
+            <a:extLst>
+              <a:ext uri="{FF2B5EF4-FFF2-40B4-BE49-F238E27FC236}">
+                <a16:creationId xmlns:a16="http://schemas.microsoft.com/office/drawing/2014/main" id="{658545F0-C72C-4A0A-A323-C6B22798FB97}"/>
+              </a:ext>
+            </a:extLst>
+          </p:cNvPr>
+          <p:cNvPicPr>
+            <a:picLocks noGrp="1" noChangeAspect="1"/>
+          </p:cNvPicPr>
+          <p:nvPr>
+            <p:ph idx="1"/>
+          </p:nvPr>
+        </p:nvPicPr>
+        <p:blipFill>
+          <a:blip r:embed="rId2"/>
+          <a:stretch>
+            <a:fillRect/>
+          </a:stretch>
+        </p:blipFill>
+        <p:spPr>
+          <a:xfrm>
+            <a:off x="269878" y="871869"/>
+            <a:ext cx="8071514" cy="3751263"/>
+          </a:xfrm>
+        </p:spPr>
+      </p:pic>
       <p:sp>
         <p:nvSpPr>
-          <p:cNvPr id="4" name="Content Placeholder 3">
+          <p:cNvPr id="3" name="Title 2">
             <a:extLst>
               <a:ext uri="{FF2B5EF4-FFF2-40B4-BE49-F238E27FC236}">
-                <a16:creationId xmlns="" xmlns:a16="http://schemas.microsoft.com/office/drawing/2014/main" id="{F3FFDACA-8C49-4FD3-A1B5-AD61959D7EAF}"/>
+                <a16:creationId xmlns:a16="http://schemas.microsoft.com/office/drawing/2014/main" id="{E643F238-38AB-4AEF-9333-48630058920A}"/>
               </a:ext>
             </a:extLst>
           </p:cNvPr>
@@ -9558,7 +9473,7 @@
             <a:spLocks noGrp="1"/>
           </p:cNvSpPr>
           <p:nvPr>
-            <p:ph sz="quarter" idx="10"/>
+            <p:ph type="title"/>
           </p:nvPr>
         </p:nvSpPr>
         <p:spPr/>
@@ -9566,31 +9481,498 @@
           <a:bodyPr/>
           <a:lstStyle/>
           <a:p>
-            <a:endParaRPr lang="en-SG"/>
+            <a:r>
+              <a:rPr lang="en-US" dirty="0"/>
+              <a:t>Bidder  Facility</a:t>
+            </a:r>
+            <a:endParaRPr lang="en-IN" dirty="0"/>
           </a:p>
         </p:txBody>
       </p:sp>
     </p:spTree>
     <p:extLst>
       <p:ext uri="{BB962C8B-B14F-4D97-AF65-F5344CB8AC3E}">
-        <p14:creationId xmlns="" xmlns:p14="http://schemas.microsoft.com/office/powerpoint/2010/main" val="760889361"/>
+        <p14:creationId xmlns:p14="http://schemas.microsoft.com/office/powerpoint/2010/main" val="3411306857"/>
       </p:ext>
     </p:extLst>
   </p:cSld>
   <p:clrMapOvr>
     <a:masterClrMapping/>
   </p:clrMapOvr>
-  <p:timing>
-    <p:tnLst>
-      <p:par>
-        <p:cTn id="1" dur="indefinite" restart="never" nodeType="tmRoot"/>
-      </p:par>
-    </p:tnLst>
-  </p:timing>
 </p:sld>
 </file>
 
-<file path=ppt/slides/slide3.xml><?xml version="1.0" encoding="utf-8"?>
+<file path=ppt/slides/slide14.xml><?xml version="1.0" encoding="utf-8"?>
+<p:sld xmlns:a="http://schemas.openxmlformats.org/drawingml/2006/main" xmlns:r="http://schemas.openxmlformats.org/officeDocument/2006/relationships" xmlns:p="http://schemas.openxmlformats.org/presentationml/2006/main">
+  <p:cSld>
+    <p:spTree>
+      <p:nvGrpSpPr>
+        <p:cNvPr id="1" name=""/>
+        <p:cNvGrpSpPr/>
+        <p:nvPr/>
+      </p:nvGrpSpPr>
+      <p:grpSpPr>
+        <a:xfrm>
+          <a:off x="0" y="0"/>
+          <a:ext cx="0" cy="0"/>
+          <a:chOff x="0" y="0"/>
+          <a:chExt cx="0" cy="0"/>
+        </a:xfrm>
+      </p:grpSpPr>
+      <p:pic>
+        <p:nvPicPr>
+          <p:cNvPr id="6" name="Content Placeholder 5">
+            <a:extLst>
+              <a:ext uri="{FF2B5EF4-FFF2-40B4-BE49-F238E27FC236}">
+                <a16:creationId xmlns:a16="http://schemas.microsoft.com/office/drawing/2014/main" id="{A9DD9477-1BE5-4C0A-9F1A-DBFF87789B3E}"/>
+              </a:ext>
+            </a:extLst>
+          </p:cNvPr>
+          <p:cNvPicPr>
+            <a:picLocks noGrp="1" noChangeAspect="1"/>
+          </p:cNvPicPr>
+          <p:nvPr>
+            <p:ph idx="1"/>
+          </p:nvPr>
+        </p:nvPicPr>
+        <p:blipFill>
+          <a:blip r:embed="rId2"/>
+          <a:stretch>
+            <a:fillRect/>
+          </a:stretch>
+        </p:blipFill>
+        <p:spPr>
+          <a:xfrm>
+            <a:off x="489098" y="754912"/>
+            <a:ext cx="8024283" cy="3910751"/>
+          </a:xfrm>
+        </p:spPr>
+      </p:pic>
+      <p:sp>
+        <p:nvSpPr>
+          <p:cNvPr id="3" name="Title 2">
+            <a:extLst>
+              <a:ext uri="{FF2B5EF4-FFF2-40B4-BE49-F238E27FC236}">
+                <a16:creationId xmlns:a16="http://schemas.microsoft.com/office/drawing/2014/main" id="{50CC93A8-77F2-4186-A417-FDBD571DD11A}"/>
+              </a:ext>
+            </a:extLst>
+          </p:cNvPr>
+          <p:cNvSpPr>
+            <a:spLocks noGrp="1"/>
+          </p:cNvSpPr>
+          <p:nvPr>
+            <p:ph type="title"/>
+          </p:nvPr>
+        </p:nvSpPr>
+        <p:spPr/>
+        <p:txBody>
+          <a:bodyPr/>
+          <a:lstStyle/>
+          <a:p>
+            <a:r>
+              <a:rPr lang="en-US" dirty="0"/>
+              <a:t>Admin Facility</a:t>
+            </a:r>
+            <a:endParaRPr lang="en-IN" dirty="0"/>
+          </a:p>
+        </p:txBody>
+      </p:sp>
+    </p:spTree>
+    <p:extLst>
+      <p:ext uri="{BB962C8B-B14F-4D97-AF65-F5344CB8AC3E}">
+        <p14:creationId xmlns:p14="http://schemas.microsoft.com/office/powerpoint/2010/main" val="2231528857"/>
+      </p:ext>
+    </p:extLst>
+  </p:cSld>
+  <p:clrMapOvr>
+    <a:masterClrMapping/>
+  </p:clrMapOvr>
+</p:sld>
+</file>
+
+<file path=ppt/slides/slide15.xml><?xml version="1.0" encoding="utf-8"?>
+<p:sld xmlns:a="http://schemas.openxmlformats.org/drawingml/2006/main" xmlns:r="http://schemas.openxmlformats.org/officeDocument/2006/relationships" xmlns:p="http://schemas.openxmlformats.org/presentationml/2006/main">
+  <p:cSld>
+    <p:spTree>
+      <p:nvGrpSpPr>
+        <p:cNvPr id="1" name=""/>
+        <p:cNvGrpSpPr/>
+        <p:nvPr/>
+      </p:nvGrpSpPr>
+      <p:grpSpPr>
+        <a:xfrm>
+          <a:off x="0" y="0"/>
+          <a:ext cx="0" cy="0"/>
+          <a:chOff x="0" y="0"/>
+          <a:chExt cx="0" cy="0"/>
+        </a:xfrm>
+      </p:grpSpPr>
+      <p:pic>
+        <p:nvPicPr>
+          <p:cNvPr id="6" name="Content Placeholder 5">
+            <a:extLst>
+              <a:ext uri="{FF2B5EF4-FFF2-40B4-BE49-F238E27FC236}">
+                <a16:creationId xmlns:a16="http://schemas.microsoft.com/office/drawing/2014/main" id="{CBBBB0A0-3C3E-4352-B905-07B3BD325287}"/>
+              </a:ext>
+            </a:extLst>
+          </p:cNvPr>
+          <p:cNvPicPr>
+            <a:picLocks noGrp="1" noChangeAspect="1"/>
+          </p:cNvPicPr>
+          <p:nvPr>
+            <p:ph idx="1"/>
+          </p:nvPr>
+        </p:nvPicPr>
+        <p:blipFill>
+          <a:blip r:embed="rId2"/>
+          <a:stretch>
+            <a:fillRect/>
+          </a:stretch>
+        </p:blipFill>
+        <p:spPr>
+          <a:xfrm>
+            <a:off x="425303" y="733648"/>
+            <a:ext cx="8282762" cy="3932016"/>
+          </a:xfrm>
+        </p:spPr>
+      </p:pic>
+      <p:sp>
+        <p:nvSpPr>
+          <p:cNvPr id="3" name="Title 2">
+            <a:extLst>
+              <a:ext uri="{FF2B5EF4-FFF2-40B4-BE49-F238E27FC236}">
+                <a16:creationId xmlns:a16="http://schemas.microsoft.com/office/drawing/2014/main" id="{44060DB1-553D-4E37-B20E-899A52287D2D}"/>
+              </a:ext>
+            </a:extLst>
+          </p:cNvPr>
+          <p:cNvSpPr>
+            <a:spLocks noGrp="1"/>
+          </p:cNvSpPr>
+          <p:nvPr>
+            <p:ph type="title"/>
+          </p:nvPr>
+        </p:nvSpPr>
+        <p:spPr/>
+        <p:txBody>
+          <a:bodyPr/>
+          <a:lstStyle/>
+          <a:p>
+            <a:r>
+              <a:rPr lang="en-US" dirty="0"/>
+              <a:t>Admin Approval for Farmer Sell Request</a:t>
+            </a:r>
+            <a:endParaRPr lang="en-IN" dirty="0"/>
+          </a:p>
+        </p:txBody>
+      </p:sp>
+    </p:spTree>
+    <p:extLst>
+      <p:ext uri="{BB962C8B-B14F-4D97-AF65-F5344CB8AC3E}">
+        <p14:creationId xmlns:p14="http://schemas.microsoft.com/office/powerpoint/2010/main" val="2531027291"/>
+      </p:ext>
+    </p:extLst>
+  </p:cSld>
+  <p:clrMapOvr>
+    <a:masterClrMapping/>
+  </p:clrMapOvr>
+</p:sld>
+</file>
+
+<file path=ppt/slides/slide16.xml><?xml version="1.0" encoding="utf-8"?>
+<p:sld xmlns:a="http://schemas.openxmlformats.org/drawingml/2006/main" xmlns:r="http://schemas.openxmlformats.org/officeDocument/2006/relationships" xmlns:p="http://schemas.openxmlformats.org/presentationml/2006/main">
+  <p:cSld>
+    <p:spTree>
+      <p:nvGrpSpPr>
+        <p:cNvPr id="1" name=""/>
+        <p:cNvGrpSpPr/>
+        <p:nvPr/>
+      </p:nvGrpSpPr>
+      <p:grpSpPr>
+        <a:xfrm>
+          <a:off x="0" y="0"/>
+          <a:ext cx="0" cy="0"/>
+          <a:chOff x="0" y="0"/>
+          <a:chExt cx="0" cy="0"/>
+        </a:xfrm>
+      </p:grpSpPr>
+      <p:pic>
+        <p:nvPicPr>
+          <p:cNvPr id="6" name="Content Placeholder 5">
+            <a:extLst>
+              <a:ext uri="{FF2B5EF4-FFF2-40B4-BE49-F238E27FC236}">
+                <a16:creationId xmlns:a16="http://schemas.microsoft.com/office/drawing/2014/main" id="{78E578D4-7CFE-4A06-8DA0-9D7C9DE83A18}"/>
+              </a:ext>
+            </a:extLst>
+          </p:cNvPr>
+          <p:cNvPicPr>
+            <a:picLocks noGrp="1" noChangeAspect="1"/>
+          </p:cNvPicPr>
+          <p:nvPr>
+            <p:ph idx="1"/>
+          </p:nvPr>
+        </p:nvPicPr>
+        <p:blipFill>
+          <a:blip r:embed="rId2"/>
+          <a:stretch>
+            <a:fillRect/>
+          </a:stretch>
+        </p:blipFill>
+        <p:spPr>
+          <a:xfrm>
+            <a:off x="258763" y="1702831"/>
+            <a:ext cx="8615362" cy="2199801"/>
+          </a:xfrm>
+        </p:spPr>
+      </p:pic>
+      <p:sp>
+        <p:nvSpPr>
+          <p:cNvPr id="3" name="Title 2">
+            <a:extLst>
+              <a:ext uri="{FF2B5EF4-FFF2-40B4-BE49-F238E27FC236}">
+                <a16:creationId xmlns:a16="http://schemas.microsoft.com/office/drawing/2014/main" id="{40B6F829-0900-42EB-B661-9268BE5BA745}"/>
+              </a:ext>
+            </a:extLst>
+          </p:cNvPr>
+          <p:cNvSpPr>
+            <a:spLocks noGrp="1"/>
+          </p:cNvSpPr>
+          <p:nvPr>
+            <p:ph type="title"/>
+          </p:nvPr>
+        </p:nvSpPr>
+        <p:spPr/>
+        <p:txBody>
+          <a:bodyPr/>
+          <a:lstStyle/>
+          <a:p>
+            <a:r>
+              <a:rPr lang="en-US" dirty="0"/>
+              <a:t>Admin Insurance Claim Approval</a:t>
+            </a:r>
+            <a:endParaRPr lang="en-IN" dirty="0"/>
+          </a:p>
+        </p:txBody>
+      </p:sp>
+    </p:spTree>
+    <p:extLst>
+      <p:ext uri="{BB962C8B-B14F-4D97-AF65-F5344CB8AC3E}">
+        <p14:creationId xmlns:p14="http://schemas.microsoft.com/office/powerpoint/2010/main" val="3942681521"/>
+      </p:ext>
+    </p:extLst>
+  </p:cSld>
+  <p:clrMapOvr>
+    <a:masterClrMapping/>
+  </p:clrMapOvr>
+</p:sld>
+</file>
+
+<file path=ppt/slides/slide17.xml><?xml version="1.0" encoding="utf-8"?>
+<p:sld xmlns:a="http://schemas.openxmlformats.org/drawingml/2006/main" xmlns:r="http://schemas.openxmlformats.org/officeDocument/2006/relationships" xmlns:p="http://schemas.openxmlformats.org/presentationml/2006/main">
+  <p:cSld>
+    <p:spTree>
+      <p:nvGrpSpPr>
+        <p:cNvPr id="1" name=""/>
+        <p:cNvGrpSpPr/>
+        <p:nvPr/>
+      </p:nvGrpSpPr>
+      <p:grpSpPr>
+        <a:xfrm>
+          <a:off x="0" y="0"/>
+          <a:ext cx="0" cy="0"/>
+          <a:chOff x="0" y="0"/>
+          <a:chExt cx="0" cy="0"/>
+        </a:xfrm>
+      </p:grpSpPr>
+      <p:pic>
+        <p:nvPicPr>
+          <p:cNvPr id="6" name="Content Placeholder 5">
+            <a:extLst>
+              <a:ext uri="{FF2B5EF4-FFF2-40B4-BE49-F238E27FC236}">
+                <a16:creationId xmlns:a16="http://schemas.microsoft.com/office/drawing/2014/main" id="{B80517AA-F60D-4A91-944F-010B106B7DDE}"/>
+              </a:ext>
+            </a:extLst>
+          </p:cNvPr>
+          <p:cNvPicPr>
+            <a:picLocks noGrp="1" noChangeAspect="1"/>
+          </p:cNvPicPr>
+          <p:nvPr>
+            <p:ph idx="1"/>
+          </p:nvPr>
+        </p:nvPicPr>
+        <p:blipFill>
+          <a:blip r:embed="rId2"/>
+          <a:stretch>
+            <a:fillRect/>
+          </a:stretch>
+        </p:blipFill>
+        <p:spPr>
+          <a:xfrm>
+            <a:off x="481514" y="737781"/>
+            <a:ext cx="8024283" cy="3876749"/>
+          </a:xfrm>
+        </p:spPr>
+      </p:pic>
+      <p:sp>
+        <p:nvSpPr>
+          <p:cNvPr id="3" name="Title 2">
+            <a:extLst>
+              <a:ext uri="{FF2B5EF4-FFF2-40B4-BE49-F238E27FC236}">
+                <a16:creationId xmlns:a16="http://schemas.microsoft.com/office/drawing/2014/main" id="{042964D4-8DFC-41CC-AD52-6FF03A2AA299}"/>
+              </a:ext>
+            </a:extLst>
+          </p:cNvPr>
+          <p:cNvSpPr>
+            <a:spLocks noGrp="1"/>
+          </p:cNvSpPr>
+          <p:nvPr>
+            <p:ph type="title"/>
+          </p:nvPr>
+        </p:nvSpPr>
+        <p:spPr/>
+        <p:txBody>
+          <a:bodyPr/>
+          <a:lstStyle/>
+          <a:p>
+            <a:r>
+              <a:rPr lang="en-US" dirty="0"/>
+              <a:t>Admin approval to validate the claim  details</a:t>
+            </a:r>
+            <a:endParaRPr lang="en-IN" dirty="0"/>
+          </a:p>
+        </p:txBody>
+      </p:sp>
+    </p:spTree>
+    <p:extLst>
+      <p:ext uri="{BB962C8B-B14F-4D97-AF65-F5344CB8AC3E}">
+        <p14:creationId xmlns:p14="http://schemas.microsoft.com/office/powerpoint/2010/main" val="280766698"/>
+      </p:ext>
+    </p:extLst>
+  </p:cSld>
+  <p:clrMapOvr>
+    <a:masterClrMapping/>
+  </p:clrMapOvr>
+</p:sld>
+</file>
+
+<file path=ppt/slides/slide18.xml><?xml version="1.0" encoding="utf-8"?>
+<p:sld xmlns:a="http://schemas.openxmlformats.org/drawingml/2006/main" xmlns:r="http://schemas.openxmlformats.org/officeDocument/2006/relationships" xmlns:p="http://schemas.openxmlformats.org/presentationml/2006/main">
+  <p:cSld>
+    <p:spTree>
+      <p:nvGrpSpPr>
+        <p:cNvPr id="1" name=""/>
+        <p:cNvGrpSpPr/>
+        <p:nvPr/>
+      </p:nvGrpSpPr>
+      <p:grpSpPr>
+        <a:xfrm>
+          <a:off x="0" y="0"/>
+          <a:ext cx="0" cy="0"/>
+          <a:chOff x="0" y="0"/>
+          <a:chExt cx="0" cy="0"/>
+        </a:xfrm>
+      </p:grpSpPr>
+      <p:pic>
+        <p:nvPicPr>
+          <p:cNvPr id="6" name="Content Placeholder 5">
+            <a:extLst>
+              <a:ext uri="{FF2B5EF4-FFF2-40B4-BE49-F238E27FC236}">
+                <a16:creationId xmlns:a16="http://schemas.microsoft.com/office/drawing/2014/main" id="{C3AE2435-EE3F-4D26-B4CB-CD42D5A8E135}"/>
+              </a:ext>
+            </a:extLst>
+          </p:cNvPr>
+          <p:cNvPicPr>
+            <a:picLocks noGrp="1" noChangeAspect="1"/>
+          </p:cNvPicPr>
+          <p:nvPr>
+            <p:ph idx="1"/>
+          </p:nvPr>
+        </p:nvPicPr>
+        <p:blipFill>
+          <a:blip r:embed="rId2"/>
+          <a:stretch>
+            <a:fillRect/>
+          </a:stretch>
+        </p:blipFill>
+        <p:spPr>
+          <a:xfrm>
+            <a:off x="258763" y="1137684"/>
+            <a:ext cx="8615362" cy="2349795"/>
+          </a:xfrm>
+        </p:spPr>
+      </p:pic>
+      <p:sp>
+        <p:nvSpPr>
+          <p:cNvPr id="3" name="Title 2">
+            <a:extLst>
+              <a:ext uri="{FF2B5EF4-FFF2-40B4-BE49-F238E27FC236}">
+                <a16:creationId xmlns:a16="http://schemas.microsoft.com/office/drawing/2014/main" id="{E977600B-A7F9-4AB9-9B8B-863623EA1329}"/>
+              </a:ext>
+            </a:extLst>
+          </p:cNvPr>
+          <p:cNvSpPr>
+            <a:spLocks noGrp="1"/>
+          </p:cNvSpPr>
+          <p:nvPr>
+            <p:ph type="title"/>
+          </p:nvPr>
+        </p:nvSpPr>
+        <p:spPr/>
+        <p:txBody>
+          <a:bodyPr/>
+          <a:lstStyle/>
+          <a:p>
+            <a:r>
+              <a:rPr lang="en-US" dirty="0"/>
+              <a:t>Admin Bidder Registration Details</a:t>
+            </a:r>
+            <a:endParaRPr lang="en-IN" dirty="0"/>
+          </a:p>
+        </p:txBody>
+      </p:sp>
+    </p:spTree>
+    <p:extLst>
+      <p:ext uri="{BB962C8B-B14F-4D97-AF65-F5344CB8AC3E}">
+        <p14:creationId xmlns:p14="http://schemas.microsoft.com/office/powerpoint/2010/main" val="1830739841"/>
+      </p:ext>
+    </p:extLst>
+  </p:cSld>
+  <p:clrMapOvr>
+    <a:masterClrMapping/>
+  </p:clrMapOvr>
+</p:sld>
+</file>
+
+<file path=ppt/slides/slide19.xml><?xml version="1.0" encoding="utf-8"?>
+<p:sld xmlns:a="http://schemas.openxmlformats.org/drawingml/2006/main" xmlns:r="http://schemas.openxmlformats.org/officeDocument/2006/relationships" xmlns:p="http://schemas.openxmlformats.org/presentationml/2006/main">
+  <p:cSld>
+    <p:spTree>
+      <p:nvGrpSpPr>
+        <p:cNvPr id="1" name=""/>
+        <p:cNvGrpSpPr/>
+        <p:nvPr/>
+      </p:nvGrpSpPr>
+      <p:grpSpPr>
+        <a:xfrm>
+          <a:off x="0" y="0"/>
+          <a:ext cx="0" cy="0"/>
+          <a:chOff x="0" y="0"/>
+          <a:chExt cx="0" cy="0"/>
+        </a:xfrm>
+      </p:grpSpPr>
+    </p:spTree>
+    <p:extLst>
+      <p:ext uri="{BB962C8B-B14F-4D97-AF65-F5344CB8AC3E}">
+        <p14:creationId xmlns:p14="http://schemas.microsoft.com/office/powerpoint/2010/main" val="1177520663"/>
+      </p:ext>
+    </p:extLst>
+  </p:cSld>
+  <p:clrMapOvr>
+    <a:masterClrMapping/>
+  </p:clrMapOvr>
+</p:sld>
+</file>
+
+<file path=ppt/slides/slide2.xml><?xml version="1.0" encoding="utf-8"?>
 <p:sld xmlns:a="http://schemas.openxmlformats.org/drawingml/2006/main" xmlns:r="http://schemas.openxmlformats.org/officeDocument/2006/relationships" xmlns:p="http://schemas.openxmlformats.org/presentationml/2006/main">
   <p:cSld>
     <p:spTree>
@@ -9617,10 +9999,189 @@
             <p:ph idx="1"/>
           </p:nvPr>
         </p:nvSpPr>
-        <p:spPr/>
+        <p:spPr>
+          <a:xfrm>
+            <a:off x="269878" y="749147"/>
+            <a:ext cx="8615227" cy="3833870"/>
+          </a:xfrm>
+        </p:spPr>
         <p:txBody>
           <a:bodyPr/>
           <a:lstStyle/>
+          <a:p>
+            <a:pPr marL="349190" indent="0" algn="just">
+              <a:lnSpc>
+                <a:spcPts val="1705"/>
+              </a:lnSpc>
+              <a:buNone/>
+            </a:pPr>
+            <a:r>
+              <a:rPr lang="en-US" sz="1800" b="1" dirty="0">
+                <a:effectLst/>
+                <a:latin typeface="Calibri Light" panose="020F0302020204030204" pitchFamily="34" charset="0"/>
+                <a:ea typeface="Calibri Light" panose="020F0302020204030204" pitchFamily="34" charset="0"/>
+              </a:rPr>
+              <a:t>Problem statement</a:t>
+            </a:r>
+            <a:endParaRPr lang="en-IN" sz="1800" b="1" dirty="0">
+              <a:effectLst/>
+              <a:latin typeface="Calibri Light" panose="020F0302020204030204" pitchFamily="34" charset="0"/>
+              <a:ea typeface="Calibri Light" panose="020F0302020204030204" pitchFamily="34" charset="0"/>
+            </a:endParaRPr>
+          </a:p>
+          <a:p>
+            <a:pPr marL="634940" marR="414655" indent="-285750" algn="just">
+              <a:spcAft>
+                <a:spcPts val="0"/>
+              </a:spcAft>
+              <a:buFont typeface="Arial" panose="020B0604020202020204" pitchFamily="34" charset="0"/>
+              <a:buChar char="•"/>
+            </a:pPr>
+            <a:r>
+              <a:rPr lang="en-US" sz="1800" dirty="0">
+                <a:solidFill>
+                  <a:srgbClr val="212121"/>
+                </a:solidFill>
+                <a:effectLst/>
+                <a:latin typeface="Calibri Light" panose="020F0302020204030204" pitchFamily="34" charset="0"/>
+                <a:ea typeface="Calibri Light" panose="020F0302020204030204" pitchFamily="34" charset="0"/>
+              </a:rPr>
+              <a:t>Farm-Scheme is a project in Agriculture domain. It is a Java Web-based application which gives an idea to the farmers how to use e-farming to sell their products. Farmers will get new ideas to improve their productivity, they can buy and sell their products online from different cities through the process of bidding.</a:t>
+            </a:r>
+            <a:endParaRPr lang="en-IN" sz="1800" dirty="0">
+              <a:effectLst/>
+              <a:latin typeface="Calibri Light" panose="020F0302020204030204" pitchFamily="34" charset="0"/>
+              <a:ea typeface="Calibri Light" panose="020F0302020204030204" pitchFamily="34" charset="0"/>
+            </a:endParaRPr>
+          </a:p>
+          <a:p>
+            <a:pPr marL="634940" marR="415925" indent="-285750" algn="just">
+              <a:spcAft>
+                <a:spcPts val="0"/>
+              </a:spcAft>
+              <a:buFont typeface="Arial" panose="020B0604020202020204" pitchFamily="34" charset="0"/>
+              <a:buChar char="•"/>
+            </a:pPr>
+            <a:r>
+              <a:rPr lang="en-US" sz="1800" dirty="0">
+                <a:solidFill>
+                  <a:srgbClr val="212121"/>
+                </a:solidFill>
+                <a:effectLst/>
+                <a:latin typeface="Calibri Light" panose="020F0302020204030204" pitchFamily="34" charset="0"/>
+                <a:ea typeface="Calibri Light" panose="020F0302020204030204" pitchFamily="34" charset="0"/>
+              </a:rPr>
+              <a:t>Farmers can use this facility and avail benefits of different schemes available which will increase their profit.</a:t>
+            </a:r>
+            <a:endParaRPr lang="en-IN" sz="1800" dirty="0">
+              <a:effectLst/>
+              <a:latin typeface="Calibri Light" panose="020F0302020204030204" pitchFamily="34" charset="0"/>
+              <a:ea typeface="Calibri Light" panose="020F0302020204030204" pitchFamily="34" charset="0"/>
+            </a:endParaRPr>
+          </a:p>
+          <a:p>
+            <a:pPr marL="349190" indent="0" algn="just">
+              <a:buNone/>
+            </a:pPr>
+            <a:r>
+              <a:rPr lang="en-US" sz="1800" b="1" dirty="0">
+                <a:effectLst/>
+                <a:latin typeface="Calibri Light" panose="020F0302020204030204" pitchFamily="34" charset="0"/>
+                <a:ea typeface="Calibri Light" panose="020F0302020204030204" pitchFamily="34" charset="0"/>
+              </a:rPr>
+              <a:t>Project Abstract:</a:t>
+            </a:r>
+            <a:endParaRPr lang="en-IN" sz="1800" b="1" dirty="0">
+              <a:latin typeface="Calibri Light" panose="020F0302020204030204" pitchFamily="34" charset="0"/>
+              <a:ea typeface="Calibri Light" panose="020F0302020204030204" pitchFamily="34" charset="0"/>
+            </a:endParaRPr>
+          </a:p>
+          <a:p>
+            <a:pPr marL="634940" indent="-285750" algn="just">
+              <a:buFont typeface="Arial" panose="020B0604020202020204" pitchFamily="34" charset="0"/>
+              <a:buChar char="•"/>
+            </a:pPr>
+            <a:r>
+              <a:rPr lang="en-US" sz="1800" dirty="0">
+                <a:solidFill>
+                  <a:srgbClr val="212121"/>
+                </a:solidFill>
+                <a:effectLst/>
+                <a:latin typeface="Calibri Light" panose="020F0302020204030204" pitchFamily="34" charset="0"/>
+                <a:ea typeface="Symbol" panose="05050102010706020507" pitchFamily="18" charset="2"/>
+                <a:cs typeface="Symbol" panose="05050102010706020507" pitchFamily="18" charset="2"/>
+              </a:rPr>
+              <a:t>    To encourage farmers to adopt innovative and modern agricultural practices.</a:t>
+            </a:r>
+            <a:endParaRPr lang="en-IN" sz="1800" dirty="0">
+              <a:latin typeface="Calibri Light" panose="020F0302020204030204" pitchFamily="34" charset="0"/>
+              <a:ea typeface="Symbol" panose="05050102010706020507" pitchFamily="18" charset="2"/>
+              <a:cs typeface="Symbol" panose="05050102010706020507" pitchFamily="18" charset="2"/>
+            </a:endParaRPr>
+          </a:p>
+          <a:p>
+            <a:pPr marL="634940" indent="-285750" algn="just">
+              <a:buFont typeface="Arial" panose="020B0604020202020204" pitchFamily="34" charset="0"/>
+              <a:buChar char="•"/>
+            </a:pPr>
+            <a:r>
+              <a:rPr lang="en-US" sz="1800" dirty="0">
+                <a:solidFill>
+                  <a:srgbClr val="212121"/>
+                </a:solidFill>
+                <a:effectLst/>
+                <a:latin typeface="Calibri Light" panose="020F0302020204030204" pitchFamily="34" charset="0"/>
+                <a:ea typeface="Symbol" panose="05050102010706020507" pitchFamily="18" charset="2"/>
+                <a:cs typeface="Symbol" panose="05050102010706020507" pitchFamily="18" charset="2"/>
+              </a:rPr>
+              <a:t>   To ensure flow of credit to the agriculture</a:t>
+            </a:r>
+            <a:r>
+              <a:rPr lang="en-US" sz="1800" spc="-50" dirty="0">
+                <a:solidFill>
+                  <a:srgbClr val="212121"/>
+                </a:solidFill>
+                <a:effectLst/>
+                <a:latin typeface="Calibri Light" panose="020F0302020204030204" pitchFamily="34" charset="0"/>
+                <a:ea typeface="Symbol" panose="05050102010706020507" pitchFamily="18" charset="2"/>
+                <a:cs typeface="Symbol" panose="05050102010706020507" pitchFamily="18" charset="2"/>
+              </a:rPr>
+              <a:t> </a:t>
+            </a:r>
+            <a:r>
+              <a:rPr lang="en-US" sz="1800" dirty="0">
+                <a:solidFill>
+                  <a:srgbClr val="212121"/>
+                </a:solidFill>
+                <a:effectLst/>
+                <a:latin typeface="Calibri Light" panose="020F0302020204030204" pitchFamily="34" charset="0"/>
+                <a:ea typeface="Symbol" panose="05050102010706020507" pitchFamily="18" charset="2"/>
+                <a:cs typeface="Symbol" panose="05050102010706020507" pitchFamily="18" charset="2"/>
+              </a:rPr>
+              <a:t>sector.</a:t>
+            </a:r>
+            <a:endParaRPr lang="en-IN" sz="1800" dirty="0">
+              <a:effectLst/>
+              <a:latin typeface="Calibri Light" panose="020F0302020204030204" pitchFamily="34" charset="0"/>
+              <a:ea typeface="Symbol" panose="05050102010706020507" pitchFamily="18" charset="2"/>
+              <a:cs typeface="Symbol" panose="05050102010706020507" pitchFamily="18" charset="2"/>
+            </a:endParaRPr>
+          </a:p>
+          <a:p>
+            <a:r>
+              <a:rPr lang="en-US" sz="1800" dirty="0">
+                <a:effectLst/>
+                <a:latin typeface="Calibri Light" panose="020F0302020204030204" pitchFamily="34" charset="0"/>
+                <a:ea typeface="Calibri Light" panose="020F0302020204030204" pitchFamily="34" charset="0"/>
+              </a:rPr>
+              <a:t> </a:t>
+            </a:r>
+            <a:endParaRPr lang="en-IN" sz="1800" dirty="0">
+              <a:effectLst/>
+              <a:latin typeface="Calibri Light" panose="020F0302020204030204" pitchFamily="34" charset="0"/>
+              <a:ea typeface="Calibri Light" panose="020F0302020204030204" pitchFamily="34" charset="0"/>
+            </a:endParaRPr>
+          </a:p>
           <a:p>
             <a:endParaRPr lang="en-US" dirty="0"/>
           </a:p>
@@ -9636,39 +10197,113 @@
             <p:ph type="title"/>
           </p:nvPr>
         </p:nvSpPr>
-        <p:spPr/>
+        <p:spPr>
+          <a:xfrm>
+            <a:off x="269878" y="240427"/>
+            <a:ext cx="8024283" cy="369332"/>
+          </a:xfrm>
+        </p:spPr>
         <p:txBody>
           <a:bodyPr/>
           <a:lstStyle/>
           <a:p>
             <a:r>
-              <a:rPr lang="en-US" dirty="0" smtClean="0"/>
-              <a:t>Bidder Registration</a:t>
+              <a:rPr lang="en-US" sz="2400" dirty="0">
+                <a:solidFill>
+                  <a:schemeClr val="accent1">
+                    <a:lumMod val="75000"/>
+                  </a:schemeClr>
+                </a:solidFill>
+              </a:rPr>
+              <a:t>Farmer Scheme</a:t>
             </a:r>
             <a:endParaRPr lang="en-US" dirty="0"/>
           </a:p>
         </p:txBody>
       </p:sp>
+    </p:spTree>
+  </p:cSld>
+  <p:clrMapOvr>
+    <a:masterClrMapping/>
+  </p:clrMapOvr>
+</p:sld>
+</file>
+
+<file path=ppt/slides/slide3.xml><?xml version="1.0" encoding="utf-8"?>
+<p:sld xmlns:a="http://schemas.openxmlformats.org/drawingml/2006/main" xmlns:r="http://schemas.openxmlformats.org/officeDocument/2006/relationships" xmlns:p="http://schemas.openxmlformats.org/presentationml/2006/main">
+  <p:cSld>
+    <p:spTree>
+      <p:nvGrpSpPr>
+        <p:cNvPr id="1" name=""/>
+        <p:cNvGrpSpPr/>
+        <p:nvPr/>
+      </p:nvGrpSpPr>
+      <p:grpSpPr>
+        <a:xfrm>
+          <a:off x="0" y="0"/>
+          <a:ext cx="0" cy="0"/>
+          <a:chOff x="0" y="0"/>
+          <a:chExt cx="0" cy="0"/>
+        </a:xfrm>
+      </p:grpSpPr>
+      <p:graphicFrame>
+        <p:nvGraphicFramePr>
+          <p:cNvPr id="5" name="Content Placeholder 4"/>
+          <p:cNvGraphicFramePr>
+            <a:graphicFrameLocks noGrp="1"/>
+          </p:cNvGraphicFramePr>
+          <p:nvPr>
+            <p:ph idx="1"/>
+            <p:extLst>
+              <p:ext uri="{D42A27DB-BD31-4B8C-83A1-F6EECF244321}">
+                <p14:modId xmlns:p14="http://schemas.microsoft.com/office/powerpoint/2010/main" val="1478688035"/>
+              </p:ext>
+            </p:extLst>
+          </p:nvPr>
+        </p:nvGraphicFramePr>
+        <p:xfrm>
+          <a:off x="343290" y="700452"/>
+          <a:ext cx="7610888" cy="4127317"/>
+        </p:xfrm>
+        <a:graphic>
+          <a:graphicData uri="http://schemas.openxmlformats.org/drawingml/2006/diagram">
+            <dgm:relIds xmlns:dgm="http://schemas.openxmlformats.org/drawingml/2006/diagram" xmlns:r="http://schemas.openxmlformats.org/officeDocument/2006/relationships" r:dm="rId2" r:lo="rId3" r:qs="rId4" r:cs="rId5"/>
+          </a:graphicData>
+        </a:graphic>
+      </p:graphicFrame>
       <p:sp>
         <p:nvSpPr>
-          <p:cNvPr id="4" name="Content Placeholder 3"/>
+          <p:cNvPr id="3" name="Title 2"/>
           <p:cNvSpPr>
             <a:spLocks noGrp="1"/>
           </p:cNvSpPr>
           <p:nvPr>
-            <p:ph sz="quarter" idx="10"/>
+            <p:ph type="title"/>
           </p:nvPr>
         </p:nvSpPr>
-        <p:spPr/>
+        <p:spPr>
+          <a:xfrm>
+            <a:off x="343290" y="315731"/>
+            <a:ext cx="8024283" cy="384721"/>
+          </a:xfrm>
+        </p:spPr>
         <p:txBody>
           <a:bodyPr/>
           <a:lstStyle/>
           <a:p>
-            <a:endParaRPr lang="en-US"/>
+            <a:r>
+              <a:rPr lang="en-US" dirty="0"/>
+              <a:t>Modules</a:t>
+            </a:r>
           </a:p>
         </p:txBody>
       </p:sp>
     </p:spTree>
+    <p:extLst>
+      <p:ext uri="{BB962C8B-B14F-4D97-AF65-F5344CB8AC3E}">
+        <p14:creationId xmlns:p14="http://schemas.microsoft.com/office/powerpoint/2010/main" val="760889361"/>
+      </p:ext>
+    </p:extLst>
   </p:cSld>
   <p:clrMapOvr>
     <a:masterClrMapping/>
@@ -9693,28 +10328,44 @@
           <a:chExt cx="0" cy="0"/>
         </a:xfrm>
       </p:grpSpPr>
-      <p:sp>
-        <p:nvSpPr>
-          <p:cNvPr id="2" name="Content Placeholder 1"/>
-          <p:cNvSpPr>
-            <a:spLocks noGrp="1"/>
-          </p:cNvSpPr>
+      <p:pic>
+        <p:nvPicPr>
+          <p:cNvPr id="6" name="Content Placeholder 5">
+            <a:extLst>
+              <a:ext uri="{FF2B5EF4-FFF2-40B4-BE49-F238E27FC236}">
+                <a16:creationId xmlns:a16="http://schemas.microsoft.com/office/drawing/2014/main" id="{CAD6AF7E-3487-48DC-89FE-30FFCB3098E5}"/>
+              </a:ext>
+            </a:extLst>
+          </p:cNvPr>
+          <p:cNvPicPr>
+            <a:picLocks noGrp="1" noChangeAspect="1"/>
+          </p:cNvPicPr>
           <p:nvPr>
             <p:ph idx="1"/>
           </p:nvPr>
-        </p:nvSpPr>
-        <p:spPr/>
-        <p:txBody>
-          <a:bodyPr/>
-          <a:lstStyle/>
-          <a:p>
-            <a:endParaRPr lang="en-US"/>
-          </a:p>
-        </p:txBody>
-      </p:sp>
+        </p:nvPicPr>
+        <p:blipFill>
+          <a:blip r:embed="rId2"/>
+          <a:stretch>
+            <a:fillRect/>
+          </a:stretch>
+        </p:blipFill>
+        <p:spPr>
+          <a:xfrm>
+            <a:off x="269878" y="788218"/>
+            <a:ext cx="8024283" cy="3877446"/>
+          </a:xfrm>
+        </p:spPr>
+      </p:pic>
       <p:sp>
         <p:nvSpPr>
-          <p:cNvPr id="3" name="Title 2"/>
+          <p:cNvPr id="3" name="Title 2">
+            <a:extLst>
+              <a:ext uri="{FF2B5EF4-FFF2-40B4-BE49-F238E27FC236}">
+                <a16:creationId xmlns:a16="http://schemas.microsoft.com/office/drawing/2014/main" id="{6BC65D31-7B33-4060-AB9E-A96908AE2034}"/>
+              </a:ext>
+            </a:extLst>
+          </p:cNvPr>
           <p:cNvSpPr>
             <a:spLocks noGrp="1"/>
           </p:cNvSpPr>
@@ -9727,30 +10378,20 @@
           <a:bodyPr/>
           <a:lstStyle/>
           <a:p>
-            <a:endParaRPr lang="en-US"/>
-          </a:p>
-        </p:txBody>
-      </p:sp>
-      <p:sp>
-        <p:nvSpPr>
-          <p:cNvPr id="4" name="Content Placeholder 3"/>
-          <p:cNvSpPr>
-            <a:spLocks noGrp="1"/>
-          </p:cNvSpPr>
-          <p:nvPr>
-            <p:ph sz="quarter" idx="10"/>
-          </p:nvPr>
-        </p:nvSpPr>
-        <p:spPr/>
-        <p:txBody>
-          <a:bodyPr/>
-          <a:lstStyle/>
-          <a:p>
-            <a:endParaRPr lang="en-US"/>
+            <a:r>
+              <a:rPr lang="en-US" dirty="0"/>
+              <a:t>Login Page</a:t>
+            </a:r>
+            <a:endParaRPr lang="en-IN" dirty="0"/>
           </a:p>
         </p:txBody>
       </p:sp>
     </p:spTree>
+    <p:extLst>
+      <p:ext uri="{BB962C8B-B14F-4D97-AF65-F5344CB8AC3E}">
+        <p14:creationId xmlns:p14="http://schemas.microsoft.com/office/powerpoint/2010/main" val="334133375"/>
+      </p:ext>
+    </p:extLst>
   </p:cSld>
   <p:clrMapOvr>
     <a:masterClrMapping/>
@@ -9777,25 +10418,6 @@
       </p:grpSpPr>
       <p:sp>
         <p:nvSpPr>
-          <p:cNvPr id="2" name="Content Placeholder 1"/>
-          <p:cNvSpPr>
-            <a:spLocks noGrp="1"/>
-          </p:cNvSpPr>
-          <p:nvPr>
-            <p:ph idx="1"/>
-          </p:nvPr>
-        </p:nvSpPr>
-        <p:spPr/>
-        <p:txBody>
-          <a:bodyPr/>
-          <a:lstStyle/>
-          <a:p>
-            <a:endParaRPr lang="en-US"/>
-          </a:p>
-        </p:txBody>
-      </p:sp>
-      <p:sp>
-        <p:nvSpPr>
           <p:cNvPr id="3" name="Title 2"/>
           <p:cNvSpPr>
             <a:spLocks noGrp="1"/>
@@ -9809,29 +10431,43 @@
           <a:bodyPr/>
           <a:lstStyle/>
           <a:p>
-            <a:endParaRPr lang="en-US"/>
+            <a:r>
+              <a:rPr lang="en-US" dirty="0"/>
+              <a:t>Farmer Registration Form output</a:t>
+            </a:r>
           </a:p>
         </p:txBody>
       </p:sp>
-      <p:sp>
-        <p:nvSpPr>
-          <p:cNvPr id="4" name="Content Placeholder 3"/>
-          <p:cNvSpPr>
-            <a:spLocks noGrp="1"/>
-          </p:cNvSpPr>
-          <p:nvPr>
-            <p:ph sz="quarter" idx="10"/>
-          </p:nvPr>
-        </p:nvSpPr>
-        <p:spPr/>
-        <p:txBody>
-          <a:bodyPr/>
-          <a:lstStyle/>
-          <a:p>
-            <a:endParaRPr lang="en-US"/>
-          </a:p>
-        </p:txBody>
-      </p:sp>
+      <p:pic>
+        <p:nvPicPr>
+          <p:cNvPr id="9" name="Picture 8">
+            <a:extLst>
+              <a:ext uri="{FF2B5EF4-FFF2-40B4-BE49-F238E27FC236}">
+                <a16:creationId xmlns:a16="http://schemas.microsoft.com/office/drawing/2014/main" id="{C5BA1269-0CC0-4D9A-9642-6A227EC8C67D}"/>
+              </a:ext>
+            </a:extLst>
+          </p:cNvPr>
+          <p:cNvPicPr>
+            <a:picLocks noChangeAspect="1"/>
+          </p:cNvPicPr>
+          <p:nvPr/>
+        </p:nvPicPr>
+        <p:blipFill>
+          <a:blip r:embed="rId2"/>
+          <a:stretch>
+            <a:fillRect/>
+          </a:stretch>
+        </p:blipFill>
+        <p:spPr>
+          <a:xfrm>
+            <a:off x="1428750" y="625148"/>
+            <a:ext cx="6286500" cy="4518352"/>
+          </a:xfrm>
+          <a:prstGeom prst="rect">
+            <a:avLst/>
+          </a:prstGeom>
+        </p:spPr>
+      </p:pic>
     </p:spTree>
   </p:cSld>
   <p:clrMapOvr>
@@ -9859,25 +10495,6 @@
       </p:grpSpPr>
       <p:sp>
         <p:nvSpPr>
-          <p:cNvPr id="2" name="Content Placeholder 1"/>
-          <p:cNvSpPr>
-            <a:spLocks noGrp="1"/>
-          </p:cNvSpPr>
-          <p:nvPr>
-            <p:ph idx="1"/>
-          </p:nvPr>
-        </p:nvSpPr>
-        <p:spPr/>
-        <p:txBody>
-          <a:bodyPr/>
-          <a:lstStyle/>
-          <a:p>
-            <a:endParaRPr lang="en-US"/>
-          </a:p>
-        </p:txBody>
-      </p:sp>
-      <p:sp>
-        <p:nvSpPr>
           <p:cNvPr id="3" name="Title 2"/>
           <p:cNvSpPr>
             <a:spLocks noGrp="1"/>
@@ -9891,29 +10508,43 @@
           <a:bodyPr/>
           <a:lstStyle/>
           <a:p>
-            <a:endParaRPr lang="en-US"/>
+            <a:r>
+              <a:rPr lang="en-US" dirty="0"/>
+              <a:t>Farmer Registration Form output</a:t>
+            </a:r>
           </a:p>
         </p:txBody>
       </p:sp>
-      <p:sp>
-        <p:nvSpPr>
-          <p:cNvPr id="4" name="Content Placeholder 3"/>
-          <p:cNvSpPr>
-            <a:spLocks noGrp="1"/>
-          </p:cNvSpPr>
-          <p:nvPr>
-            <p:ph sz="quarter" idx="10"/>
-          </p:nvPr>
-        </p:nvSpPr>
-        <p:spPr/>
-        <p:txBody>
-          <a:bodyPr/>
-          <a:lstStyle/>
-          <a:p>
-            <a:endParaRPr lang="en-US"/>
-          </a:p>
-        </p:txBody>
-      </p:sp>
+      <p:pic>
+        <p:nvPicPr>
+          <p:cNvPr id="6" name="Picture 5">
+            <a:extLst>
+              <a:ext uri="{FF2B5EF4-FFF2-40B4-BE49-F238E27FC236}">
+                <a16:creationId xmlns:a16="http://schemas.microsoft.com/office/drawing/2014/main" id="{EA712C4A-D3BD-4097-9841-220B32EC748E}"/>
+              </a:ext>
+            </a:extLst>
+          </p:cNvPr>
+          <p:cNvPicPr>
+            <a:picLocks noChangeAspect="1"/>
+          </p:cNvPicPr>
+          <p:nvPr/>
+        </p:nvPicPr>
+        <p:blipFill>
+          <a:blip r:embed="rId2"/>
+          <a:stretch>
+            <a:fillRect/>
+          </a:stretch>
+        </p:blipFill>
+        <p:spPr>
+          <a:xfrm>
+            <a:off x="769363" y="754912"/>
+            <a:ext cx="7605274" cy="3891516"/>
+          </a:xfrm>
+          <a:prstGeom prst="rect">
+            <a:avLst/>
+          </a:prstGeom>
+        </p:spPr>
+      </p:pic>
     </p:spTree>
   </p:cSld>
   <p:clrMapOvr>
@@ -9939,25 +10570,35 @@
           <a:chExt cx="0" cy="0"/>
         </a:xfrm>
       </p:grpSpPr>
-      <p:sp>
-        <p:nvSpPr>
-          <p:cNvPr id="2" name="Content Placeholder 1"/>
-          <p:cNvSpPr>
-            <a:spLocks noGrp="1"/>
-          </p:cNvSpPr>
+      <p:pic>
+        <p:nvPicPr>
+          <p:cNvPr id="6" name="Content Placeholder 5">
+            <a:extLst>
+              <a:ext uri="{FF2B5EF4-FFF2-40B4-BE49-F238E27FC236}">
+                <a16:creationId xmlns:a16="http://schemas.microsoft.com/office/drawing/2014/main" id="{410AD255-D44A-43FE-8B2F-644ABD9E8AB4}"/>
+              </a:ext>
+            </a:extLst>
+          </p:cNvPr>
+          <p:cNvPicPr>
+            <a:picLocks noGrp="1" noChangeAspect="1"/>
+          </p:cNvPicPr>
           <p:nvPr>
             <p:ph idx="1"/>
           </p:nvPr>
-        </p:nvSpPr>
-        <p:spPr/>
-        <p:txBody>
-          <a:bodyPr/>
-          <a:lstStyle/>
-          <a:p>
-            <a:endParaRPr lang="en-US"/>
-          </a:p>
-        </p:txBody>
-      </p:sp>
+        </p:nvPicPr>
+        <p:blipFill>
+          <a:blip r:embed="rId2"/>
+          <a:stretch>
+            <a:fillRect/>
+          </a:stretch>
+        </p:blipFill>
+        <p:spPr>
+          <a:xfrm>
+            <a:off x="520995" y="625148"/>
+            <a:ext cx="7634177" cy="4040515"/>
+          </a:xfrm>
+        </p:spPr>
+      </p:pic>
       <p:sp>
         <p:nvSpPr>
           <p:cNvPr id="3" name="Title 2"/>
@@ -9973,26 +10614,10 @@
           <a:bodyPr/>
           <a:lstStyle/>
           <a:p>
-            <a:endParaRPr lang="en-US"/>
-          </a:p>
-        </p:txBody>
-      </p:sp>
-      <p:sp>
-        <p:nvSpPr>
-          <p:cNvPr id="4" name="Content Placeholder 3"/>
-          <p:cNvSpPr>
-            <a:spLocks noGrp="1"/>
-          </p:cNvSpPr>
-          <p:nvPr>
-            <p:ph sz="quarter" idx="10"/>
-          </p:nvPr>
-        </p:nvSpPr>
-        <p:spPr/>
-        <p:txBody>
-          <a:bodyPr/>
-          <a:lstStyle/>
-          <a:p>
-            <a:endParaRPr lang="en-US"/>
+            <a:r>
+              <a:rPr lang="en-US" dirty="0"/>
+              <a:t>Farmer Facility</a:t>
+            </a:r>
           </a:p>
         </p:txBody>
       </p:sp>
@@ -10023,25 +10648,6 @@
       </p:grpSpPr>
       <p:sp>
         <p:nvSpPr>
-          <p:cNvPr id="2" name="Content Placeholder 1"/>
-          <p:cNvSpPr>
-            <a:spLocks noGrp="1"/>
-          </p:cNvSpPr>
-          <p:nvPr>
-            <p:ph idx="1"/>
-          </p:nvPr>
-        </p:nvSpPr>
-        <p:spPr/>
-        <p:txBody>
-          <a:bodyPr/>
-          <a:lstStyle/>
-          <a:p>
-            <a:endParaRPr lang="en-US"/>
-          </a:p>
-        </p:txBody>
-      </p:sp>
-      <p:sp>
-        <p:nvSpPr>
           <p:cNvPr id="3" name="Title 2"/>
           <p:cNvSpPr>
             <a:spLocks noGrp="1"/>
@@ -10055,29 +10661,42 @@
           <a:bodyPr/>
           <a:lstStyle/>
           <a:p>
-            <a:endParaRPr lang="en-US"/>
+            <a:r>
+              <a:rPr lang="en-US" dirty="0"/>
+              <a:t>Farmer sell Request</a:t>
+            </a:r>
           </a:p>
         </p:txBody>
       </p:sp>
-      <p:sp>
-        <p:nvSpPr>
-          <p:cNvPr id="4" name="Content Placeholder 3"/>
-          <p:cNvSpPr>
-            <a:spLocks noGrp="1"/>
-          </p:cNvSpPr>
+      <p:pic>
+        <p:nvPicPr>
+          <p:cNvPr id="9" name="Content Placeholder 8">
+            <a:extLst>
+              <a:ext uri="{FF2B5EF4-FFF2-40B4-BE49-F238E27FC236}">
+                <a16:creationId xmlns:a16="http://schemas.microsoft.com/office/drawing/2014/main" id="{E74140CA-BED4-4E45-84A2-73F9A653207B}"/>
+              </a:ext>
+            </a:extLst>
+          </p:cNvPr>
+          <p:cNvPicPr>
+            <a:picLocks noGrp="1" noChangeAspect="1"/>
+          </p:cNvPicPr>
           <p:nvPr>
-            <p:ph sz="quarter" idx="10"/>
+            <p:ph idx="1"/>
           </p:nvPr>
-        </p:nvSpPr>
-        <p:spPr/>
-        <p:txBody>
-          <a:bodyPr/>
-          <a:lstStyle/>
-          <a:p>
-            <a:endParaRPr lang="en-US"/>
-          </a:p>
-        </p:txBody>
-      </p:sp>
+        </p:nvPicPr>
+        <p:blipFill>
+          <a:blip r:embed="rId2"/>
+          <a:stretch>
+            <a:fillRect/>
+          </a:stretch>
+        </p:blipFill>
+        <p:spPr>
+          <a:xfrm>
+            <a:off x="390149" y="690802"/>
+            <a:ext cx="7888335" cy="3761896"/>
+          </a:xfrm>
+        </p:spPr>
+      </p:pic>
     </p:spTree>
   </p:cSld>
   <p:clrMapOvr>
@@ -10103,25 +10722,35 @@
           <a:chExt cx="0" cy="0"/>
         </a:xfrm>
       </p:grpSpPr>
-      <p:sp>
-        <p:nvSpPr>
-          <p:cNvPr id="2" name="Content Placeholder 1"/>
-          <p:cNvSpPr>
-            <a:spLocks noGrp="1"/>
-          </p:cNvSpPr>
+      <p:pic>
+        <p:nvPicPr>
+          <p:cNvPr id="6" name="Content Placeholder 5">
+            <a:extLst>
+              <a:ext uri="{FF2B5EF4-FFF2-40B4-BE49-F238E27FC236}">
+                <a16:creationId xmlns:a16="http://schemas.microsoft.com/office/drawing/2014/main" id="{B9D8B7EB-FACE-4BEA-8577-EDF56646F932}"/>
+              </a:ext>
+            </a:extLst>
+          </p:cNvPr>
+          <p:cNvPicPr>
+            <a:picLocks noGrp="1" noChangeAspect="1"/>
+          </p:cNvPicPr>
           <p:nvPr>
             <p:ph idx="1"/>
           </p:nvPr>
-        </p:nvSpPr>
-        <p:spPr/>
-        <p:txBody>
-          <a:bodyPr/>
-          <a:lstStyle/>
-          <a:p>
-            <a:endParaRPr lang="en-US"/>
-          </a:p>
-        </p:txBody>
-      </p:sp>
+        </p:nvPicPr>
+        <p:blipFill>
+          <a:blip r:embed="rId2"/>
+          <a:stretch>
+            <a:fillRect/>
+          </a:stretch>
+        </p:blipFill>
+        <p:spPr>
+          <a:xfrm>
+            <a:off x="258763" y="914401"/>
+            <a:ext cx="8615362" cy="3408876"/>
+          </a:xfrm>
+        </p:spPr>
+      </p:pic>
       <p:sp>
         <p:nvSpPr>
           <p:cNvPr id="3" name="Title 2"/>
@@ -10137,26 +10766,10 @@
           <a:bodyPr/>
           <a:lstStyle/>
           <a:p>
-            <a:endParaRPr lang="en-US"/>
-          </a:p>
-        </p:txBody>
-      </p:sp>
-      <p:sp>
-        <p:nvSpPr>
-          <p:cNvPr id="4" name="Content Placeholder 3"/>
-          <p:cNvSpPr>
-            <a:spLocks noGrp="1"/>
-          </p:cNvSpPr>
-          <p:nvPr>
-            <p:ph sz="quarter" idx="10"/>
-          </p:nvPr>
-        </p:nvSpPr>
-        <p:spPr/>
-        <p:txBody>
-          <a:bodyPr/>
-          <a:lstStyle/>
-          <a:p>
-            <a:endParaRPr lang="en-US"/>
+            <a:r>
+              <a:rPr lang="en-US" dirty="0"/>
+              <a:t>Sold history output</a:t>
+            </a:r>
           </a:p>
         </p:txBody>
       </p:sp>
@@ -10406,7 +11019,7 @@
         <a:effectLst/>
         <a:extLst>
           <a:ext uri="{AF507438-7753-43E0-B8FC-AC1667EBCBE1}">
-            <a14:hiddenEffects xmlns="" xmlns:a14="http://schemas.microsoft.com/office/drawing/2010/main">
+            <a14:hiddenEffects xmlns:a14="http://schemas.microsoft.com/office/drawing/2010/main">
               <a:effectLst>
                 <a:outerShdw dist="35921" dir="2700000" algn="ctr" rotWithShape="0">
                   <a:schemeClr val="bg2"/>
@@ -10480,7 +11093,7 @@
         <a:effectLst/>
         <a:extLst>
           <a:ext uri="{AF507438-7753-43E0-B8FC-AC1667EBCBE1}">
-            <a14:hiddenEffects xmlns="" xmlns:a14="http://schemas.microsoft.com/office/drawing/2010/main">
+            <a14:hiddenEffects xmlns:a14="http://schemas.microsoft.com/office/drawing/2010/main">
               <a:effectLst>
                 <a:outerShdw dist="35921" dir="2700000" algn="ctr" rotWithShape="0">
                   <a:schemeClr val="bg2"/>
@@ -10913,7 +11526,7 @@
   <a:extraClrSchemeLst/>
   <a:extLst>
     <a:ext uri="{05A4C25C-085E-4340-85A3-A5531E510DB2}">
-      <thm15:themeFamily xmlns="" xmlns:thm15="http://schemas.microsoft.com/office/thememl/2012/main" name="Office Theme" id="{62F939B6-93AF-4DB8-9C6B-D6C7DFDC589F}" vid="{4A3C46E8-61CC-4603-A589-7422A47A8E4A}"/>
+      <thm15:themeFamily xmlns:thm15="http://schemas.microsoft.com/office/thememl/2012/main" name="Office Theme" id="{62F939B6-93AF-4DB8-9C6B-D6C7DFDC589F}" vid="{4A3C46E8-61CC-4603-A589-7422A47A8E4A}"/>
     </a:ext>
   </a:extLst>
 </a:theme>
